--- a/Лабы/ТПИС/Курсач/Презентация.pptx
+++ b/Лабы/ТПИС/Курсач/Презентация.pptx
@@ -2,10 +2,20 @@
 <file path=ppt/presentation.xml><?xml version="1.0" encoding="utf-8"?>
 <p:presentation xmlns:a="http://schemas.openxmlformats.org/drawingml/2006/main" xmlns:r="http://schemas.openxmlformats.org/officeDocument/2006/relationships" xmlns:p="http://schemas.openxmlformats.org/presentationml/2006/main" saveSubsetFonts="1">
   <p:sldMasterIdLst>
-    <p:sldMasterId id="2147483648" r:id="rId1"/>
+    <p:sldMasterId id="2147483684" r:id="rId1"/>
   </p:sldMasterIdLst>
   <p:sldIdLst>
     <p:sldId id="256" r:id="rId2"/>
+    <p:sldId id="257" r:id="rId3"/>
+    <p:sldId id="258" r:id="rId4"/>
+    <p:sldId id="259" r:id="rId5"/>
+    <p:sldId id="260" r:id="rId6"/>
+    <p:sldId id="261" r:id="rId7"/>
+    <p:sldId id="262" r:id="rId8"/>
+    <p:sldId id="263" r:id="rId9"/>
+    <p:sldId id="265" r:id="rId10"/>
+    <p:sldId id="264" r:id="rId11"/>
+    <p:sldId id="266" r:id="rId12"/>
   </p:sldIdLst>
   <p:sldSz cx="9144000" cy="6858000" type="screen4x3"/>
   <p:notesSz cx="6858000" cy="9144000"/>
@@ -107,6 +117,344 @@
 </p:presentation>
 </file>
 
+<file path=ppt/charts/chart1.xml><?xml version="1.0" encoding="utf-8"?>
+<c:chartSpace xmlns:c="http://schemas.openxmlformats.org/drawingml/2006/chart" xmlns:a="http://schemas.openxmlformats.org/drawingml/2006/main" xmlns:r="http://schemas.openxmlformats.org/officeDocument/2006/relationships">
+  <c:date1904 val="0"/>
+  <c:lang val="uk-UA"/>
+  <c:roundedCorners val="0"/>
+  <mc:AlternateContent xmlns:mc="http://schemas.openxmlformats.org/markup-compatibility/2006">
+    <mc:Choice xmlns:c14="http://schemas.microsoft.com/office/drawing/2007/8/2/chart" Requires="c14">
+      <c14:style val="139"/>
+    </mc:Choice>
+    <mc:Fallback>
+      <c:style val="39"/>
+    </mc:Fallback>
+  </mc:AlternateContent>
+  <c:chart>
+    <c:autoTitleDeleted val="1"/>
+    <c:plotArea>
+      <c:layout/>
+      <c:lineChart>
+        <c:grouping val="standard"/>
+        <c:varyColors val="0"/>
+        <c:ser>
+          <c:idx val="0"/>
+          <c:order val="0"/>
+          <c:tx>
+            <c:v>Фикс. партии</c:v>
+          </c:tx>
+          <c:cat>
+            <c:numRef>
+              <c:f>'Для ni = 8'!$B$101:$B$105</c:f>
+              <c:numCache>
+                <c:formatCode>General</c:formatCode>
+                <c:ptCount val="5"/>
+                <c:pt idx="0">
+                  <c:v>1</c:v>
+                </c:pt>
+                <c:pt idx="1">
+                  <c:v>2</c:v>
+                </c:pt>
+                <c:pt idx="2">
+                  <c:v>4</c:v>
+                </c:pt>
+                <c:pt idx="3">
+                  <c:v>8</c:v>
+                </c:pt>
+                <c:pt idx="4">
+                  <c:v>16</c:v>
+                </c:pt>
+              </c:numCache>
+            </c:numRef>
+          </c:cat>
+          <c:val>
+            <c:numRef>
+              <c:f>'Для ni = 8'!$C$96:$C$100</c:f>
+              <c:numCache>
+                <c:formatCode>General</c:formatCode>
+                <c:ptCount val="5"/>
+                <c:pt idx="0">
+                  <c:v>502</c:v>
+                </c:pt>
+                <c:pt idx="1">
+                  <c:v>510</c:v>
+                </c:pt>
+                <c:pt idx="2">
+                  <c:v>526</c:v>
+                </c:pt>
+                <c:pt idx="3">
+                  <c:v>558</c:v>
+                </c:pt>
+                <c:pt idx="4">
+                  <c:v>622</c:v>
+                </c:pt>
+              </c:numCache>
+            </c:numRef>
+          </c:val>
+          <c:smooth val="0"/>
+        </c:ser>
+        <c:ser>
+          <c:idx val="1"/>
+          <c:order val="1"/>
+          <c:tx>
+            <c:v>Метод формир</c:v>
+          </c:tx>
+          <c:cat>
+            <c:numRef>
+              <c:f>'Для ni = 8'!$B$101:$B$105</c:f>
+              <c:numCache>
+                <c:formatCode>General</c:formatCode>
+                <c:ptCount val="5"/>
+                <c:pt idx="0">
+                  <c:v>1</c:v>
+                </c:pt>
+                <c:pt idx="1">
+                  <c:v>2</c:v>
+                </c:pt>
+                <c:pt idx="2">
+                  <c:v>4</c:v>
+                </c:pt>
+                <c:pt idx="3">
+                  <c:v>8</c:v>
+                </c:pt>
+                <c:pt idx="4">
+                  <c:v>16</c:v>
+                </c:pt>
+              </c:numCache>
+            </c:numRef>
+          </c:cat>
+          <c:val>
+            <c:numRef>
+              <c:f>'Для ni = 8'!$E$96:$E$100</c:f>
+              <c:numCache>
+                <c:formatCode>General</c:formatCode>
+                <c:ptCount val="5"/>
+                <c:pt idx="0">
+                  <c:v>420</c:v>
+                </c:pt>
+                <c:pt idx="1">
+                  <c:v>436</c:v>
+                </c:pt>
+                <c:pt idx="2">
+                  <c:v>468</c:v>
+                </c:pt>
+                <c:pt idx="3">
+                  <c:v>550</c:v>
+                </c:pt>
+                <c:pt idx="4">
+                  <c:v>614</c:v>
+                </c:pt>
+              </c:numCache>
+            </c:numRef>
+          </c:val>
+          <c:smooth val="0"/>
+        </c:ser>
+        <c:ser>
+          <c:idx val="2"/>
+          <c:order val="2"/>
+          <c:tx>
+            <c:v>Гаа</c:v>
+          </c:tx>
+          <c:cat>
+            <c:numRef>
+              <c:f>'Для ni = 8'!$B$101:$B$105</c:f>
+              <c:numCache>
+                <c:formatCode>General</c:formatCode>
+                <c:ptCount val="5"/>
+                <c:pt idx="0">
+                  <c:v>1</c:v>
+                </c:pt>
+                <c:pt idx="1">
+                  <c:v>2</c:v>
+                </c:pt>
+                <c:pt idx="2">
+                  <c:v>4</c:v>
+                </c:pt>
+                <c:pt idx="3">
+                  <c:v>8</c:v>
+                </c:pt>
+                <c:pt idx="4">
+                  <c:v>16</c:v>
+                </c:pt>
+              </c:numCache>
+            </c:numRef>
+          </c:cat>
+          <c:val>
+            <c:numRef>
+              <c:f>'Для ni = 8'!$G$96:$G$100</c:f>
+              <c:numCache>
+                <c:formatCode>General</c:formatCode>
+                <c:ptCount val="5"/>
+                <c:pt idx="0">
+                  <c:v>494</c:v>
+                </c:pt>
+                <c:pt idx="1">
+                  <c:v>502</c:v>
+                </c:pt>
+                <c:pt idx="2">
+                  <c:v>518</c:v>
+                </c:pt>
+                <c:pt idx="3">
+                  <c:v>550</c:v>
+                </c:pt>
+                <c:pt idx="4">
+                  <c:v>616</c:v>
+                </c:pt>
+              </c:numCache>
+            </c:numRef>
+          </c:val>
+          <c:smooth val="0"/>
+        </c:ser>
+        <c:dLbls>
+          <c:showLegendKey val="0"/>
+          <c:showVal val="0"/>
+          <c:showCatName val="0"/>
+          <c:showSerName val="0"/>
+          <c:showPercent val="0"/>
+          <c:showBubbleSize val="0"/>
+        </c:dLbls>
+        <c:marker val="1"/>
+        <c:smooth val="0"/>
+        <c:axId val="78459264"/>
+        <c:axId val="78461568"/>
+      </c:lineChart>
+      <c:catAx>
+        <c:axId val="78459264"/>
+        <c:scaling>
+          <c:orientation val="minMax"/>
+        </c:scaling>
+        <c:delete val="0"/>
+        <c:axPos val="b"/>
+        <c:title>
+          <c:tx>
+            <c:rich>
+              <a:bodyPr rot="0" vert="horz"/>
+              <a:lstStyle/>
+              <a:p>
+                <a:pPr>
+                  <a:defRPr/>
+                </a:pPr>
+                <a:r>
+                  <a:rPr lang="ru-RU"/>
+                  <a:t>Время переналадки</a:t>
+                </a:r>
+              </a:p>
+            </c:rich>
+          </c:tx>
+          <c:layout/>
+          <c:overlay val="0"/>
+        </c:title>
+        <c:numFmt formatCode="General" sourceLinked="1"/>
+        <c:majorTickMark val="none"/>
+        <c:minorTickMark val="none"/>
+        <c:tickLblPos val="nextTo"/>
+        <c:txPr>
+          <a:bodyPr rot="-60000000" vert="horz"/>
+          <a:lstStyle/>
+          <a:p>
+            <a:pPr>
+              <a:defRPr/>
+            </a:pPr>
+            <a:endParaRPr lang="uk-UA"/>
+          </a:p>
+        </c:txPr>
+        <c:crossAx val="78461568"/>
+        <c:crosses val="autoZero"/>
+        <c:auto val="1"/>
+        <c:lblAlgn val="ctr"/>
+        <c:lblOffset val="100"/>
+        <c:noMultiLvlLbl val="0"/>
+      </c:catAx>
+      <c:valAx>
+        <c:axId val="78461568"/>
+        <c:scaling>
+          <c:orientation val="minMax"/>
+        </c:scaling>
+        <c:delete val="0"/>
+        <c:axPos val="l"/>
+        <c:majorGridlines/>
+        <c:title>
+          <c:tx>
+            <c:rich>
+              <a:bodyPr rot="-5400000" vert="horz"/>
+              <a:lstStyle/>
+              <a:p>
+                <a:pPr>
+                  <a:defRPr/>
+                </a:pPr>
+                <a:r>
+                  <a:rPr lang="ru-RU"/>
+                  <a:t>Время обработки</a:t>
+                </a:r>
+              </a:p>
+            </c:rich>
+          </c:tx>
+          <c:layout/>
+          <c:overlay val="0"/>
+        </c:title>
+        <c:numFmt formatCode="General" sourceLinked="1"/>
+        <c:majorTickMark val="none"/>
+        <c:minorTickMark val="none"/>
+        <c:tickLblPos val="nextTo"/>
+        <c:txPr>
+          <a:bodyPr rot="-60000000" vert="horz"/>
+          <a:lstStyle/>
+          <a:p>
+            <a:pPr>
+              <a:defRPr/>
+            </a:pPr>
+            <a:endParaRPr lang="uk-UA"/>
+          </a:p>
+        </c:txPr>
+        <c:crossAx val="78459264"/>
+        <c:crosses val="autoZero"/>
+        <c:crossBetween val="between"/>
+      </c:valAx>
+    </c:plotArea>
+    <c:legend>
+      <c:legendPos val="r"/>
+      <c:layout>
+        <c:manualLayout>
+          <c:xMode val="edge"/>
+          <c:yMode val="edge"/>
+          <c:x val="0.80100879516600998"/>
+          <c:y val="0.26988641219351694"/>
+          <c:w val="0.19024562009179882"/>
+          <c:h val="0.52466953458162768"/>
+        </c:manualLayout>
+      </c:layout>
+      <c:overlay val="0"/>
+      <c:txPr>
+        <a:bodyPr rot="0" vert="horz"/>
+        <a:lstStyle/>
+        <a:p>
+          <a:pPr>
+            <a:defRPr/>
+          </a:pPr>
+          <a:endParaRPr lang="uk-UA"/>
+        </a:p>
+      </c:txPr>
+    </c:legend>
+    <c:plotVisOnly val="1"/>
+    <c:dispBlanksAs val="gap"/>
+    <c:showDLblsOverMax val="0"/>
+  </c:chart>
+  <c:txPr>
+    <a:bodyPr/>
+    <a:lstStyle/>
+    <a:p>
+      <a:pPr>
+        <a:defRPr sz="1800"/>
+      </a:pPr>
+      <a:endParaRPr lang="uk-UA"/>
+    </a:p>
+  </c:txPr>
+  <c:externalData r:id="rId1">
+    <c:autoUpdate val="0"/>
+  </c:externalData>
+</c:chartSpace>
+</file>
+
 <file path=ppt/slideLayouts/slideLayout1.xml><?xml version="1.0" encoding="utf-8"?>
 <p:sldLayout xmlns:a="http://schemas.openxmlformats.org/drawingml/2006/main" xmlns:r="http://schemas.openxmlformats.org/officeDocument/2006/relationships" xmlns:p="http://schemas.openxmlformats.org/presentationml/2006/main" type="title" preserve="1">
   <p:cSld name="Титульный слайд">
@@ -126,7 +474,78 @@
       </p:grpSpPr>
       <p:sp>
         <p:nvSpPr>
-          <p:cNvPr id="2" name="Заголовок 1"/>
+          <p:cNvPr id="7" name="Равнобедренный треугольник 6"/>
+          <p:cNvSpPr/>
+          <p:nvPr/>
+        </p:nvSpPr>
+        <p:spPr>
+          <a:xfrm rot="16200000">
+            <a:off x="7554353" y="5254283"/>
+            <a:ext cx="1892949" cy="1294228"/>
+          </a:xfrm>
+          <a:prstGeom prst="triangle">
+            <a:avLst>
+              <a:gd name="adj" fmla="val 51323"/>
+            </a:avLst>
+          </a:prstGeom>
+          <a:gradFill flip="none" rotWithShape="1">
+            <a:gsLst>
+              <a:gs pos="0">
+                <a:schemeClr val="accent1">
+                  <a:shade val="30000"/>
+                  <a:satMod val="155000"/>
+                  <a:alpha val="100000"/>
+                </a:schemeClr>
+              </a:gs>
+              <a:gs pos="60000">
+                <a:schemeClr val="accent1">
+                  <a:satMod val="160000"/>
+                  <a:alpha val="100000"/>
+                </a:schemeClr>
+              </a:gs>
+              <a:gs pos="100000">
+                <a:schemeClr val="accent1">
+                  <a:tint val="70000"/>
+                  <a:satMod val="200000"/>
+                  <a:alpha val="100000"/>
+                </a:schemeClr>
+              </a:gs>
+            </a:gsLst>
+            <a:lin ang="15500000" scaled="1"/>
+            <a:tileRect/>
+          </a:gradFill>
+          <a:ln w="38100" cap="rnd" cmpd="sng" algn="ctr">
+            <a:noFill/>
+            <a:prstDash val="solid"/>
+          </a:ln>
+          <a:effectLst/>
+        </p:spPr>
+        <p:style>
+          <a:lnRef idx="3">
+            <a:schemeClr val="lt1"/>
+          </a:lnRef>
+          <a:fillRef idx="1">
+            <a:schemeClr val="accent1"/>
+          </a:fillRef>
+          <a:effectRef idx="1">
+            <a:schemeClr val="accent1"/>
+          </a:effectRef>
+          <a:fontRef idx="minor">
+            <a:schemeClr val="lt1"/>
+          </a:fontRef>
+        </p:style>
+        <p:txBody>
+          <a:bodyPr anchor="ctr"/>
+          <a:lstStyle/>
+          <a:p>
+            <a:pPr algn="ctr" eaLnBrk="1" latinLnBrk="0" hangingPunct="1"/>
+            <a:endParaRPr kumimoji="0" lang="en-US"/>
+          </a:p>
+        </p:txBody>
+      </p:sp>
+      <p:sp>
+        <p:nvSpPr>
+          <p:cNvPr id="8" name="Заголовок 7"/>
           <p:cNvSpPr>
             <a:spLocks noGrp="1"/>
           </p:cNvSpPr>
@@ -136,25 +555,31 @@
         </p:nvSpPr>
         <p:spPr>
           <a:xfrm>
-            <a:off x="685800" y="2130425"/>
-            <a:ext cx="7772400" cy="1470025"/>
-          </a:xfrm>
-        </p:spPr>
-        <p:txBody>
-          <a:bodyPr/>
-          <a:lstStyle/>
-          <a:p>
-            <a:r>
-              <a:rPr lang="ru-RU" smtClean="0"/>
+            <a:off x="540544" y="776288"/>
+            <a:ext cx="8062912" cy="1470025"/>
+          </a:xfrm>
+        </p:spPr>
+        <p:txBody>
+          <a:bodyPr anchor="b">
+            <a:normAutofit/>
+          </a:bodyPr>
+          <a:lstStyle>
+            <a:lvl1pPr algn="r">
+              <a:defRPr sz="4400"/>
+            </a:lvl1pPr>
+          </a:lstStyle>
+          <a:p>
+            <a:r>
+              <a:rPr kumimoji="0" lang="ru-RU" smtClean="0"/>
               <a:t>Образец заголовка</a:t>
             </a:r>
-            <a:endParaRPr lang="ru-RU"/>
-          </a:p>
-        </p:txBody>
-      </p:sp>
-      <p:sp>
-        <p:nvSpPr>
-          <p:cNvPr id="3" name="Подзаголовок 2"/>
+            <a:endParaRPr kumimoji="0" lang="en-US"/>
+          </a:p>
+        </p:txBody>
+      </p:sp>
+      <p:sp>
+        <p:nvSpPr>
+          <p:cNvPr id="9" name="Подзаголовок 8"/>
           <p:cNvSpPr>
             <a:spLocks noGrp="1"/>
           </p:cNvSpPr>
@@ -164,16 +589,24 @@
         </p:nvSpPr>
         <p:spPr>
           <a:xfrm>
-            <a:off x="1371600" y="3886200"/>
-            <a:ext cx="6400800" cy="1752600"/>
+            <a:off x="540544" y="2250280"/>
+            <a:ext cx="8062912" cy="1752600"/>
           </a:xfrm>
         </p:spPr>
         <p:txBody>
           <a:bodyPr/>
           <a:lstStyle>
-            <a:lvl1pPr marL="0" indent="0" algn="ctr">
+            <a:lvl1pPr marL="0" marR="36576" indent="0" algn="r">
+              <a:spcBef>
+                <a:spcPts val="0"/>
+              </a:spcBef>
               <a:buNone/>
               <a:defRPr>
+                <a:ln>
+                  <a:solidFill>
+                    <a:schemeClr val="bg2"/>
+                  </a:solidFill>
+                </a:ln>
                 <a:solidFill>
                   <a:schemeClr val="tx1">
                     <a:tint val="75000"/>
@@ -183,97 +616,41 @@
             </a:lvl1pPr>
             <a:lvl2pPr marL="457200" indent="0" algn="ctr">
               <a:buNone/>
-              <a:defRPr>
-                <a:solidFill>
-                  <a:schemeClr val="tx1">
-                    <a:tint val="75000"/>
-                  </a:schemeClr>
-                </a:solidFill>
-              </a:defRPr>
             </a:lvl2pPr>
             <a:lvl3pPr marL="914400" indent="0" algn="ctr">
               <a:buNone/>
-              <a:defRPr>
-                <a:solidFill>
-                  <a:schemeClr val="tx1">
-                    <a:tint val="75000"/>
-                  </a:schemeClr>
-                </a:solidFill>
-              </a:defRPr>
             </a:lvl3pPr>
             <a:lvl4pPr marL="1371600" indent="0" algn="ctr">
               <a:buNone/>
-              <a:defRPr>
-                <a:solidFill>
-                  <a:schemeClr val="tx1">
-                    <a:tint val="75000"/>
-                  </a:schemeClr>
-                </a:solidFill>
-              </a:defRPr>
             </a:lvl4pPr>
             <a:lvl5pPr marL="1828800" indent="0" algn="ctr">
               <a:buNone/>
-              <a:defRPr>
-                <a:solidFill>
-                  <a:schemeClr val="tx1">
-                    <a:tint val="75000"/>
-                  </a:schemeClr>
-                </a:solidFill>
-              </a:defRPr>
             </a:lvl5pPr>
             <a:lvl6pPr marL="2286000" indent="0" algn="ctr">
               <a:buNone/>
-              <a:defRPr>
-                <a:solidFill>
-                  <a:schemeClr val="tx1">
-                    <a:tint val="75000"/>
-                  </a:schemeClr>
-                </a:solidFill>
-              </a:defRPr>
             </a:lvl6pPr>
             <a:lvl7pPr marL="2743200" indent="0" algn="ctr">
               <a:buNone/>
-              <a:defRPr>
-                <a:solidFill>
-                  <a:schemeClr val="tx1">
-                    <a:tint val="75000"/>
-                  </a:schemeClr>
-                </a:solidFill>
-              </a:defRPr>
             </a:lvl7pPr>
             <a:lvl8pPr marL="3200400" indent="0" algn="ctr">
               <a:buNone/>
-              <a:defRPr>
-                <a:solidFill>
-                  <a:schemeClr val="tx1">
-                    <a:tint val="75000"/>
-                  </a:schemeClr>
-                </a:solidFill>
-              </a:defRPr>
             </a:lvl8pPr>
             <a:lvl9pPr marL="3657600" indent="0" algn="ctr">
               <a:buNone/>
-              <a:defRPr>
-                <a:solidFill>
-                  <a:schemeClr val="tx1">
-                    <a:tint val="75000"/>
-                  </a:schemeClr>
-                </a:solidFill>
-              </a:defRPr>
             </a:lvl9pPr>
           </a:lstStyle>
           <a:p>
             <a:r>
-              <a:rPr lang="ru-RU" smtClean="0"/>
+              <a:rPr kumimoji="0" lang="ru-RU" smtClean="0"/>
               <a:t>Образец подзаголовка</a:t>
             </a:r>
-            <a:endParaRPr lang="ru-RU"/>
-          </a:p>
-        </p:txBody>
-      </p:sp>
-      <p:sp>
-        <p:nvSpPr>
-          <p:cNvPr id="4" name="Дата 3"/>
+            <a:endParaRPr kumimoji="0" lang="en-US"/>
+          </a:p>
+        </p:txBody>
+      </p:sp>
+      <p:sp>
+        <p:nvSpPr>
+          <p:cNvPr id="28" name="Дата 27"/>
           <p:cNvSpPr>
             <a:spLocks noGrp="1"/>
           </p:cNvSpPr>
@@ -281,14 +658,23 @@
             <p:ph type="dt" sz="half" idx="10"/>
           </p:nvPr>
         </p:nvSpPr>
-        <p:spPr/>
-        <p:txBody>
-          <a:bodyPr/>
-          <a:lstStyle/>
+        <p:spPr>
+          <a:xfrm>
+            <a:off x="1371600" y="6012656"/>
+            <a:ext cx="5791200" cy="365125"/>
+          </a:xfrm>
+        </p:spPr>
+        <p:txBody>
+          <a:bodyPr tIns="0" bIns="0" anchor="t"/>
+          <a:lstStyle>
+            <a:lvl1pPr algn="r">
+              <a:defRPr sz="1000"/>
+            </a:lvl1pPr>
+          </a:lstStyle>
           <a:p>
             <a:fld id="{B4C71EC6-210F-42DE-9C53-41977AD35B3D}" type="datetimeFigureOut">
               <a:rPr lang="ru-RU" smtClean="0"/>
-              <a:t>10.05.2017</a:t>
+              <a:t>17.05.2017</a:t>
             </a:fld>
             <a:endParaRPr lang="ru-RU"/>
           </a:p>
@@ -296,7 +682,7 @@
       </p:sp>
       <p:sp>
         <p:nvSpPr>
-          <p:cNvPr id="5" name="Нижний колонтитул 4"/>
+          <p:cNvPr id="17" name="Нижний колонтитул 16"/>
           <p:cNvSpPr>
             <a:spLocks noGrp="1"/>
           </p:cNvSpPr>
@@ -304,10 +690,19 @@
             <p:ph type="ftr" sz="quarter" idx="11"/>
           </p:nvPr>
         </p:nvSpPr>
-        <p:spPr/>
-        <p:txBody>
-          <a:bodyPr/>
-          <a:lstStyle/>
+        <p:spPr>
+          <a:xfrm>
+            <a:off x="1371600" y="5650704"/>
+            <a:ext cx="5791200" cy="365125"/>
+          </a:xfrm>
+        </p:spPr>
+        <p:txBody>
+          <a:bodyPr tIns="0" bIns="0" anchor="b"/>
+          <a:lstStyle>
+            <a:lvl1pPr algn="r">
+              <a:defRPr sz="1100"/>
+            </a:lvl1pPr>
+          </a:lstStyle>
           <a:p>
             <a:endParaRPr lang="ru-RU"/>
           </a:p>
@@ -315,7 +710,7 @@
       </p:sp>
       <p:sp>
         <p:nvSpPr>
-          <p:cNvPr id="6" name="Номер слайда 5"/>
+          <p:cNvPr id="29" name="Номер слайда 28"/>
           <p:cNvSpPr>
             <a:spLocks noGrp="1"/>
           </p:cNvSpPr>
@@ -323,10 +718,23 @@
             <p:ph type="sldNum" sz="quarter" idx="12"/>
           </p:nvPr>
         </p:nvSpPr>
-        <p:spPr/>
-        <p:txBody>
-          <a:bodyPr/>
-          <a:lstStyle/>
+        <p:spPr>
+          <a:xfrm>
+            <a:off x="8392247" y="5752307"/>
+            <a:ext cx="502920" cy="365125"/>
+          </a:xfrm>
+        </p:spPr>
+        <p:txBody>
+          <a:bodyPr anchor="ctr"/>
+          <a:lstStyle>
+            <a:lvl1pPr algn="ctr">
+              <a:defRPr sz="1300">
+                <a:solidFill>
+                  <a:srgbClr val="FFFFFF"/>
+                </a:solidFill>
+              </a:defRPr>
+            </a:lvl1pPr>
+          </a:lstStyle>
           <a:p>
             <a:fld id="{B19B0651-EE4F-4900-A07F-96A6BFA9D0F0}" type="slidenum">
               <a:rPr lang="ru-RU" smtClean="0"/>
@@ -377,10 +785,10 @@
           <a:lstStyle/>
           <a:p>
             <a:r>
-              <a:rPr lang="ru-RU" smtClean="0"/>
+              <a:rPr kumimoji="0" lang="ru-RU" smtClean="0"/>
               <a:t>Образец заголовка</a:t>
             </a:r>
-            <a:endParaRPr lang="ru-RU"/>
+            <a:endParaRPr kumimoji="0" lang="en-US"/>
           </a:p>
         </p:txBody>
       </p:sp>
@@ -399,40 +807,40 @@
           <a:bodyPr vert="eaVert"/>
           <a:lstStyle/>
           <a:p>
-            <a:pPr lvl="0"/>
+            <a:pPr lvl="0" eaLnBrk="1" latinLnBrk="0" hangingPunct="1"/>
             <a:r>
               <a:rPr lang="ru-RU" smtClean="0"/>
               <a:t>Образец текста</a:t>
             </a:r>
           </a:p>
           <a:p>
-            <a:pPr lvl="1"/>
+            <a:pPr lvl="1" eaLnBrk="1" latinLnBrk="0" hangingPunct="1"/>
             <a:r>
               <a:rPr lang="ru-RU" smtClean="0"/>
               <a:t>Второй уровень</a:t>
             </a:r>
           </a:p>
           <a:p>
-            <a:pPr lvl="2"/>
+            <a:pPr lvl="2" eaLnBrk="1" latinLnBrk="0" hangingPunct="1"/>
             <a:r>
               <a:rPr lang="ru-RU" smtClean="0"/>
               <a:t>Третий уровень</a:t>
             </a:r>
           </a:p>
           <a:p>
-            <a:pPr lvl="3"/>
+            <a:pPr lvl="3" eaLnBrk="1" latinLnBrk="0" hangingPunct="1"/>
             <a:r>
               <a:rPr lang="ru-RU" smtClean="0"/>
               <a:t>Четвертый уровень</a:t>
             </a:r>
           </a:p>
           <a:p>
-            <a:pPr lvl="4"/>
+            <a:pPr lvl="4" eaLnBrk="1" latinLnBrk="0" hangingPunct="1"/>
             <a:r>
               <a:rPr lang="ru-RU" smtClean="0"/>
               <a:t>Пятый уровень</a:t>
             </a:r>
-            <a:endParaRPr lang="ru-RU"/>
+            <a:endParaRPr kumimoji="0" lang="en-US"/>
           </a:p>
         </p:txBody>
       </p:sp>
@@ -453,7 +861,7 @@
           <a:p>
             <a:fld id="{B4C71EC6-210F-42DE-9C53-41977AD35B3D}" type="datetimeFigureOut">
               <a:rPr lang="ru-RU" smtClean="0"/>
-              <a:t>10.05.2017</a:t>
+              <a:t>17.05.2017</a:t>
             </a:fld>
             <a:endParaRPr lang="ru-RU"/>
           </a:p>
@@ -538,8 +946,8 @@
         </p:nvSpPr>
         <p:spPr>
           <a:xfrm>
-            <a:off x="6629400" y="274638"/>
-            <a:ext cx="2057400" cy="5851525"/>
+            <a:off x="6781800" y="381000"/>
+            <a:ext cx="1905000" cy="5486400"/>
           </a:xfrm>
         </p:spPr>
         <p:txBody>
@@ -547,10 +955,10 @@
           <a:lstStyle/>
           <a:p>
             <a:r>
-              <a:rPr lang="ru-RU" smtClean="0"/>
+              <a:rPr kumimoji="0" lang="ru-RU" smtClean="0"/>
               <a:t>Образец заголовка</a:t>
             </a:r>
-            <a:endParaRPr lang="ru-RU"/>
+            <a:endParaRPr kumimoji="0" lang="en-US"/>
           </a:p>
         </p:txBody>
       </p:sp>
@@ -566,48 +974,48 @@
         </p:nvSpPr>
         <p:spPr>
           <a:xfrm>
-            <a:off x="457200" y="274638"/>
-            <a:ext cx="6019800" cy="5851525"/>
+            <a:off x="457200" y="381000"/>
+            <a:ext cx="6248400" cy="5486400"/>
           </a:xfrm>
         </p:spPr>
         <p:txBody>
           <a:bodyPr vert="eaVert"/>
           <a:lstStyle/>
           <a:p>
-            <a:pPr lvl="0"/>
+            <a:pPr lvl="0" eaLnBrk="1" latinLnBrk="0" hangingPunct="1"/>
             <a:r>
               <a:rPr lang="ru-RU" smtClean="0"/>
               <a:t>Образец текста</a:t>
             </a:r>
           </a:p>
           <a:p>
-            <a:pPr lvl="1"/>
+            <a:pPr lvl="1" eaLnBrk="1" latinLnBrk="0" hangingPunct="1"/>
             <a:r>
               <a:rPr lang="ru-RU" smtClean="0"/>
               <a:t>Второй уровень</a:t>
             </a:r>
           </a:p>
           <a:p>
-            <a:pPr lvl="2"/>
+            <a:pPr lvl="2" eaLnBrk="1" latinLnBrk="0" hangingPunct="1"/>
             <a:r>
               <a:rPr lang="ru-RU" smtClean="0"/>
               <a:t>Третий уровень</a:t>
             </a:r>
           </a:p>
           <a:p>
-            <a:pPr lvl="3"/>
+            <a:pPr lvl="3" eaLnBrk="1" latinLnBrk="0" hangingPunct="1"/>
             <a:r>
               <a:rPr lang="ru-RU" smtClean="0"/>
               <a:t>Четвертый уровень</a:t>
             </a:r>
           </a:p>
           <a:p>
-            <a:pPr lvl="4"/>
+            <a:pPr lvl="4" eaLnBrk="1" latinLnBrk="0" hangingPunct="1"/>
             <a:r>
               <a:rPr lang="ru-RU" smtClean="0"/>
               <a:t>Пятый уровень</a:t>
             </a:r>
-            <a:endParaRPr lang="ru-RU"/>
+            <a:endParaRPr kumimoji="0" lang="en-US"/>
           </a:p>
         </p:txBody>
       </p:sp>
@@ -628,7 +1036,7 @@
           <a:p>
             <a:fld id="{B4C71EC6-210F-42DE-9C53-41977AD35B3D}" type="datetimeFigureOut">
               <a:rPr lang="ru-RU" smtClean="0"/>
-              <a:t>10.05.2017</a:t>
+              <a:t>17.05.2017</a:t>
             </a:fld>
             <a:endParaRPr lang="ru-RU"/>
           </a:p>
@@ -711,22 +1119,27 @@
             <p:ph type="title"/>
           </p:nvPr>
         </p:nvSpPr>
-        <p:spPr/>
+        <p:spPr>
+          <a:xfrm>
+            <a:off x="457200" y="267494"/>
+            <a:ext cx="8229600" cy="1399032"/>
+          </a:xfrm>
+        </p:spPr>
         <p:txBody>
           <a:bodyPr/>
           <a:lstStyle/>
           <a:p>
             <a:r>
-              <a:rPr lang="ru-RU" smtClean="0"/>
+              <a:rPr kumimoji="0" lang="ru-RU" smtClean="0"/>
               <a:t>Образец заголовка</a:t>
             </a:r>
-            <a:endParaRPr lang="ru-RU"/>
-          </a:p>
-        </p:txBody>
-      </p:sp>
-      <p:sp>
-        <p:nvSpPr>
-          <p:cNvPr id="3" name="Содержимое 2"/>
+            <a:endParaRPr kumimoji="0" lang="en-US"/>
+          </a:p>
+        </p:txBody>
+      </p:sp>
+      <p:sp>
+        <p:nvSpPr>
+          <p:cNvPr id="3" name="Объект 2"/>
           <p:cNvSpPr>
             <a:spLocks noGrp="1"/>
           </p:cNvSpPr>
@@ -734,45 +1147,50 @@
             <p:ph idx="1"/>
           </p:nvPr>
         </p:nvSpPr>
-        <p:spPr/>
+        <p:spPr>
+          <a:xfrm>
+            <a:off x="457200" y="1882808"/>
+            <a:ext cx="8229600" cy="4572000"/>
+          </a:xfrm>
+        </p:spPr>
         <p:txBody>
           <a:bodyPr/>
           <a:lstStyle/>
           <a:p>
-            <a:pPr lvl="0"/>
+            <a:pPr lvl="0" eaLnBrk="1" latinLnBrk="0" hangingPunct="1"/>
             <a:r>
               <a:rPr lang="ru-RU" smtClean="0"/>
               <a:t>Образец текста</a:t>
             </a:r>
           </a:p>
           <a:p>
-            <a:pPr lvl="1"/>
+            <a:pPr lvl="1" eaLnBrk="1" latinLnBrk="0" hangingPunct="1"/>
             <a:r>
               <a:rPr lang="ru-RU" smtClean="0"/>
               <a:t>Второй уровень</a:t>
             </a:r>
           </a:p>
           <a:p>
-            <a:pPr lvl="2"/>
+            <a:pPr lvl="2" eaLnBrk="1" latinLnBrk="0" hangingPunct="1"/>
             <a:r>
               <a:rPr lang="ru-RU" smtClean="0"/>
               <a:t>Третий уровень</a:t>
             </a:r>
           </a:p>
           <a:p>
-            <a:pPr lvl="3"/>
+            <a:pPr lvl="3" eaLnBrk="1" latinLnBrk="0" hangingPunct="1"/>
             <a:r>
               <a:rPr lang="ru-RU" smtClean="0"/>
               <a:t>Четвертый уровень</a:t>
             </a:r>
           </a:p>
           <a:p>
-            <a:pPr lvl="4"/>
+            <a:pPr lvl="4" eaLnBrk="1" latinLnBrk="0" hangingPunct="1"/>
             <a:r>
               <a:rPr lang="ru-RU" smtClean="0"/>
               <a:t>Пятый уровень</a:t>
             </a:r>
-            <a:endParaRPr lang="ru-RU"/>
+            <a:endParaRPr kumimoji="0" lang="en-US"/>
           </a:p>
         </p:txBody>
       </p:sp>
@@ -786,14 +1204,19 @@
             <p:ph type="dt" sz="half" idx="10"/>
           </p:nvPr>
         </p:nvSpPr>
-        <p:spPr/>
+        <p:spPr>
+          <a:xfrm>
+            <a:off x="4791456" y="6480048"/>
+            <a:ext cx="2133600" cy="301752"/>
+          </a:xfrm>
+        </p:spPr>
         <p:txBody>
           <a:bodyPr/>
           <a:lstStyle/>
           <a:p>
             <a:fld id="{B4C71EC6-210F-42DE-9C53-41977AD35B3D}" type="datetimeFigureOut">
               <a:rPr lang="ru-RU" smtClean="0"/>
-              <a:t>10.05.2017</a:t>
+              <a:t>17.05.2017</a:t>
             </a:fld>
             <a:endParaRPr lang="ru-RU"/>
           </a:p>
@@ -809,7 +1232,12 @@
             <p:ph type="ftr" sz="quarter" idx="11"/>
           </p:nvPr>
         </p:nvSpPr>
-        <p:spPr/>
+        <p:spPr>
+          <a:xfrm>
+            <a:off x="457200" y="6480969"/>
+            <a:ext cx="4260056" cy="300831"/>
+          </a:xfrm>
+        </p:spPr>
         <p:txBody>
           <a:bodyPr/>
           <a:lstStyle/>
@@ -850,8 +1278,13 @@
 </file>
 
 <file path=ppt/slideLayouts/slideLayout3.xml><?xml version="1.0" encoding="utf-8"?>
-<p:sldLayout xmlns:a="http://schemas.openxmlformats.org/drawingml/2006/main" xmlns:r="http://schemas.openxmlformats.org/officeDocument/2006/relationships" xmlns:p="http://schemas.openxmlformats.org/presentationml/2006/main" type="secHead" preserve="1">
+<p:sldLayout xmlns:a="http://schemas.openxmlformats.org/drawingml/2006/main" xmlns:r="http://schemas.openxmlformats.org/officeDocument/2006/relationships" xmlns:p="http://schemas.openxmlformats.org/presentationml/2006/main" showMasterSp="0" type="secHead" preserve="1">
   <p:cSld name="Заголовок раздела">
+    <p:bg>
+      <p:bgRef idx="1002">
+        <a:schemeClr val="bg1"/>
+      </p:bgRef>
+    </p:bg>
     <p:spTree>
       <p:nvGrpSpPr>
         <p:cNvPr id="1" name=""/>
@@ -868,6 +1301,312 @@
       </p:grpSpPr>
       <p:sp>
         <p:nvSpPr>
+          <p:cNvPr id="9" name="Прямоугольный треугольник 8"/>
+          <p:cNvSpPr/>
+          <p:nvPr/>
+        </p:nvSpPr>
+        <p:spPr>
+          <a:xfrm flipV="1">
+            <a:off x="7034" y="7034"/>
+            <a:ext cx="9129932" cy="6836899"/>
+          </a:xfrm>
+          <a:prstGeom prst="rtTriangle">
+            <a:avLst/>
+          </a:prstGeom>
+          <a:gradFill flip="none" rotWithShape="1">
+            <a:gsLst>
+              <a:gs pos="0">
+                <a:schemeClr val="tx2">
+                  <a:alpha val="10000"/>
+                </a:schemeClr>
+              </a:gs>
+              <a:gs pos="70000">
+                <a:schemeClr val="tx2">
+                  <a:alpha val="8000"/>
+                </a:schemeClr>
+              </a:gs>
+              <a:gs pos="100000">
+                <a:schemeClr val="tx2">
+                  <a:alpha val="1000"/>
+                </a:schemeClr>
+              </a:gs>
+            </a:gsLst>
+            <a:lin ang="8000000" scaled="1"/>
+            <a:tileRect/>
+          </a:gradFill>
+          <a:ln w="38100" cap="rnd" cmpd="sng" algn="ctr">
+            <a:noFill/>
+            <a:prstDash val="solid"/>
+          </a:ln>
+          <a:effectLst/>
+        </p:spPr>
+        <p:style>
+          <a:lnRef idx="3">
+            <a:schemeClr val="lt1"/>
+          </a:lnRef>
+          <a:fillRef idx="1">
+            <a:schemeClr val="accent1"/>
+          </a:fillRef>
+          <a:effectRef idx="1">
+            <a:schemeClr val="accent1"/>
+          </a:effectRef>
+          <a:fontRef idx="minor">
+            <a:schemeClr val="lt1"/>
+          </a:fontRef>
+        </p:style>
+        <p:txBody>
+          <a:bodyPr anchor="ctr"/>
+          <a:lstStyle/>
+          <a:p>
+            <a:pPr marL="0" algn="ctr" defTabSz="914400" rtl="0" eaLnBrk="1" latinLnBrk="0" hangingPunct="1"/>
+            <a:endParaRPr kumimoji="0" lang="en-US" sz="1800" kern="1200">
+              <a:solidFill>
+                <a:schemeClr val="lt1"/>
+              </a:solidFill>
+              <a:latin typeface="+mn-lt"/>
+              <a:ea typeface="+mn-ea"/>
+              <a:cs typeface="+mn-cs"/>
+            </a:endParaRPr>
+          </a:p>
+        </p:txBody>
+      </p:sp>
+      <p:sp>
+        <p:nvSpPr>
+          <p:cNvPr id="8" name="Равнобедренный треугольник 7"/>
+          <p:cNvSpPr/>
+          <p:nvPr/>
+        </p:nvSpPr>
+        <p:spPr>
+          <a:xfrm rot="5400000" flipV="1">
+            <a:off x="7554353" y="309490"/>
+            <a:ext cx="1892949" cy="1294228"/>
+          </a:xfrm>
+          <a:prstGeom prst="triangle">
+            <a:avLst>
+              <a:gd name="adj" fmla="val 51323"/>
+            </a:avLst>
+          </a:prstGeom>
+          <a:gradFill flip="none" rotWithShape="1">
+            <a:gsLst>
+              <a:gs pos="0">
+                <a:schemeClr val="accent1">
+                  <a:shade val="30000"/>
+                  <a:satMod val="155000"/>
+                  <a:alpha val="100000"/>
+                </a:schemeClr>
+              </a:gs>
+              <a:gs pos="60000">
+                <a:schemeClr val="accent1">
+                  <a:satMod val="160000"/>
+                  <a:alpha val="100000"/>
+                </a:schemeClr>
+              </a:gs>
+              <a:gs pos="100000">
+                <a:schemeClr val="accent1">
+                  <a:tint val="70000"/>
+                  <a:satMod val="200000"/>
+                  <a:alpha val="100000"/>
+                </a:schemeClr>
+              </a:gs>
+            </a:gsLst>
+            <a:lin ang="15500000" scaled="1"/>
+            <a:tileRect/>
+          </a:gradFill>
+          <a:ln w="38100" cap="rnd" cmpd="sng" algn="ctr">
+            <a:noFill/>
+            <a:prstDash val="solid"/>
+          </a:ln>
+          <a:effectLst/>
+        </p:spPr>
+        <p:style>
+          <a:lnRef idx="3">
+            <a:schemeClr val="lt1"/>
+          </a:lnRef>
+          <a:fillRef idx="1">
+            <a:schemeClr val="accent1"/>
+          </a:fillRef>
+          <a:effectRef idx="1">
+            <a:schemeClr val="accent1"/>
+          </a:effectRef>
+          <a:fontRef idx="minor">
+            <a:schemeClr val="lt1"/>
+          </a:fontRef>
+        </p:style>
+        <p:txBody>
+          <a:bodyPr anchor="ctr"/>
+          <a:lstStyle/>
+          <a:p>
+            <a:pPr algn="ctr" eaLnBrk="1" latinLnBrk="0" hangingPunct="1"/>
+            <a:endParaRPr kumimoji="0" lang="en-US"/>
+          </a:p>
+        </p:txBody>
+      </p:sp>
+      <p:sp>
+        <p:nvSpPr>
+          <p:cNvPr id="4" name="Дата 3"/>
+          <p:cNvSpPr>
+            <a:spLocks noGrp="1"/>
+          </p:cNvSpPr>
+          <p:nvPr>
+            <p:ph type="dt" sz="half" idx="10"/>
+          </p:nvPr>
+        </p:nvSpPr>
+        <p:spPr>
+          <a:xfrm>
+            <a:off x="6955632" y="6477000"/>
+            <a:ext cx="2133600" cy="304800"/>
+          </a:xfrm>
+        </p:spPr>
+        <p:txBody>
+          <a:bodyPr/>
+          <a:lstStyle/>
+          <a:p>
+            <a:fld id="{B4C71EC6-210F-42DE-9C53-41977AD35B3D}" type="datetimeFigureOut">
+              <a:rPr lang="ru-RU" smtClean="0"/>
+              <a:t>17.05.2017</a:t>
+            </a:fld>
+            <a:endParaRPr lang="ru-RU"/>
+          </a:p>
+        </p:txBody>
+      </p:sp>
+      <p:sp>
+        <p:nvSpPr>
+          <p:cNvPr id="5" name="Нижний колонтитул 4"/>
+          <p:cNvSpPr>
+            <a:spLocks noGrp="1"/>
+          </p:cNvSpPr>
+          <p:nvPr>
+            <p:ph type="ftr" sz="quarter" idx="11"/>
+          </p:nvPr>
+        </p:nvSpPr>
+        <p:spPr>
+          <a:xfrm>
+            <a:off x="2619376" y="6480969"/>
+            <a:ext cx="4260056" cy="300831"/>
+          </a:xfrm>
+        </p:spPr>
+        <p:txBody>
+          <a:bodyPr/>
+          <a:lstStyle/>
+          <a:p>
+            <a:endParaRPr lang="ru-RU"/>
+          </a:p>
+        </p:txBody>
+      </p:sp>
+      <p:sp>
+        <p:nvSpPr>
+          <p:cNvPr id="6" name="Номер слайда 5"/>
+          <p:cNvSpPr>
+            <a:spLocks noGrp="1"/>
+          </p:cNvSpPr>
+          <p:nvPr>
+            <p:ph type="sldNum" sz="quarter" idx="12"/>
+          </p:nvPr>
+        </p:nvSpPr>
+        <p:spPr>
+          <a:xfrm>
+            <a:off x="8451056" y="809624"/>
+            <a:ext cx="502920" cy="300831"/>
+          </a:xfrm>
+        </p:spPr>
+        <p:txBody>
+          <a:bodyPr/>
+          <a:lstStyle/>
+          <a:p>
+            <a:fld id="{B19B0651-EE4F-4900-A07F-96A6BFA9D0F0}" type="slidenum">
+              <a:rPr lang="ru-RU" smtClean="0"/>
+              <a:t>‹#›</a:t>
+            </a:fld>
+            <a:endParaRPr lang="ru-RU"/>
+          </a:p>
+        </p:txBody>
+      </p:sp>
+      <p:cxnSp>
+        <p:nvCxnSpPr>
+          <p:cNvPr id="11" name="Прямая соединительная линия 10"/>
+          <p:cNvCxnSpPr/>
+          <p:nvPr/>
+        </p:nvCxnSpPr>
+        <p:spPr>
+          <a:xfrm rot="10800000">
+            <a:off x="6468794" y="9381"/>
+            <a:ext cx="2672861" cy="1900210"/>
+          </a:xfrm>
+          <a:prstGeom prst="line">
+            <a:avLst/>
+          </a:prstGeom>
+          <a:noFill/>
+          <a:ln w="6000" cap="rnd" cmpd="sng" algn="ctr">
+            <a:solidFill>
+              <a:schemeClr val="bg2">
+                <a:tint val="50000"/>
+                <a:satMod val="200000"/>
+                <a:alpha val="45000"/>
+              </a:schemeClr>
+            </a:solidFill>
+            <a:prstDash val="solid"/>
+          </a:ln>
+          <a:effectLst/>
+        </p:spPr>
+        <p:style>
+          <a:lnRef idx="2">
+            <a:schemeClr val="accent1"/>
+          </a:lnRef>
+          <a:fillRef idx="0">
+            <a:schemeClr val="accent1"/>
+          </a:fillRef>
+          <a:effectRef idx="1">
+            <a:schemeClr val="accent1"/>
+          </a:effectRef>
+          <a:fontRef idx="minor">
+            <a:schemeClr val="tx1"/>
+          </a:fontRef>
+        </p:style>
+      </p:cxnSp>
+      <p:cxnSp>
+        <p:nvCxnSpPr>
+          <p:cNvPr id="10" name="Прямая соединительная линия 9"/>
+          <p:cNvCxnSpPr/>
+          <p:nvPr/>
+        </p:nvCxnSpPr>
+        <p:spPr>
+          <a:xfrm flipV="1">
+            <a:off x="0" y="7034"/>
+            <a:ext cx="9136966" cy="6843933"/>
+          </a:xfrm>
+          <a:prstGeom prst="line">
+            <a:avLst/>
+          </a:prstGeom>
+          <a:noFill/>
+          <a:ln w="5000" cap="rnd" cmpd="sng" algn="ctr">
+            <a:solidFill>
+              <a:schemeClr val="bg2">
+                <a:tint val="55000"/>
+                <a:satMod val="200000"/>
+                <a:alpha val="35000"/>
+              </a:schemeClr>
+            </a:solidFill>
+            <a:prstDash val="solid"/>
+          </a:ln>
+          <a:effectLst/>
+        </p:spPr>
+        <p:style>
+          <a:lnRef idx="2">
+            <a:schemeClr val="accent1"/>
+          </a:lnRef>
+          <a:fillRef idx="0">
+            <a:schemeClr val="accent1"/>
+          </a:fillRef>
+          <a:effectRef idx="1">
+            <a:schemeClr val="accent1"/>
+          </a:effectRef>
+          <a:fontRef idx="minor">
+            <a:schemeClr val="tx1"/>
+          </a:fontRef>
+        </p:style>
+      </p:cxnSp>
+      <p:sp>
+        <p:nvSpPr>
           <p:cNvPr id="2" name="Заголовок 1"/>
           <p:cNvSpPr>
             <a:spLocks noGrp="1"/>
@@ -878,23 +1617,24 @@
         </p:nvSpPr>
         <p:spPr>
           <a:xfrm>
-            <a:off x="722313" y="4406900"/>
-            <a:ext cx="7772400" cy="1362075"/>
-          </a:xfrm>
-        </p:spPr>
-        <p:txBody>
-          <a:bodyPr anchor="t"/>
+            <a:off x="381000" y="271464"/>
+            <a:ext cx="7239000" cy="1362075"/>
+          </a:xfrm>
+        </p:spPr>
+        <p:txBody>
+          <a:bodyPr anchor="ctr"/>
           <a:lstStyle>
-            <a:lvl1pPr algn="l">
-              <a:defRPr sz="4000" b="1" cap="all"/>
+            <a:lvl1pPr marL="0" algn="l">
+              <a:buNone/>
+              <a:defRPr sz="3600" b="1" cap="none" baseline="0"/>
             </a:lvl1pPr>
           </a:lstStyle>
           <a:p>
             <a:r>
-              <a:rPr lang="ru-RU" smtClean="0"/>
+              <a:rPr kumimoji="0" lang="ru-RU" smtClean="0"/>
               <a:t>Образец заголовка</a:t>
             </a:r>
-            <a:endParaRPr lang="ru-RU"/>
+            <a:endParaRPr kumimoji="0" lang="en-US"/>
           </a:p>
         </p:txBody>
       </p:sp>
@@ -910,14 +1650,14 @@
         </p:nvSpPr>
         <p:spPr>
           <a:xfrm>
-            <a:off x="722313" y="2906713"/>
-            <a:ext cx="7772400" cy="1500187"/>
-          </a:xfrm>
-        </p:spPr>
-        <p:txBody>
-          <a:bodyPr anchor="b"/>
+            <a:off x="381000" y="1633536"/>
+            <a:ext cx="3886200" cy="2286000"/>
+          </a:xfrm>
+        </p:spPr>
+        <p:txBody>
+          <a:bodyPr anchor="t"/>
           <a:lstStyle>
-            <a:lvl1pPr marL="0" indent="0">
+            <a:lvl1pPr marL="54864" indent="0" algn="l">
               <a:buNone/>
               <a:defRPr sz="2000">
                 <a:solidFill>
@@ -927,7 +1667,7 @@
                 </a:solidFill>
               </a:defRPr>
             </a:lvl1pPr>
-            <a:lvl2pPr marL="457200" indent="0">
+            <a:lvl2pPr>
               <a:buNone/>
               <a:defRPr sz="1800">
                 <a:solidFill>
@@ -937,7 +1677,7 @@
                 </a:solidFill>
               </a:defRPr>
             </a:lvl2pPr>
-            <a:lvl3pPr marL="914400" indent="0">
+            <a:lvl3pPr>
               <a:buNone/>
               <a:defRPr sz="1600">
                 <a:solidFill>
@@ -947,7 +1687,7 @@
                 </a:solidFill>
               </a:defRPr>
             </a:lvl3pPr>
-            <a:lvl4pPr marL="1371600" indent="0">
+            <a:lvl4pPr>
               <a:buNone/>
               <a:defRPr sz="1400">
                 <a:solidFill>
@@ -957,7 +1697,7 @@
                 </a:solidFill>
               </a:defRPr>
             </a:lvl4pPr>
-            <a:lvl5pPr marL="1828800" indent="0">
+            <a:lvl5pPr>
               <a:buNone/>
               <a:defRPr sz="1400">
                 <a:solidFill>
@@ -967,125 +1707,20 @@
                 </a:solidFill>
               </a:defRPr>
             </a:lvl5pPr>
-            <a:lvl6pPr marL="2286000" indent="0">
-              <a:buNone/>
-              <a:defRPr sz="1400">
-                <a:solidFill>
-                  <a:schemeClr val="tx1">
-                    <a:tint val="75000"/>
-                  </a:schemeClr>
-                </a:solidFill>
-              </a:defRPr>
-            </a:lvl6pPr>
-            <a:lvl7pPr marL="2743200" indent="0">
-              <a:buNone/>
-              <a:defRPr sz="1400">
-                <a:solidFill>
-                  <a:schemeClr val="tx1">
-                    <a:tint val="75000"/>
-                  </a:schemeClr>
-                </a:solidFill>
-              </a:defRPr>
-            </a:lvl7pPr>
-            <a:lvl8pPr marL="3200400" indent="0">
-              <a:buNone/>
-              <a:defRPr sz="1400">
-                <a:solidFill>
-                  <a:schemeClr val="tx1">
-                    <a:tint val="75000"/>
-                  </a:schemeClr>
-                </a:solidFill>
-              </a:defRPr>
-            </a:lvl8pPr>
-            <a:lvl9pPr marL="3657600" indent="0">
-              <a:buNone/>
-              <a:defRPr sz="1400">
-                <a:solidFill>
-                  <a:schemeClr val="tx1">
-                    <a:tint val="75000"/>
-                  </a:schemeClr>
-                </a:solidFill>
-              </a:defRPr>
-            </a:lvl9pPr>
           </a:lstStyle>
           <a:p>
-            <a:pPr lvl="0"/>
-            <a:r>
-              <a:rPr lang="ru-RU" smtClean="0"/>
+            <a:pPr lvl="0" eaLnBrk="1" latinLnBrk="0" hangingPunct="1"/>
+            <a:r>
+              <a:rPr kumimoji="0" lang="ru-RU" smtClean="0"/>
               <a:t>Образец текста</a:t>
             </a:r>
-          </a:p>
-        </p:txBody>
-      </p:sp>
-      <p:sp>
-        <p:nvSpPr>
-          <p:cNvPr id="4" name="Дата 3"/>
-          <p:cNvSpPr>
-            <a:spLocks noGrp="1"/>
-          </p:cNvSpPr>
-          <p:nvPr>
-            <p:ph type="dt" sz="half" idx="10"/>
-          </p:nvPr>
-        </p:nvSpPr>
-        <p:spPr/>
-        <p:txBody>
-          <a:bodyPr/>
-          <a:lstStyle/>
-          <a:p>
-            <a:fld id="{B4C71EC6-210F-42DE-9C53-41977AD35B3D}" type="datetimeFigureOut">
-              <a:rPr lang="ru-RU" smtClean="0"/>
-              <a:t>10.05.2017</a:t>
-            </a:fld>
-            <a:endParaRPr lang="ru-RU"/>
-          </a:p>
-        </p:txBody>
-      </p:sp>
-      <p:sp>
-        <p:nvSpPr>
-          <p:cNvPr id="5" name="Нижний колонтитул 4"/>
-          <p:cNvSpPr>
-            <a:spLocks noGrp="1"/>
-          </p:cNvSpPr>
-          <p:nvPr>
-            <p:ph type="ftr" sz="quarter" idx="11"/>
-          </p:nvPr>
-        </p:nvSpPr>
-        <p:spPr/>
-        <p:txBody>
-          <a:bodyPr/>
-          <a:lstStyle/>
-          <a:p>
-            <a:endParaRPr lang="ru-RU"/>
-          </a:p>
-        </p:txBody>
-      </p:sp>
-      <p:sp>
-        <p:nvSpPr>
-          <p:cNvPr id="6" name="Номер слайда 5"/>
-          <p:cNvSpPr>
-            <a:spLocks noGrp="1"/>
-          </p:cNvSpPr>
-          <p:nvPr>
-            <p:ph type="sldNum" sz="quarter" idx="12"/>
-          </p:nvPr>
-        </p:nvSpPr>
-        <p:spPr/>
-        <p:txBody>
-          <a:bodyPr/>
-          <a:lstStyle/>
-          <a:p>
-            <a:fld id="{B19B0651-EE4F-4900-A07F-96A6BFA9D0F0}" type="slidenum">
-              <a:rPr lang="ru-RU" smtClean="0"/>
-              <a:t>‹#›</a:t>
-            </a:fld>
-            <a:endParaRPr lang="ru-RU"/>
           </a:p>
         </p:txBody>
       </p:sp>
     </p:spTree>
   </p:cSld>
   <p:clrMapOvr>
-    <a:masterClrMapping/>
+    <a:overrideClrMapping bg1="dk1" tx1="lt1" bg2="dk2" tx2="lt2" accent1="accent1" accent2="accent2" accent3="accent3" accent4="accent4" accent5="accent5" accent6="accent6" hlink="hlink" folHlink="folHlink"/>
   </p:clrMapOvr>
 </p:sldLayout>
 </file>
@@ -1120,19 +1755,23 @@
         <p:spPr/>
         <p:txBody>
           <a:bodyPr/>
-          <a:lstStyle/>
-          <a:p>
-            <a:r>
-              <a:rPr lang="ru-RU" smtClean="0"/>
+          <a:lstStyle>
+            <a:lvl1pPr marL="0" algn="l">
+              <a:defRPr/>
+            </a:lvl1pPr>
+          </a:lstStyle>
+          <a:p>
+            <a:r>
+              <a:rPr kumimoji="0" lang="ru-RU" smtClean="0"/>
               <a:t>Образец заголовка</a:t>
             </a:r>
-            <a:endParaRPr lang="ru-RU"/>
-          </a:p>
-        </p:txBody>
-      </p:sp>
-      <p:sp>
-        <p:nvSpPr>
-          <p:cNvPr id="3" name="Содержимое 2"/>
+            <a:endParaRPr kumimoji="0" lang="en-US"/>
+          </a:p>
+        </p:txBody>
+      </p:sp>
+      <p:sp>
+        <p:nvSpPr>
+          <p:cNvPr id="3" name="Объект 2"/>
           <p:cNvSpPr>
             <a:spLocks noGrp="1"/>
           </p:cNvSpPr>
@@ -1142,7 +1781,7 @@
         </p:nvSpPr>
         <p:spPr>
           <a:xfrm>
-            <a:off x="457200" y="1600200"/>
+            <a:off x="457200" y="1722437"/>
             <a:ext cx="4038600" cy="4525963"/>
           </a:xfrm>
         </p:spPr>
@@ -1150,7 +1789,7 @@
           <a:bodyPr/>
           <a:lstStyle>
             <a:lvl1pPr>
-              <a:defRPr sz="2800"/>
+              <a:defRPr sz="2600"/>
             </a:lvl1pPr>
             <a:lvl2pPr>
               <a:defRPr sz="2400"/>
@@ -1164,60 +1803,48 @@
             <a:lvl5pPr>
               <a:defRPr sz="1800"/>
             </a:lvl5pPr>
-            <a:lvl6pPr>
-              <a:defRPr sz="1800"/>
-            </a:lvl6pPr>
-            <a:lvl7pPr>
-              <a:defRPr sz="1800"/>
-            </a:lvl7pPr>
-            <a:lvl8pPr>
-              <a:defRPr sz="1800"/>
-            </a:lvl8pPr>
-            <a:lvl9pPr>
-              <a:defRPr sz="1800"/>
-            </a:lvl9pPr>
           </a:lstStyle>
           <a:p>
-            <a:pPr lvl="0"/>
+            <a:pPr lvl="0" eaLnBrk="1" latinLnBrk="0" hangingPunct="1"/>
             <a:r>
               <a:rPr lang="ru-RU" smtClean="0"/>
               <a:t>Образец текста</a:t>
             </a:r>
           </a:p>
           <a:p>
-            <a:pPr lvl="1"/>
+            <a:pPr lvl="1" eaLnBrk="1" latinLnBrk="0" hangingPunct="1"/>
             <a:r>
               <a:rPr lang="ru-RU" smtClean="0"/>
               <a:t>Второй уровень</a:t>
             </a:r>
           </a:p>
           <a:p>
-            <a:pPr lvl="2"/>
+            <a:pPr lvl="2" eaLnBrk="1" latinLnBrk="0" hangingPunct="1"/>
             <a:r>
               <a:rPr lang="ru-RU" smtClean="0"/>
               <a:t>Третий уровень</a:t>
             </a:r>
           </a:p>
           <a:p>
-            <a:pPr lvl="3"/>
+            <a:pPr lvl="3" eaLnBrk="1" latinLnBrk="0" hangingPunct="1"/>
             <a:r>
               <a:rPr lang="ru-RU" smtClean="0"/>
               <a:t>Четвертый уровень</a:t>
             </a:r>
           </a:p>
           <a:p>
-            <a:pPr lvl="4"/>
+            <a:pPr lvl="4" eaLnBrk="1" latinLnBrk="0" hangingPunct="1"/>
             <a:r>
               <a:rPr lang="ru-RU" smtClean="0"/>
               <a:t>Пятый уровень</a:t>
             </a:r>
-            <a:endParaRPr lang="ru-RU"/>
-          </a:p>
-        </p:txBody>
-      </p:sp>
-      <p:sp>
-        <p:nvSpPr>
-          <p:cNvPr id="4" name="Содержимое 3"/>
+            <a:endParaRPr kumimoji="0" lang="en-US"/>
+          </a:p>
+        </p:txBody>
+      </p:sp>
+      <p:sp>
+        <p:nvSpPr>
+          <p:cNvPr id="4" name="Объект 3"/>
           <p:cNvSpPr>
             <a:spLocks noGrp="1"/>
           </p:cNvSpPr>
@@ -1227,7 +1854,7 @@
         </p:nvSpPr>
         <p:spPr>
           <a:xfrm>
-            <a:off x="4648200" y="1600200"/>
+            <a:off x="4648200" y="1722437"/>
             <a:ext cx="4038600" cy="4525963"/>
           </a:xfrm>
         </p:spPr>
@@ -1235,7 +1862,7 @@
           <a:bodyPr/>
           <a:lstStyle>
             <a:lvl1pPr>
-              <a:defRPr sz="2800"/>
+              <a:defRPr sz="2600"/>
             </a:lvl1pPr>
             <a:lvl2pPr>
               <a:defRPr sz="2400"/>
@@ -1249,54 +1876,42 @@
             <a:lvl5pPr>
               <a:defRPr sz="1800"/>
             </a:lvl5pPr>
-            <a:lvl6pPr>
-              <a:defRPr sz="1800"/>
-            </a:lvl6pPr>
-            <a:lvl7pPr>
-              <a:defRPr sz="1800"/>
-            </a:lvl7pPr>
-            <a:lvl8pPr>
-              <a:defRPr sz="1800"/>
-            </a:lvl8pPr>
-            <a:lvl9pPr>
-              <a:defRPr sz="1800"/>
-            </a:lvl9pPr>
           </a:lstStyle>
           <a:p>
-            <a:pPr lvl="0"/>
+            <a:pPr lvl="0" eaLnBrk="1" latinLnBrk="0" hangingPunct="1"/>
             <a:r>
               <a:rPr lang="ru-RU" smtClean="0"/>
               <a:t>Образец текста</a:t>
             </a:r>
           </a:p>
           <a:p>
-            <a:pPr lvl="1"/>
+            <a:pPr lvl="1" eaLnBrk="1" latinLnBrk="0" hangingPunct="1"/>
             <a:r>
               <a:rPr lang="ru-RU" smtClean="0"/>
               <a:t>Второй уровень</a:t>
             </a:r>
           </a:p>
           <a:p>
-            <a:pPr lvl="2"/>
+            <a:pPr lvl="2" eaLnBrk="1" latinLnBrk="0" hangingPunct="1"/>
             <a:r>
               <a:rPr lang="ru-RU" smtClean="0"/>
               <a:t>Третий уровень</a:t>
             </a:r>
           </a:p>
           <a:p>
-            <a:pPr lvl="3"/>
+            <a:pPr lvl="3" eaLnBrk="1" latinLnBrk="0" hangingPunct="1"/>
             <a:r>
               <a:rPr lang="ru-RU" smtClean="0"/>
               <a:t>Четвертый уровень</a:t>
             </a:r>
           </a:p>
           <a:p>
-            <a:pPr lvl="4"/>
+            <a:pPr lvl="4" eaLnBrk="1" latinLnBrk="0" hangingPunct="1"/>
             <a:r>
               <a:rPr lang="ru-RU" smtClean="0"/>
               <a:t>Пятый уровень</a:t>
             </a:r>
-            <a:endParaRPr lang="ru-RU"/>
+            <a:endParaRPr kumimoji="0" lang="en-US"/>
           </a:p>
         </p:txBody>
       </p:sp>
@@ -1310,14 +1925,19 @@
             <p:ph type="dt" sz="half" idx="10"/>
           </p:nvPr>
         </p:nvSpPr>
-        <p:spPr/>
+        <p:spPr>
+          <a:xfrm>
+            <a:off x="4791456" y="6480969"/>
+            <a:ext cx="2133600" cy="301752"/>
+          </a:xfrm>
+        </p:spPr>
         <p:txBody>
           <a:bodyPr/>
           <a:lstStyle/>
           <a:p>
             <a:fld id="{B4C71EC6-210F-42DE-9C53-41977AD35B3D}" type="datetimeFigureOut">
               <a:rPr lang="ru-RU" smtClean="0"/>
-              <a:t>10.05.2017</a:t>
+              <a:t>17.05.2017</a:t>
             </a:fld>
             <a:endParaRPr lang="ru-RU"/>
           </a:p>
@@ -1333,7 +1953,12 @@
             <p:ph type="ftr" sz="quarter" idx="11"/>
           </p:nvPr>
         </p:nvSpPr>
-        <p:spPr/>
+        <p:spPr>
+          <a:xfrm>
+            <a:off x="457200" y="6480969"/>
+            <a:ext cx="4260056" cy="301752"/>
+          </a:xfrm>
+        </p:spPr>
         <p:txBody>
           <a:bodyPr/>
           <a:lstStyle/>
@@ -1352,7 +1977,12 @@
             <p:ph type="sldNum" sz="quarter" idx="12"/>
           </p:nvPr>
         </p:nvSpPr>
-        <p:spPr/>
+        <p:spPr>
+          <a:xfrm>
+            <a:off x="7589520" y="6480969"/>
+            <a:ext cx="502920" cy="301752"/>
+          </a:xfrm>
+        </p:spPr>
         <p:txBody>
           <a:bodyPr/>
           <a:lstStyle/>
@@ -1374,8 +2004,13 @@
 </file>
 
 <file path=ppt/slideLayouts/slideLayout5.xml><?xml version="1.0" encoding="utf-8"?>
-<p:sldLayout xmlns:a="http://schemas.openxmlformats.org/drawingml/2006/main" xmlns:r="http://schemas.openxmlformats.org/officeDocument/2006/relationships" xmlns:p="http://schemas.openxmlformats.org/presentationml/2006/main" type="twoTxTwoObj" preserve="1">
+<p:sldLayout xmlns:a="http://schemas.openxmlformats.org/drawingml/2006/main" xmlns:r="http://schemas.openxmlformats.org/officeDocument/2006/relationships" xmlns:p="http://schemas.openxmlformats.org/presentationml/2006/main" showMasterSp="0" type="twoTxTwoObj" preserve="1">
   <p:cSld name="Сравнение">
+    <p:bg>
+      <p:bgRef idx="1002">
+        <a:schemeClr val="bg2"/>
+      </p:bgRef>
+    </p:bg>
     <p:spTree>
       <p:nvGrpSpPr>
         <p:cNvPr id="1" name=""/>
@@ -1400,20 +2035,34 @@
             <p:ph type="title"/>
           </p:nvPr>
         </p:nvSpPr>
-        <p:spPr/>
-        <p:txBody>
-          <a:bodyPr/>
+        <p:spPr>
+          <a:xfrm>
+            <a:off x="248198" y="290732"/>
+            <a:ext cx="1066800" cy="6153912"/>
+          </a:xfrm>
+        </p:spPr>
+        <p:txBody>
+          <a:bodyPr vert="vert270" anchor="b"/>
           <a:lstStyle>
-            <a:lvl1pPr>
-              <a:defRPr/>
+            <a:lvl1pPr marL="0" algn="ctr">
+              <a:defRPr sz="3300" b="1">
+                <a:ln w="6350">
+                  <a:solidFill>
+                    <a:schemeClr val="tx1"/>
+                  </a:solidFill>
+                </a:ln>
+                <a:solidFill>
+                  <a:schemeClr val="tx1"/>
+                </a:solidFill>
+              </a:defRPr>
             </a:lvl1pPr>
           </a:lstStyle>
           <a:p>
             <a:r>
-              <a:rPr lang="ru-RU" smtClean="0"/>
+              <a:rPr kumimoji="0" lang="ru-RU" smtClean="0"/>
               <a:t>Образец заголовка</a:t>
             </a:r>
-            <a:endParaRPr lang="ru-RU"/>
+            <a:endParaRPr kumimoji="0" lang="en-US"/>
           </a:p>
         </p:txBody>
       </p:sp>
@@ -1429,54 +2078,48 @@
         </p:nvSpPr>
         <p:spPr>
           <a:xfrm>
-            <a:off x="457200" y="1535113"/>
-            <a:ext cx="4040188" cy="639762"/>
-          </a:xfrm>
-        </p:spPr>
-        <p:txBody>
-          <a:bodyPr anchor="b"/>
+            <a:off x="1365006" y="290732"/>
+            <a:ext cx="581024" cy="3017520"/>
+          </a:xfrm>
+          <a:solidFill>
+            <a:schemeClr val="bg1"/>
+          </a:solidFill>
+          <a:ln w="12700">
+            <a:noFill/>
+          </a:ln>
+        </p:spPr>
+        <p:txBody>
+          <a:bodyPr vert="vert270" anchor="ctr"/>
           <a:lstStyle>
-            <a:lvl1pPr marL="0" indent="0">
+            <a:lvl1pPr marL="0" indent="0" algn="ctr">
               <a:buNone/>
-              <a:defRPr sz="2400" b="1"/>
+              <a:defRPr sz="1600" b="0">
+                <a:solidFill>
+                  <a:schemeClr val="tx1"/>
+                </a:solidFill>
+              </a:defRPr>
             </a:lvl1pPr>
-            <a:lvl2pPr marL="457200" indent="0">
+            <a:lvl2pPr>
               <a:buNone/>
               <a:defRPr sz="2000" b="1"/>
             </a:lvl2pPr>
-            <a:lvl3pPr marL="914400" indent="0">
+            <a:lvl3pPr>
               <a:buNone/>
               <a:defRPr sz="1800" b="1"/>
             </a:lvl3pPr>
-            <a:lvl4pPr marL="1371600" indent="0">
+            <a:lvl4pPr>
               <a:buNone/>
               <a:defRPr sz="1600" b="1"/>
             </a:lvl4pPr>
-            <a:lvl5pPr marL="1828800" indent="0">
+            <a:lvl5pPr>
               <a:buNone/>
               <a:defRPr sz="1600" b="1"/>
             </a:lvl5pPr>
-            <a:lvl6pPr marL="2286000" indent="0">
-              <a:buNone/>
-              <a:defRPr sz="1600" b="1"/>
-            </a:lvl6pPr>
-            <a:lvl7pPr marL="2743200" indent="0">
-              <a:buNone/>
-              <a:defRPr sz="1600" b="1"/>
-            </a:lvl7pPr>
-            <a:lvl8pPr marL="3200400" indent="0">
-              <a:buNone/>
-              <a:defRPr sz="1600" b="1"/>
-            </a:lvl8pPr>
-            <a:lvl9pPr marL="3657600" indent="0">
-              <a:buNone/>
-              <a:defRPr sz="1600" b="1"/>
-            </a:lvl9pPr>
           </a:lstStyle>
           <a:p>
-            <a:pPr lvl="0"/>
-            <a:r>
-              <a:rPr lang="ru-RU" smtClean="0"/>
+            <a:pPr lvl="0" eaLnBrk="1" latinLnBrk="0" hangingPunct="1"/>
+            <a:r>
+              <a:rPr kumimoji="0" lang="ru-RU" smtClean="0"/>
               <a:t>Образец текста</a:t>
             </a:r>
           </a:p>
@@ -1484,18 +2127,150 @@
       </p:sp>
       <p:sp>
         <p:nvSpPr>
-          <p:cNvPr id="4" name="Содержимое 3"/>
+          <p:cNvPr id="4" name="Текст 3"/>
           <p:cNvSpPr>
             <a:spLocks noGrp="1"/>
           </p:cNvSpPr>
           <p:nvPr>
-            <p:ph sz="half" idx="2"/>
-          </p:nvPr>
-        </p:nvSpPr>
-        <p:spPr>
-          <a:xfrm>
-            <a:off x="457200" y="2174875"/>
-            <a:ext cx="4040188" cy="3951288"/>
+            <p:ph type="body" sz="half" idx="3"/>
+          </p:nvPr>
+        </p:nvSpPr>
+        <p:spPr>
+          <a:xfrm>
+            <a:off x="1365006" y="3427124"/>
+            <a:ext cx="581024" cy="3017520"/>
+          </a:xfrm>
+          <a:solidFill>
+            <a:schemeClr val="bg1"/>
+          </a:solidFill>
+          <a:ln w="12700">
+            <a:noFill/>
+          </a:ln>
+        </p:spPr>
+        <p:txBody>
+          <a:bodyPr vert="vert270" anchor="ctr"/>
+          <a:lstStyle>
+            <a:lvl1pPr marL="0" indent="0" algn="ctr">
+              <a:buNone/>
+              <a:defRPr sz="1600" b="0">
+                <a:solidFill>
+                  <a:schemeClr val="tx1"/>
+                </a:solidFill>
+              </a:defRPr>
+            </a:lvl1pPr>
+            <a:lvl2pPr>
+              <a:buNone/>
+              <a:defRPr sz="2000" b="1"/>
+            </a:lvl2pPr>
+            <a:lvl3pPr>
+              <a:buNone/>
+              <a:defRPr sz="1800" b="1"/>
+            </a:lvl3pPr>
+            <a:lvl4pPr>
+              <a:buNone/>
+              <a:defRPr sz="1600" b="1"/>
+            </a:lvl4pPr>
+            <a:lvl5pPr>
+              <a:buNone/>
+              <a:defRPr sz="1600" b="1"/>
+            </a:lvl5pPr>
+          </a:lstStyle>
+          <a:p>
+            <a:pPr lvl="0" eaLnBrk="1" latinLnBrk="0" hangingPunct="1"/>
+            <a:r>
+              <a:rPr kumimoji="0" lang="ru-RU" smtClean="0"/>
+              <a:t>Образец текста</a:t>
+            </a:r>
+          </a:p>
+        </p:txBody>
+      </p:sp>
+      <p:sp>
+        <p:nvSpPr>
+          <p:cNvPr id="5" name="Объект 4"/>
+          <p:cNvSpPr>
+            <a:spLocks noGrp="1"/>
+          </p:cNvSpPr>
+          <p:nvPr>
+            <p:ph sz="quarter" idx="2"/>
+          </p:nvPr>
+        </p:nvSpPr>
+        <p:spPr>
+          <a:xfrm>
+            <a:off x="2022230" y="290732"/>
+            <a:ext cx="6858000" cy="3017520"/>
+          </a:xfrm>
+        </p:spPr>
+        <p:txBody>
+          <a:bodyPr/>
+          <a:lstStyle>
+            <a:lvl1pPr algn="l">
+              <a:defRPr sz="2400"/>
+            </a:lvl1pPr>
+            <a:lvl2pPr algn="l">
+              <a:defRPr sz="2000"/>
+            </a:lvl2pPr>
+            <a:lvl3pPr algn="l">
+              <a:defRPr sz="1800"/>
+            </a:lvl3pPr>
+            <a:lvl4pPr algn="l">
+              <a:defRPr sz="1600"/>
+            </a:lvl4pPr>
+            <a:lvl5pPr algn="l">
+              <a:defRPr sz="1600"/>
+            </a:lvl5pPr>
+          </a:lstStyle>
+          <a:p>
+            <a:pPr lvl="0" eaLnBrk="1" latinLnBrk="0" hangingPunct="1"/>
+            <a:r>
+              <a:rPr lang="ru-RU" smtClean="0"/>
+              <a:t>Образец текста</a:t>
+            </a:r>
+          </a:p>
+          <a:p>
+            <a:pPr lvl="1" eaLnBrk="1" latinLnBrk="0" hangingPunct="1"/>
+            <a:r>
+              <a:rPr lang="ru-RU" smtClean="0"/>
+              <a:t>Второй уровень</a:t>
+            </a:r>
+          </a:p>
+          <a:p>
+            <a:pPr lvl="2" eaLnBrk="1" latinLnBrk="0" hangingPunct="1"/>
+            <a:r>
+              <a:rPr lang="ru-RU" smtClean="0"/>
+              <a:t>Третий уровень</a:t>
+            </a:r>
+          </a:p>
+          <a:p>
+            <a:pPr lvl="3" eaLnBrk="1" latinLnBrk="0" hangingPunct="1"/>
+            <a:r>
+              <a:rPr lang="ru-RU" smtClean="0"/>
+              <a:t>Четвертый уровень</a:t>
+            </a:r>
+          </a:p>
+          <a:p>
+            <a:pPr lvl="4" eaLnBrk="1" latinLnBrk="0" hangingPunct="1"/>
+            <a:r>
+              <a:rPr lang="ru-RU" smtClean="0"/>
+              <a:t>Пятый уровень</a:t>
+            </a:r>
+            <a:endParaRPr kumimoji="0" lang="en-US"/>
+          </a:p>
+        </p:txBody>
+      </p:sp>
+      <p:sp>
+        <p:nvSpPr>
+          <p:cNvPr id="6" name="Объект 5"/>
+          <p:cNvSpPr>
+            <a:spLocks noGrp="1"/>
+          </p:cNvSpPr>
+          <p:nvPr>
+            <p:ph sz="quarter" idx="4"/>
+          </p:nvPr>
+        </p:nvSpPr>
+        <p:spPr>
+          <a:xfrm>
+            <a:off x="2022230" y="3427124"/>
+            <a:ext cx="6858000" cy="3017520"/>
           </a:xfrm>
         </p:spPr>
         <p:txBody>
@@ -1516,204 +2291,42 @@
             <a:lvl5pPr>
               <a:defRPr sz="1600"/>
             </a:lvl5pPr>
-            <a:lvl6pPr>
-              <a:defRPr sz="1600"/>
-            </a:lvl6pPr>
-            <a:lvl7pPr>
-              <a:defRPr sz="1600"/>
-            </a:lvl7pPr>
-            <a:lvl8pPr>
-              <a:defRPr sz="1600"/>
-            </a:lvl8pPr>
-            <a:lvl9pPr>
-              <a:defRPr sz="1600"/>
-            </a:lvl9pPr>
           </a:lstStyle>
           <a:p>
-            <a:pPr lvl="0"/>
+            <a:pPr lvl="0" eaLnBrk="1" latinLnBrk="0" hangingPunct="1"/>
             <a:r>
               <a:rPr lang="ru-RU" smtClean="0"/>
               <a:t>Образец текста</a:t>
             </a:r>
           </a:p>
           <a:p>
-            <a:pPr lvl="1"/>
+            <a:pPr lvl="1" eaLnBrk="1" latinLnBrk="0" hangingPunct="1"/>
             <a:r>
               <a:rPr lang="ru-RU" smtClean="0"/>
               <a:t>Второй уровень</a:t>
             </a:r>
           </a:p>
           <a:p>
-            <a:pPr lvl="2"/>
+            <a:pPr lvl="2" eaLnBrk="1" latinLnBrk="0" hangingPunct="1"/>
             <a:r>
               <a:rPr lang="ru-RU" smtClean="0"/>
               <a:t>Третий уровень</a:t>
             </a:r>
           </a:p>
           <a:p>
-            <a:pPr lvl="3"/>
+            <a:pPr lvl="3" eaLnBrk="1" latinLnBrk="0" hangingPunct="1"/>
             <a:r>
               <a:rPr lang="ru-RU" smtClean="0"/>
               <a:t>Четвертый уровень</a:t>
             </a:r>
           </a:p>
           <a:p>
-            <a:pPr lvl="4"/>
+            <a:pPr lvl="4" eaLnBrk="1" latinLnBrk="0" hangingPunct="1"/>
             <a:r>
               <a:rPr lang="ru-RU" smtClean="0"/>
               <a:t>Пятый уровень</a:t>
             </a:r>
-            <a:endParaRPr lang="ru-RU"/>
-          </a:p>
-        </p:txBody>
-      </p:sp>
-      <p:sp>
-        <p:nvSpPr>
-          <p:cNvPr id="5" name="Текст 4"/>
-          <p:cNvSpPr>
-            <a:spLocks noGrp="1"/>
-          </p:cNvSpPr>
-          <p:nvPr>
-            <p:ph type="body" sz="quarter" idx="3"/>
-          </p:nvPr>
-        </p:nvSpPr>
-        <p:spPr>
-          <a:xfrm>
-            <a:off x="4645025" y="1535113"/>
-            <a:ext cx="4041775" cy="639762"/>
-          </a:xfrm>
-        </p:spPr>
-        <p:txBody>
-          <a:bodyPr anchor="b"/>
-          <a:lstStyle>
-            <a:lvl1pPr marL="0" indent="0">
-              <a:buNone/>
-              <a:defRPr sz="2400" b="1"/>
-            </a:lvl1pPr>
-            <a:lvl2pPr marL="457200" indent="0">
-              <a:buNone/>
-              <a:defRPr sz="2000" b="1"/>
-            </a:lvl2pPr>
-            <a:lvl3pPr marL="914400" indent="0">
-              <a:buNone/>
-              <a:defRPr sz="1800" b="1"/>
-            </a:lvl3pPr>
-            <a:lvl4pPr marL="1371600" indent="0">
-              <a:buNone/>
-              <a:defRPr sz="1600" b="1"/>
-            </a:lvl4pPr>
-            <a:lvl5pPr marL="1828800" indent="0">
-              <a:buNone/>
-              <a:defRPr sz="1600" b="1"/>
-            </a:lvl5pPr>
-            <a:lvl6pPr marL="2286000" indent="0">
-              <a:buNone/>
-              <a:defRPr sz="1600" b="1"/>
-            </a:lvl6pPr>
-            <a:lvl7pPr marL="2743200" indent="0">
-              <a:buNone/>
-              <a:defRPr sz="1600" b="1"/>
-            </a:lvl7pPr>
-            <a:lvl8pPr marL="3200400" indent="0">
-              <a:buNone/>
-              <a:defRPr sz="1600" b="1"/>
-            </a:lvl8pPr>
-            <a:lvl9pPr marL="3657600" indent="0">
-              <a:buNone/>
-              <a:defRPr sz="1600" b="1"/>
-            </a:lvl9pPr>
-          </a:lstStyle>
-          <a:p>
-            <a:pPr lvl="0"/>
-            <a:r>
-              <a:rPr lang="ru-RU" smtClean="0"/>
-              <a:t>Образец текста</a:t>
-            </a:r>
-          </a:p>
-        </p:txBody>
-      </p:sp>
-      <p:sp>
-        <p:nvSpPr>
-          <p:cNvPr id="6" name="Содержимое 5"/>
-          <p:cNvSpPr>
-            <a:spLocks noGrp="1"/>
-          </p:cNvSpPr>
-          <p:nvPr>
-            <p:ph sz="quarter" idx="4"/>
-          </p:nvPr>
-        </p:nvSpPr>
-        <p:spPr>
-          <a:xfrm>
-            <a:off x="4645025" y="2174875"/>
-            <a:ext cx="4041775" cy="3951288"/>
-          </a:xfrm>
-        </p:spPr>
-        <p:txBody>
-          <a:bodyPr/>
-          <a:lstStyle>
-            <a:lvl1pPr>
-              <a:defRPr sz="2400"/>
-            </a:lvl1pPr>
-            <a:lvl2pPr>
-              <a:defRPr sz="2000"/>
-            </a:lvl2pPr>
-            <a:lvl3pPr>
-              <a:defRPr sz="1800"/>
-            </a:lvl3pPr>
-            <a:lvl4pPr>
-              <a:defRPr sz="1600"/>
-            </a:lvl4pPr>
-            <a:lvl5pPr>
-              <a:defRPr sz="1600"/>
-            </a:lvl5pPr>
-            <a:lvl6pPr>
-              <a:defRPr sz="1600"/>
-            </a:lvl6pPr>
-            <a:lvl7pPr>
-              <a:defRPr sz="1600"/>
-            </a:lvl7pPr>
-            <a:lvl8pPr>
-              <a:defRPr sz="1600"/>
-            </a:lvl8pPr>
-            <a:lvl9pPr>
-              <a:defRPr sz="1600"/>
-            </a:lvl9pPr>
-          </a:lstStyle>
-          <a:p>
-            <a:pPr lvl="0"/>
-            <a:r>
-              <a:rPr lang="ru-RU" smtClean="0"/>
-              <a:t>Образец текста</a:t>
-            </a:r>
-          </a:p>
-          <a:p>
-            <a:pPr lvl="1"/>
-            <a:r>
-              <a:rPr lang="ru-RU" smtClean="0"/>
-              <a:t>Второй уровень</a:t>
-            </a:r>
-          </a:p>
-          <a:p>
-            <a:pPr lvl="2"/>
-            <a:r>
-              <a:rPr lang="ru-RU" smtClean="0"/>
-              <a:t>Третий уровень</a:t>
-            </a:r>
-          </a:p>
-          <a:p>
-            <a:pPr lvl="3"/>
-            <a:r>
-              <a:rPr lang="ru-RU" smtClean="0"/>
-              <a:t>Четвертый уровень</a:t>
-            </a:r>
-          </a:p>
-          <a:p>
-            <a:pPr lvl="4"/>
-            <a:r>
-              <a:rPr lang="ru-RU" smtClean="0"/>
-              <a:t>Пятый уровень</a:t>
-            </a:r>
-            <a:endParaRPr lang="ru-RU"/>
+            <a:endParaRPr kumimoji="0" lang="en-US"/>
           </a:p>
         </p:txBody>
       </p:sp>
@@ -1727,14 +2340,19 @@
             <p:ph type="dt" sz="half" idx="10"/>
           </p:nvPr>
         </p:nvSpPr>
-        <p:spPr/>
+        <p:spPr>
+          <a:xfrm>
+            <a:off x="4791456" y="6480969"/>
+            <a:ext cx="2130552" cy="301752"/>
+          </a:xfrm>
+        </p:spPr>
         <p:txBody>
           <a:bodyPr/>
           <a:lstStyle/>
           <a:p>
             <a:fld id="{B4C71EC6-210F-42DE-9C53-41977AD35B3D}" type="datetimeFigureOut">
               <a:rPr lang="ru-RU" smtClean="0"/>
-              <a:t>10.05.2017</a:t>
+              <a:t>17.05.2017</a:t>
             </a:fld>
             <a:endParaRPr lang="ru-RU"/>
           </a:p>
@@ -1750,7 +2368,12 @@
             <p:ph type="ftr" sz="quarter" idx="11"/>
           </p:nvPr>
         </p:nvSpPr>
-        <p:spPr/>
+        <p:spPr>
+          <a:xfrm>
+            <a:off x="457200" y="6480969"/>
+            <a:ext cx="4261104" cy="301752"/>
+          </a:xfrm>
+        </p:spPr>
         <p:txBody>
           <a:bodyPr/>
           <a:lstStyle/>
@@ -1769,10 +2392,19 @@
             <p:ph type="sldNum" sz="quarter" idx="12"/>
           </p:nvPr>
         </p:nvSpPr>
-        <p:spPr/>
+        <p:spPr>
+          <a:xfrm>
+            <a:off x="7589520" y="6483096"/>
+            <a:ext cx="502920" cy="301752"/>
+          </a:xfrm>
+        </p:spPr>
         <p:txBody>
           <a:bodyPr/>
-          <a:lstStyle/>
+          <a:lstStyle>
+            <a:lvl1pPr algn="ctr">
+              <a:defRPr/>
+            </a:lvl1pPr>
+          </a:lstStyle>
           <a:p>
             <a:fld id="{B19B0651-EE4F-4900-A07F-96A6BFA9D0F0}" type="slidenum">
               <a:rPr lang="ru-RU" smtClean="0"/>
@@ -1785,7 +2417,7 @@
     </p:spTree>
   </p:cSld>
   <p:clrMapOvr>
-    <a:masterClrMapping/>
+    <a:overrideClrMapping bg1="dk1" tx1="lt1" bg2="dk2" tx2="lt2" accent1="accent1" accent2="accent2" accent3="accent3" accent4="accent4" accent5="accent5" accent6="accent6" hlink="hlink" folHlink="folHlink"/>
   </p:clrMapOvr>
 </p:sldLayout>
 </file>
@@ -1820,13 +2452,17 @@
         <p:spPr/>
         <p:txBody>
           <a:bodyPr/>
-          <a:lstStyle/>
-          <a:p>
-            <a:r>
-              <a:rPr lang="ru-RU" smtClean="0"/>
+          <a:lstStyle>
+            <a:lvl1pPr>
+              <a:defRPr b="0"/>
+            </a:lvl1pPr>
+          </a:lstStyle>
+          <a:p>
+            <a:r>
+              <a:rPr kumimoji="0" lang="ru-RU" smtClean="0"/>
               <a:t>Образец заголовка</a:t>
             </a:r>
-            <a:endParaRPr lang="ru-RU"/>
+            <a:endParaRPr kumimoji="0" lang="en-US"/>
           </a:p>
         </p:txBody>
       </p:sp>
@@ -1847,7 +2483,7 @@
           <a:p>
             <a:fld id="{B4C71EC6-210F-42DE-9C53-41977AD35B3D}" type="datetimeFigureOut">
               <a:rPr lang="ru-RU" smtClean="0"/>
-              <a:t>10.05.2017</a:t>
+              <a:t>17.05.2017</a:t>
             </a:fld>
             <a:endParaRPr lang="ru-RU"/>
           </a:p>
@@ -1930,14 +2566,19 @@
             <p:ph type="dt" sz="half" idx="10"/>
           </p:nvPr>
         </p:nvSpPr>
-        <p:spPr/>
+        <p:spPr>
+          <a:xfrm>
+            <a:off x="4791456" y="6480969"/>
+            <a:ext cx="2133600" cy="301752"/>
+          </a:xfrm>
+        </p:spPr>
         <p:txBody>
           <a:bodyPr/>
           <a:lstStyle/>
           <a:p>
             <a:fld id="{B4C71EC6-210F-42DE-9C53-41977AD35B3D}" type="datetimeFigureOut">
               <a:rPr lang="ru-RU" smtClean="0"/>
-              <a:t>10.05.2017</a:t>
+              <a:t>17.05.2017</a:t>
             </a:fld>
             <a:endParaRPr lang="ru-RU"/>
           </a:p>
@@ -1953,7 +2594,12 @@
             <p:ph type="ftr" sz="quarter" idx="11"/>
           </p:nvPr>
         </p:nvSpPr>
-        <p:spPr/>
+        <p:spPr>
+          <a:xfrm>
+            <a:off x="457200" y="6481890"/>
+            <a:ext cx="4260056" cy="300831"/>
+          </a:xfrm>
+        </p:spPr>
         <p:txBody>
           <a:bodyPr/>
           <a:lstStyle/>
@@ -1972,7 +2618,12 @@
             <p:ph type="sldNum" sz="quarter" idx="12"/>
           </p:nvPr>
         </p:nvSpPr>
-        <p:spPr/>
+        <p:spPr>
+          <a:xfrm>
+            <a:off x="7589520" y="6480969"/>
+            <a:ext cx="502920" cy="301752"/>
+          </a:xfrm>
+        </p:spPr>
         <p:txBody>
           <a:bodyPr/>
           <a:lstStyle/>
@@ -1994,8 +2645,13 @@
 </file>
 
 <file path=ppt/slideLayouts/slideLayout8.xml><?xml version="1.0" encoding="utf-8"?>
-<p:sldLayout xmlns:a="http://schemas.openxmlformats.org/drawingml/2006/main" xmlns:r="http://schemas.openxmlformats.org/officeDocument/2006/relationships" xmlns:p="http://schemas.openxmlformats.org/presentationml/2006/main" type="objTx" preserve="1">
+<p:sldLayout xmlns:a="http://schemas.openxmlformats.org/drawingml/2006/main" xmlns:r="http://schemas.openxmlformats.org/officeDocument/2006/relationships" xmlns:p="http://schemas.openxmlformats.org/presentationml/2006/main" showMasterSp="0" type="objTx" preserve="1">
   <p:cSld name="Объект с подписью">
+    <p:bg>
+      <p:bgRef idx="1002">
+        <a:schemeClr val="bg2"/>
+      </p:bgRef>
+    </p:bg>
     <p:spTree>
       <p:nvGrpSpPr>
         <p:cNvPr id="1" name=""/>
@@ -2022,50 +2678,109 @@
         </p:nvSpPr>
         <p:spPr>
           <a:xfrm>
-            <a:off x="457200" y="273050"/>
-            <a:ext cx="3008313" cy="1162050"/>
-          </a:xfrm>
-        </p:spPr>
-        <p:txBody>
-          <a:bodyPr anchor="b"/>
+            <a:off x="219456" y="367664"/>
+            <a:ext cx="914400" cy="5943600"/>
+          </a:xfrm>
+        </p:spPr>
+        <p:txBody>
+          <a:bodyPr vert="vert270" anchor="b"/>
           <a:lstStyle>
-            <a:lvl1pPr algn="l">
-              <a:defRPr sz="2000" b="1"/>
+            <a:lvl1pPr marL="0" marR="18288" algn="r">
+              <a:spcBef>
+                <a:spcPts val="0"/>
+              </a:spcBef>
+              <a:buNone/>
+              <a:defRPr sz="2900" b="0" cap="all" baseline="0"/>
             </a:lvl1pPr>
           </a:lstStyle>
           <a:p>
             <a:r>
-              <a:rPr lang="ru-RU" smtClean="0"/>
+              <a:rPr kumimoji="0" lang="ru-RU" smtClean="0"/>
               <a:t>Образец заголовка</a:t>
             </a:r>
-            <a:endParaRPr lang="ru-RU"/>
-          </a:p>
-        </p:txBody>
-      </p:sp>
-      <p:sp>
-        <p:nvSpPr>
-          <p:cNvPr id="3" name="Содержимое 2"/>
+            <a:endParaRPr kumimoji="0" lang="en-US"/>
+          </a:p>
+        </p:txBody>
+      </p:sp>
+      <p:sp>
+        <p:nvSpPr>
+          <p:cNvPr id="3" name="Текст 2"/>
           <p:cNvSpPr>
             <a:spLocks noGrp="1"/>
           </p:cNvSpPr>
           <p:nvPr>
-            <p:ph idx="1"/>
-          </p:nvPr>
-        </p:nvSpPr>
-        <p:spPr>
-          <a:xfrm>
-            <a:off x="3575050" y="273050"/>
-            <a:ext cx="5111750" cy="5853113"/>
+            <p:ph type="body" idx="2"/>
+          </p:nvPr>
+        </p:nvSpPr>
+        <p:spPr>
+          <a:xfrm>
+            <a:off x="1135856" y="367664"/>
+            <a:ext cx="2438400" cy="5943600"/>
+          </a:xfrm>
+        </p:spPr>
+        <p:txBody>
+          <a:bodyPr anchor="t"/>
+          <a:lstStyle>
+            <a:lvl1pPr marL="0" indent="0">
+              <a:spcBef>
+                <a:spcPts val="0"/>
+              </a:spcBef>
+              <a:buNone/>
+              <a:defRPr sz="1400"/>
+            </a:lvl1pPr>
+            <a:lvl2pPr>
+              <a:buNone/>
+              <a:defRPr sz="1200"/>
+            </a:lvl2pPr>
+            <a:lvl3pPr>
+              <a:buNone/>
+              <a:defRPr sz="1000"/>
+            </a:lvl3pPr>
+            <a:lvl4pPr>
+              <a:buNone/>
+              <a:defRPr sz="900"/>
+            </a:lvl4pPr>
+            <a:lvl5pPr>
+              <a:buNone/>
+              <a:defRPr sz="900"/>
+            </a:lvl5pPr>
+          </a:lstStyle>
+          <a:p>
+            <a:pPr lvl="0" eaLnBrk="1" latinLnBrk="0" hangingPunct="1"/>
+            <a:r>
+              <a:rPr kumimoji="0" lang="ru-RU" smtClean="0"/>
+              <a:t>Образец текста</a:t>
+            </a:r>
+          </a:p>
+        </p:txBody>
+      </p:sp>
+      <p:sp>
+        <p:nvSpPr>
+          <p:cNvPr id="4" name="Объект 3"/>
+          <p:cNvSpPr>
+            <a:spLocks noGrp="1"/>
+          </p:cNvSpPr>
+          <p:nvPr>
+            <p:ph sz="half" idx="1"/>
+          </p:nvPr>
+        </p:nvSpPr>
+        <p:spPr>
+          <a:xfrm>
+            <a:off x="3651250" y="320040"/>
+            <a:ext cx="5276088" cy="5989320"/>
           </a:xfrm>
         </p:spPr>
         <p:txBody>
           <a:bodyPr/>
           <a:lstStyle>
             <a:lvl1pPr>
-              <a:defRPr sz="3200"/>
+              <a:spcBef>
+                <a:spcPts val="0"/>
+              </a:spcBef>
+              <a:defRPr sz="3000"/>
             </a:lvl1pPr>
             <a:lvl2pPr>
-              <a:defRPr sz="2800"/>
+              <a:defRPr sz="2600"/>
             </a:lvl2pPr>
             <a:lvl3pPr>
               <a:defRPr sz="2400"/>
@@ -2076,119 +2791,42 @@
             <a:lvl5pPr>
               <a:defRPr sz="2000"/>
             </a:lvl5pPr>
-            <a:lvl6pPr>
-              <a:defRPr sz="2000"/>
-            </a:lvl6pPr>
-            <a:lvl7pPr>
-              <a:defRPr sz="2000"/>
-            </a:lvl7pPr>
-            <a:lvl8pPr>
-              <a:defRPr sz="2000"/>
-            </a:lvl8pPr>
-            <a:lvl9pPr>
-              <a:defRPr sz="2000"/>
-            </a:lvl9pPr>
           </a:lstStyle>
           <a:p>
-            <a:pPr lvl="0"/>
+            <a:pPr lvl="0" eaLnBrk="1" latinLnBrk="0" hangingPunct="1"/>
             <a:r>
               <a:rPr lang="ru-RU" smtClean="0"/>
               <a:t>Образец текста</a:t>
             </a:r>
           </a:p>
           <a:p>
-            <a:pPr lvl="1"/>
+            <a:pPr lvl="1" eaLnBrk="1" latinLnBrk="0" hangingPunct="1"/>
             <a:r>
               <a:rPr lang="ru-RU" smtClean="0"/>
               <a:t>Второй уровень</a:t>
             </a:r>
           </a:p>
           <a:p>
-            <a:pPr lvl="2"/>
+            <a:pPr lvl="2" eaLnBrk="1" latinLnBrk="0" hangingPunct="1"/>
             <a:r>
               <a:rPr lang="ru-RU" smtClean="0"/>
               <a:t>Третий уровень</a:t>
             </a:r>
           </a:p>
           <a:p>
-            <a:pPr lvl="3"/>
+            <a:pPr lvl="3" eaLnBrk="1" latinLnBrk="0" hangingPunct="1"/>
             <a:r>
               <a:rPr lang="ru-RU" smtClean="0"/>
               <a:t>Четвертый уровень</a:t>
             </a:r>
           </a:p>
           <a:p>
-            <a:pPr lvl="4"/>
+            <a:pPr lvl="4" eaLnBrk="1" latinLnBrk="0" hangingPunct="1"/>
             <a:r>
               <a:rPr lang="ru-RU" smtClean="0"/>
               <a:t>Пятый уровень</a:t>
             </a:r>
-            <a:endParaRPr lang="ru-RU"/>
-          </a:p>
-        </p:txBody>
-      </p:sp>
-      <p:sp>
-        <p:nvSpPr>
-          <p:cNvPr id="4" name="Текст 3"/>
-          <p:cNvSpPr>
-            <a:spLocks noGrp="1"/>
-          </p:cNvSpPr>
-          <p:nvPr>
-            <p:ph type="body" sz="half" idx="2"/>
-          </p:nvPr>
-        </p:nvSpPr>
-        <p:spPr>
-          <a:xfrm>
-            <a:off x="457200" y="1435100"/>
-            <a:ext cx="3008313" cy="4691063"/>
-          </a:xfrm>
-        </p:spPr>
-        <p:txBody>
-          <a:bodyPr/>
-          <a:lstStyle>
-            <a:lvl1pPr marL="0" indent="0">
-              <a:buNone/>
-              <a:defRPr sz="1400"/>
-            </a:lvl1pPr>
-            <a:lvl2pPr marL="457200" indent="0">
-              <a:buNone/>
-              <a:defRPr sz="1200"/>
-            </a:lvl2pPr>
-            <a:lvl3pPr marL="914400" indent="0">
-              <a:buNone/>
-              <a:defRPr sz="1000"/>
-            </a:lvl3pPr>
-            <a:lvl4pPr marL="1371600" indent="0">
-              <a:buNone/>
-              <a:defRPr sz="900"/>
-            </a:lvl4pPr>
-            <a:lvl5pPr marL="1828800" indent="0">
-              <a:buNone/>
-              <a:defRPr sz="900"/>
-            </a:lvl5pPr>
-            <a:lvl6pPr marL="2286000" indent="0">
-              <a:buNone/>
-              <a:defRPr sz="900"/>
-            </a:lvl6pPr>
-            <a:lvl7pPr marL="2743200" indent="0">
-              <a:buNone/>
-              <a:defRPr sz="900"/>
-            </a:lvl7pPr>
-            <a:lvl8pPr marL="3200400" indent="0">
-              <a:buNone/>
-              <a:defRPr sz="900"/>
-            </a:lvl8pPr>
-            <a:lvl9pPr marL="3657600" indent="0">
-              <a:buNone/>
-              <a:defRPr sz="900"/>
-            </a:lvl9pPr>
-          </a:lstStyle>
-          <a:p>
-            <a:pPr lvl="0"/>
-            <a:r>
-              <a:rPr lang="ru-RU" smtClean="0"/>
-              <a:t>Образец текста</a:t>
-            </a:r>
+            <a:endParaRPr kumimoji="0" lang="en-US"/>
           </a:p>
         </p:txBody>
       </p:sp>
@@ -2202,14 +2840,23 @@
             <p:ph type="dt" sz="half" idx="10"/>
           </p:nvPr>
         </p:nvSpPr>
-        <p:spPr/>
+        <p:spPr>
+          <a:xfrm>
+            <a:off x="6278976" y="6556248"/>
+            <a:ext cx="2133600" cy="301752"/>
+          </a:xfrm>
+        </p:spPr>
         <p:txBody>
           <a:bodyPr/>
-          <a:lstStyle/>
+          <a:lstStyle>
+            <a:lvl1pPr>
+              <a:defRPr sz="900"/>
+            </a:lvl1pPr>
+          </a:lstStyle>
           <a:p>
             <a:fld id="{B4C71EC6-210F-42DE-9C53-41977AD35B3D}" type="datetimeFigureOut">
               <a:rPr lang="ru-RU" smtClean="0"/>
-              <a:t>10.05.2017</a:t>
+              <a:t>17.05.2017</a:t>
             </a:fld>
             <a:endParaRPr lang="ru-RU"/>
           </a:p>
@@ -2225,10 +2872,19 @@
             <p:ph type="ftr" sz="quarter" idx="11"/>
           </p:nvPr>
         </p:nvSpPr>
-        <p:spPr/>
+        <p:spPr>
+          <a:xfrm>
+            <a:off x="1135856" y="6556248"/>
+            <a:ext cx="5143120" cy="301752"/>
+          </a:xfrm>
+        </p:spPr>
         <p:txBody>
           <a:bodyPr/>
-          <a:lstStyle/>
+          <a:lstStyle>
+            <a:lvl1pPr>
+              <a:defRPr sz="900"/>
+            </a:lvl1pPr>
+          </a:lstStyle>
           <a:p>
             <a:endParaRPr lang="ru-RU"/>
           </a:p>
@@ -2244,10 +2900,19 @@
             <p:ph type="sldNum" sz="quarter" idx="12"/>
           </p:nvPr>
         </p:nvSpPr>
-        <p:spPr/>
+        <p:spPr>
+          <a:xfrm>
+            <a:off x="8410576" y="6556248"/>
+            <a:ext cx="502920" cy="301752"/>
+          </a:xfrm>
+        </p:spPr>
         <p:txBody>
           <a:bodyPr/>
-          <a:lstStyle/>
+          <a:lstStyle>
+            <a:lvl1pPr>
+              <a:defRPr sz="900"/>
+            </a:lvl1pPr>
+          </a:lstStyle>
           <a:p>
             <a:fld id="{B19B0651-EE4F-4900-A07F-96A6BFA9D0F0}" type="slidenum">
               <a:rPr lang="ru-RU" smtClean="0"/>
@@ -2260,264 +2925,16 @@
     </p:spTree>
   </p:cSld>
   <p:clrMapOvr>
-    <a:masterClrMapping/>
+    <a:overrideClrMapping bg1="dk1" tx1="lt1" bg2="dk2" tx2="lt2" accent1="accent1" accent2="accent2" accent3="accent3" accent4="accent4" accent5="accent5" accent6="accent6" hlink="hlink" folHlink="folHlink"/>
   </p:clrMapOvr>
 </p:sldLayout>
 </file>
 
 <file path=ppt/slideLayouts/slideLayout9.xml><?xml version="1.0" encoding="utf-8"?>
-<p:sldLayout xmlns:a="http://schemas.openxmlformats.org/drawingml/2006/main" xmlns:r="http://schemas.openxmlformats.org/officeDocument/2006/relationships" xmlns:p="http://schemas.openxmlformats.org/presentationml/2006/main" type="picTx" preserve="1">
+<p:sldLayout xmlns:a="http://schemas.openxmlformats.org/drawingml/2006/main" xmlns:r="http://schemas.openxmlformats.org/officeDocument/2006/relationships" xmlns:p="http://schemas.openxmlformats.org/presentationml/2006/main" showMasterSp="0" type="picTx" preserve="1">
   <p:cSld name="Рисунок с подписью">
-    <p:spTree>
-      <p:nvGrpSpPr>
-        <p:cNvPr id="1" name=""/>
-        <p:cNvGrpSpPr/>
-        <p:nvPr/>
-      </p:nvGrpSpPr>
-      <p:grpSpPr>
-        <a:xfrm>
-          <a:off x="0" y="0"/>
-          <a:ext cx="0" cy="0"/>
-          <a:chOff x="0" y="0"/>
-          <a:chExt cx="0" cy="0"/>
-        </a:xfrm>
-      </p:grpSpPr>
-      <p:sp>
-        <p:nvSpPr>
-          <p:cNvPr id="2" name="Заголовок 1"/>
-          <p:cNvSpPr>
-            <a:spLocks noGrp="1"/>
-          </p:cNvSpPr>
-          <p:nvPr>
-            <p:ph type="title"/>
-          </p:nvPr>
-        </p:nvSpPr>
-        <p:spPr>
-          <a:xfrm>
-            <a:off x="1792288" y="4800600"/>
-            <a:ext cx="5486400" cy="566738"/>
-          </a:xfrm>
-        </p:spPr>
-        <p:txBody>
-          <a:bodyPr anchor="b"/>
-          <a:lstStyle>
-            <a:lvl1pPr algn="l">
-              <a:defRPr sz="2000" b="1"/>
-            </a:lvl1pPr>
-          </a:lstStyle>
-          <a:p>
-            <a:r>
-              <a:rPr lang="ru-RU" smtClean="0"/>
-              <a:t>Образец заголовка</a:t>
-            </a:r>
-            <a:endParaRPr lang="ru-RU"/>
-          </a:p>
-        </p:txBody>
-      </p:sp>
-      <p:sp>
-        <p:nvSpPr>
-          <p:cNvPr id="3" name="Рисунок 2"/>
-          <p:cNvSpPr>
-            <a:spLocks noGrp="1"/>
-          </p:cNvSpPr>
-          <p:nvPr>
-            <p:ph type="pic" idx="1"/>
-          </p:nvPr>
-        </p:nvSpPr>
-        <p:spPr>
-          <a:xfrm>
-            <a:off x="1792288" y="612775"/>
-            <a:ext cx="5486400" cy="4114800"/>
-          </a:xfrm>
-        </p:spPr>
-        <p:txBody>
-          <a:bodyPr/>
-          <a:lstStyle>
-            <a:lvl1pPr marL="0" indent="0">
-              <a:buNone/>
-              <a:defRPr sz="3200"/>
-            </a:lvl1pPr>
-            <a:lvl2pPr marL="457200" indent="0">
-              <a:buNone/>
-              <a:defRPr sz="2800"/>
-            </a:lvl2pPr>
-            <a:lvl3pPr marL="914400" indent="0">
-              <a:buNone/>
-              <a:defRPr sz="2400"/>
-            </a:lvl3pPr>
-            <a:lvl4pPr marL="1371600" indent="0">
-              <a:buNone/>
-              <a:defRPr sz="2000"/>
-            </a:lvl4pPr>
-            <a:lvl5pPr marL="1828800" indent="0">
-              <a:buNone/>
-              <a:defRPr sz="2000"/>
-            </a:lvl5pPr>
-            <a:lvl6pPr marL="2286000" indent="0">
-              <a:buNone/>
-              <a:defRPr sz="2000"/>
-            </a:lvl6pPr>
-            <a:lvl7pPr marL="2743200" indent="0">
-              <a:buNone/>
-              <a:defRPr sz="2000"/>
-            </a:lvl7pPr>
-            <a:lvl8pPr marL="3200400" indent="0">
-              <a:buNone/>
-              <a:defRPr sz="2000"/>
-            </a:lvl8pPr>
-            <a:lvl9pPr marL="3657600" indent="0">
-              <a:buNone/>
-              <a:defRPr sz="2000"/>
-            </a:lvl9pPr>
-          </a:lstStyle>
-          <a:p>
-            <a:endParaRPr lang="ru-RU"/>
-          </a:p>
-        </p:txBody>
-      </p:sp>
-      <p:sp>
-        <p:nvSpPr>
-          <p:cNvPr id="4" name="Текст 3"/>
-          <p:cNvSpPr>
-            <a:spLocks noGrp="1"/>
-          </p:cNvSpPr>
-          <p:nvPr>
-            <p:ph type="body" sz="half" idx="2"/>
-          </p:nvPr>
-        </p:nvSpPr>
-        <p:spPr>
-          <a:xfrm>
-            <a:off x="1792288" y="5367338"/>
-            <a:ext cx="5486400" cy="804862"/>
-          </a:xfrm>
-        </p:spPr>
-        <p:txBody>
-          <a:bodyPr/>
-          <a:lstStyle>
-            <a:lvl1pPr marL="0" indent="0">
-              <a:buNone/>
-              <a:defRPr sz="1400"/>
-            </a:lvl1pPr>
-            <a:lvl2pPr marL="457200" indent="0">
-              <a:buNone/>
-              <a:defRPr sz="1200"/>
-            </a:lvl2pPr>
-            <a:lvl3pPr marL="914400" indent="0">
-              <a:buNone/>
-              <a:defRPr sz="1000"/>
-            </a:lvl3pPr>
-            <a:lvl4pPr marL="1371600" indent="0">
-              <a:buNone/>
-              <a:defRPr sz="900"/>
-            </a:lvl4pPr>
-            <a:lvl5pPr marL="1828800" indent="0">
-              <a:buNone/>
-              <a:defRPr sz="900"/>
-            </a:lvl5pPr>
-            <a:lvl6pPr marL="2286000" indent="0">
-              <a:buNone/>
-              <a:defRPr sz="900"/>
-            </a:lvl6pPr>
-            <a:lvl7pPr marL="2743200" indent="0">
-              <a:buNone/>
-              <a:defRPr sz="900"/>
-            </a:lvl7pPr>
-            <a:lvl8pPr marL="3200400" indent="0">
-              <a:buNone/>
-              <a:defRPr sz="900"/>
-            </a:lvl8pPr>
-            <a:lvl9pPr marL="3657600" indent="0">
-              <a:buNone/>
-              <a:defRPr sz="900"/>
-            </a:lvl9pPr>
-          </a:lstStyle>
-          <a:p>
-            <a:pPr lvl="0"/>
-            <a:r>
-              <a:rPr lang="ru-RU" smtClean="0"/>
-              <a:t>Образец текста</a:t>
-            </a:r>
-          </a:p>
-        </p:txBody>
-      </p:sp>
-      <p:sp>
-        <p:nvSpPr>
-          <p:cNvPr id="5" name="Дата 4"/>
-          <p:cNvSpPr>
-            <a:spLocks noGrp="1"/>
-          </p:cNvSpPr>
-          <p:nvPr>
-            <p:ph type="dt" sz="half" idx="10"/>
-          </p:nvPr>
-        </p:nvSpPr>
-        <p:spPr/>
-        <p:txBody>
-          <a:bodyPr/>
-          <a:lstStyle/>
-          <a:p>
-            <a:fld id="{B4C71EC6-210F-42DE-9C53-41977AD35B3D}" type="datetimeFigureOut">
-              <a:rPr lang="ru-RU" smtClean="0"/>
-              <a:t>10.05.2017</a:t>
-            </a:fld>
-            <a:endParaRPr lang="ru-RU"/>
-          </a:p>
-        </p:txBody>
-      </p:sp>
-      <p:sp>
-        <p:nvSpPr>
-          <p:cNvPr id="6" name="Нижний колонтитул 5"/>
-          <p:cNvSpPr>
-            <a:spLocks noGrp="1"/>
-          </p:cNvSpPr>
-          <p:nvPr>
-            <p:ph type="ftr" sz="quarter" idx="11"/>
-          </p:nvPr>
-        </p:nvSpPr>
-        <p:spPr/>
-        <p:txBody>
-          <a:bodyPr/>
-          <a:lstStyle/>
-          <a:p>
-            <a:endParaRPr lang="ru-RU"/>
-          </a:p>
-        </p:txBody>
-      </p:sp>
-      <p:sp>
-        <p:nvSpPr>
-          <p:cNvPr id="7" name="Номер слайда 6"/>
-          <p:cNvSpPr>
-            <a:spLocks noGrp="1"/>
-          </p:cNvSpPr>
-          <p:nvPr>
-            <p:ph type="sldNum" sz="quarter" idx="12"/>
-          </p:nvPr>
-        </p:nvSpPr>
-        <p:spPr/>
-        <p:txBody>
-          <a:bodyPr/>
-          <a:lstStyle/>
-          <a:p>
-            <a:fld id="{B19B0651-EE4F-4900-A07F-96A6BFA9D0F0}" type="slidenum">
-              <a:rPr lang="ru-RU" smtClean="0"/>
-              <a:t>‹#›</a:t>
-            </a:fld>
-            <a:endParaRPr lang="ru-RU"/>
-          </a:p>
-        </p:txBody>
-      </p:sp>
-    </p:spTree>
-  </p:cSld>
-  <p:clrMapOvr>
-    <a:masterClrMapping/>
-  </p:clrMapOvr>
-</p:sldLayout>
-</file>
-
-<file path=ppt/slideMasters/slideMaster1.xml><?xml version="1.0" encoding="utf-8"?>
-<p:sldMaster xmlns:a="http://schemas.openxmlformats.org/drawingml/2006/main" xmlns:r="http://schemas.openxmlformats.org/officeDocument/2006/relationships" xmlns:p="http://schemas.openxmlformats.org/presentationml/2006/main">
-  <p:cSld>
     <p:bg>
-      <p:bgRef idx="1001">
+      <p:bgRef idx="1002">
         <a:schemeClr val="bg1"/>
       </p:bgRef>
     </p:bg>
@@ -2547,197 +2964,205 @@
         </p:nvSpPr>
         <p:spPr>
           <a:xfrm>
-            <a:off x="457200" y="274638"/>
-            <a:ext cx="8229600" cy="1143000"/>
-          </a:xfrm>
-          <a:prstGeom prst="rect">
-            <a:avLst/>
-          </a:prstGeom>
-        </p:spPr>
-        <p:txBody>
-          <a:bodyPr vert="horz" lIns="91440" tIns="45720" rIns="91440" bIns="45720" rtlCol="0" anchor="ctr">
-            <a:normAutofit/>
-          </a:bodyPr>
-          <a:lstStyle/>
-          <a:p>
-            <a:r>
-              <a:rPr lang="ru-RU" smtClean="0"/>
+            <a:off x="219456" y="150896"/>
+            <a:ext cx="914400" cy="6400800"/>
+          </a:xfrm>
+        </p:spPr>
+        <p:txBody>
+          <a:bodyPr vert="vert270" anchor="b"/>
+          <a:lstStyle>
+            <a:lvl1pPr marL="0" algn="l">
+              <a:buNone/>
+              <a:defRPr sz="3000" b="0" cap="all" baseline="0"/>
+            </a:lvl1pPr>
+          </a:lstStyle>
+          <a:p>
+            <a:r>
+              <a:rPr kumimoji="0" lang="ru-RU" smtClean="0"/>
               <a:t>Образец заголовка</a:t>
             </a:r>
-            <a:endParaRPr lang="ru-RU"/>
-          </a:p>
-        </p:txBody>
-      </p:sp>
-      <p:sp>
-        <p:nvSpPr>
-          <p:cNvPr id="3" name="Текст 2"/>
+            <a:endParaRPr kumimoji="0" lang="en-US"/>
+          </a:p>
+        </p:txBody>
+      </p:sp>
+      <p:sp>
+        <p:nvSpPr>
+          <p:cNvPr id="3" name="Рисунок 2"/>
           <p:cNvSpPr>
             <a:spLocks noGrp="1"/>
           </p:cNvSpPr>
           <p:nvPr>
-            <p:ph type="body" idx="1"/>
-          </p:nvPr>
-        </p:nvSpPr>
-        <p:spPr>
-          <a:xfrm>
-            <a:off x="457200" y="1600200"/>
-            <a:ext cx="8229600" cy="4525963"/>
-          </a:xfrm>
-          <a:prstGeom prst="rect">
-            <a:avLst/>
-          </a:prstGeom>
-        </p:spPr>
-        <p:txBody>
-          <a:bodyPr vert="horz" lIns="91440" tIns="45720" rIns="91440" bIns="45720" rtlCol="0">
-            <a:normAutofit/>
-          </a:bodyPr>
-          <a:lstStyle/>
-          <a:p>
-            <a:pPr lvl="0"/>
-            <a:r>
-              <a:rPr lang="ru-RU" smtClean="0"/>
-              <a:t>Образец текста</a:t>
-            </a:r>
-          </a:p>
-          <a:p>
-            <a:pPr lvl="1"/>
-            <a:r>
-              <a:rPr lang="ru-RU" smtClean="0"/>
-              <a:t>Второй уровень</a:t>
-            </a:r>
-          </a:p>
-          <a:p>
-            <a:pPr lvl="2"/>
-            <a:r>
-              <a:rPr lang="ru-RU" smtClean="0"/>
-              <a:t>Третий уровень</a:t>
-            </a:r>
-          </a:p>
-          <a:p>
-            <a:pPr lvl="3"/>
-            <a:r>
-              <a:rPr lang="ru-RU" smtClean="0"/>
-              <a:t>Четвертый уровень</a:t>
-            </a:r>
-          </a:p>
-          <a:p>
-            <a:pPr lvl="4"/>
-            <a:r>
-              <a:rPr lang="ru-RU" smtClean="0"/>
-              <a:t>Пятый уровень</a:t>
-            </a:r>
-            <a:endParaRPr lang="ru-RU"/>
-          </a:p>
-        </p:txBody>
-      </p:sp>
-      <p:sp>
-        <p:nvSpPr>
-          <p:cNvPr id="4" name="Дата 3"/>
+            <p:ph type="pic" idx="1"/>
+          </p:nvPr>
+        </p:nvSpPr>
+        <p:spPr>
+          <a:xfrm>
+            <a:off x="1138237" y="373966"/>
+            <a:ext cx="7333488" cy="5486400"/>
+          </a:xfrm>
+          <a:solidFill>
+            <a:schemeClr val="bg2">
+              <a:shade val="50000"/>
+            </a:schemeClr>
+          </a:solidFill>
+        </p:spPr>
+        <p:txBody>
+          <a:bodyPr/>
+          <a:lstStyle>
+            <a:lvl1pPr marL="0" indent="0">
+              <a:buNone/>
+              <a:defRPr sz="3200"/>
+            </a:lvl1pPr>
+          </a:lstStyle>
+          <a:p>
+            <a:r>
+              <a:rPr kumimoji="0" lang="ru-RU" smtClean="0"/>
+              <a:t>Вставка рисунка</a:t>
+            </a:r>
+            <a:endParaRPr kumimoji="0" lang="en-US" dirty="0"/>
+          </a:p>
+        </p:txBody>
+      </p:sp>
+      <p:sp>
+        <p:nvSpPr>
+          <p:cNvPr id="4" name="Текст 3"/>
           <p:cNvSpPr>
             <a:spLocks noGrp="1"/>
           </p:cNvSpPr>
           <p:nvPr>
-            <p:ph type="dt" sz="half" idx="2"/>
-          </p:nvPr>
-        </p:nvSpPr>
-        <p:spPr>
-          <a:xfrm>
-            <a:off x="457200" y="6356350"/>
-            <a:ext cx="2133600" cy="365125"/>
-          </a:xfrm>
-          <a:prstGeom prst="rect">
-            <a:avLst/>
-          </a:prstGeom>
-        </p:spPr>
-        <p:txBody>
-          <a:bodyPr vert="horz" lIns="91440" tIns="45720" rIns="91440" bIns="45720" rtlCol="0" anchor="ctr"/>
+            <p:ph type="body" sz="half" idx="2"/>
+          </p:nvPr>
+        </p:nvSpPr>
+        <p:spPr>
+          <a:xfrm>
+            <a:off x="1143000" y="5867400"/>
+            <a:ext cx="7333488" cy="685800"/>
+          </a:xfrm>
+          <a:solidFill>
+            <a:schemeClr val="accent1">
+              <a:alpha val="15000"/>
+            </a:schemeClr>
+          </a:solidFill>
+          <a:ln>
+            <a:solidFill>
+              <a:schemeClr val="accent1"/>
+            </a:solidFill>
+            <a:miter lim="800000"/>
+          </a:ln>
+        </p:spPr>
+        <p:txBody>
+          <a:bodyPr/>
           <a:lstStyle>
-            <a:lvl1pPr algn="l">
-              <a:defRPr sz="1200">
-                <a:solidFill>
-                  <a:schemeClr val="tx1">
-                    <a:tint val="75000"/>
-                  </a:schemeClr>
-                </a:solidFill>
-              </a:defRPr>
+            <a:lvl1pPr marL="0" indent="0">
+              <a:spcBef>
+                <a:spcPts val="0"/>
+              </a:spcBef>
+              <a:buNone/>
+              <a:defRPr sz="1400"/>
             </a:lvl1pPr>
+            <a:lvl2pPr>
+              <a:defRPr sz="1200"/>
+            </a:lvl2pPr>
+            <a:lvl3pPr>
+              <a:defRPr sz="1000"/>
+            </a:lvl3pPr>
+            <a:lvl4pPr>
+              <a:defRPr sz="900"/>
+            </a:lvl4pPr>
+            <a:lvl5pPr>
+              <a:defRPr sz="900"/>
+            </a:lvl5pPr>
           </a:lstStyle>
           <a:p>
-            <a:fld id="{B4C71EC6-210F-42DE-9C53-41977AD35B3D}" type="datetimeFigureOut">
-              <a:rPr lang="ru-RU" smtClean="0"/>
-              <a:t>10.05.2017</a:t>
-            </a:fld>
-            <a:endParaRPr lang="ru-RU"/>
-          </a:p>
-        </p:txBody>
-      </p:sp>
-      <p:sp>
-        <p:nvSpPr>
-          <p:cNvPr id="5" name="Нижний колонтитул 4"/>
+            <a:pPr lvl="0" eaLnBrk="1" latinLnBrk="0" hangingPunct="1"/>
+            <a:r>
+              <a:rPr kumimoji="0" lang="ru-RU" smtClean="0"/>
+              <a:t>Образец текста</a:t>
+            </a:r>
+          </a:p>
+        </p:txBody>
+      </p:sp>
+      <p:sp>
+        <p:nvSpPr>
+          <p:cNvPr id="5" name="Дата 4"/>
           <p:cNvSpPr>
             <a:spLocks noGrp="1"/>
           </p:cNvSpPr>
           <p:nvPr>
-            <p:ph type="ftr" sz="quarter" idx="3"/>
-          </p:nvPr>
-        </p:nvSpPr>
-        <p:spPr>
-          <a:xfrm>
-            <a:off x="3124200" y="6356350"/>
-            <a:ext cx="2895600" cy="365125"/>
-          </a:xfrm>
-          <a:prstGeom prst="rect">
-            <a:avLst/>
-          </a:prstGeom>
-        </p:spPr>
-        <p:txBody>
-          <a:bodyPr vert="horz" lIns="91440" tIns="45720" rIns="91440" bIns="45720" rtlCol="0" anchor="ctr"/>
+            <p:ph type="dt" sz="half" idx="10"/>
+          </p:nvPr>
+        </p:nvSpPr>
+        <p:spPr>
+          <a:xfrm>
+            <a:off x="6108192" y="6556248"/>
+            <a:ext cx="2103120" cy="301752"/>
+          </a:xfrm>
+        </p:spPr>
+        <p:txBody>
+          <a:bodyPr/>
           <a:lstStyle>
-            <a:lvl1pPr algn="ctr">
-              <a:defRPr sz="1200">
-                <a:solidFill>
-                  <a:schemeClr val="tx1">
-                    <a:tint val="75000"/>
-                  </a:schemeClr>
-                </a:solidFill>
-              </a:defRPr>
+            <a:lvl1pPr>
+              <a:defRPr sz="900"/>
             </a:lvl1pPr>
           </a:lstStyle>
           <a:p>
+            <a:fld id="{B4C71EC6-210F-42DE-9C53-41977AD35B3D}" type="datetimeFigureOut">
+              <a:rPr lang="ru-RU" smtClean="0"/>
+              <a:t>17.05.2017</a:t>
+            </a:fld>
             <a:endParaRPr lang="ru-RU"/>
           </a:p>
         </p:txBody>
       </p:sp>
       <p:sp>
         <p:nvSpPr>
-          <p:cNvPr id="6" name="Номер слайда 5"/>
+          <p:cNvPr id="6" name="Нижний колонтитул 5"/>
           <p:cNvSpPr>
             <a:spLocks noGrp="1"/>
           </p:cNvSpPr>
           <p:nvPr>
-            <p:ph type="sldNum" sz="quarter" idx="4"/>
-          </p:nvPr>
-        </p:nvSpPr>
-        <p:spPr>
-          <a:xfrm>
-            <a:off x="6553200" y="6356350"/>
-            <a:ext cx="2133600" cy="365125"/>
-          </a:xfrm>
-          <a:prstGeom prst="rect">
-            <a:avLst/>
-          </a:prstGeom>
-        </p:spPr>
-        <p:txBody>
-          <a:bodyPr vert="horz" lIns="91440" tIns="45720" rIns="91440" bIns="45720" rtlCol="0" anchor="ctr"/>
+            <p:ph type="ftr" sz="quarter" idx="11"/>
+          </p:nvPr>
+        </p:nvSpPr>
+        <p:spPr>
+          <a:xfrm>
+            <a:off x="1170432" y="6557169"/>
+            <a:ext cx="4948072" cy="301752"/>
+          </a:xfrm>
+        </p:spPr>
+        <p:txBody>
+          <a:bodyPr/>
           <a:lstStyle>
-            <a:lvl1pPr algn="r">
-              <a:defRPr sz="1200">
-                <a:solidFill>
-                  <a:schemeClr val="tx1">
-                    <a:tint val="75000"/>
-                  </a:schemeClr>
-                </a:solidFill>
-              </a:defRPr>
+            <a:lvl1pPr>
+              <a:defRPr sz="900"/>
+            </a:lvl1pPr>
+          </a:lstStyle>
+          <a:p>
+            <a:endParaRPr lang="ru-RU"/>
+          </a:p>
+        </p:txBody>
+      </p:sp>
+      <p:sp>
+        <p:nvSpPr>
+          <p:cNvPr id="7" name="Номер слайда 6"/>
+          <p:cNvSpPr>
+            <a:spLocks noGrp="1"/>
+          </p:cNvSpPr>
+          <p:nvPr>
+            <p:ph type="sldNum" sz="quarter" idx="12"/>
+          </p:nvPr>
+        </p:nvSpPr>
+        <p:spPr>
+          <a:xfrm>
+            <a:off x="8217192" y="6556248"/>
+            <a:ext cx="365760" cy="301752"/>
+          </a:xfrm>
+        </p:spPr>
+        <p:txBody>
+          <a:bodyPr/>
+          <a:lstStyle>
+            <a:lvl1pPr algn="ctr">
+              <a:defRPr sz="900"/>
             </a:lvl1pPr>
           </a:lstStyle>
           <a:p>
@@ -2751,31 +3176,434 @@
       </p:sp>
     </p:spTree>
   </p:cSld>
-  <p:clrMap bg1="lt1" tx1="dk1" bg2="lt2" tx2="dk2" accent1="accent1" accent2="accent2" accent3="accent3" accent4="accent4" accent5="accent5" accent6="accent6" hlink="hlink" folHlink="folHlink"/>
+  <p:clrMapOvr>
+    <a:overrideClrMapping bg1="dk1" tx1="lt1" bg2="dk2" tx2="lt2" accent1="accent1" accent2="accent2" accent3="accent3" accent4="accent4" accent5="accent5" accent6="accent6" hlink="hlink" folHlink="folHlink"/>
+  </p:clrMapOvr>
+</p:sldLayout>
+</file>
+
+<file path=ppt/slideMasters/slideMaster1.xml><?xml version="1.0" encoding="utf-8"?>
+<p:sldMaster xmlns:a="http://schemas.openxmlformats.org/drawingml/2006/main" xmlns:r="http://schemas.openxmlformats.org/officeDocument/2006/relationships" xmlns:p="http://schemas.openxmlformats.org/presentationml/2006/main">
+  <p:cSld>
+    <p:bg>
+      <p:bgRef idx="1002">
+        <a:schemeClr val="bg2"/>
+      </p:bgRef>
+    </p:bg>
+    <p:spTree>
+      <p:nvGrpSpPr>
+        <p:cNvPr id="1" name=""/>
+        <p:cNvGrpSpPr/>
+        <p:nvPr/>
+      </p:nvGrpSpPr>
+      <p:grpSpPr>
+        <a:xfrm>
+          <a:off x="0" y="0"/>
+          <a:ext cx="0" cy="0"/>
+          <a:chOff x="0" y="0"/>
+          <a:chExt cx="0" cy="0"/>
+        </a:xfrm>
+      </p:grpSpPr>
+      <p:sp>
+        <p:nvSpPr>
+          <p:cNvPr id="11" name="Прямоугольный треугольник 10"/>
+          <p:cNvSpPr/>
+          <p:nvPr/>
+        </p:nvSpPr>
+        <p:spPr>
+          <a:xfrm>
+            <a:off x="7034" y="14068"/>
+            <a:ext cx="9129932" cy="6836899"/>
+          </a:xfrm>
+          <a:prstGeom prst="rtTriangle">
+            <a:avLst/>
+          </a:prstGeom>
+          <a:gradFill flip="none" rotWithShape="1">
+            <a:gsLst>
+              <a:gs pos="0">
+                <a:schemeClr val="tx2">
+                  <a:alpha val="10000"/>
+                </a:schemeClr>
+              </a:gs>
+              <a:gs pos="70000">
+                <a:schemeClr val="tx2">
+                  <a:alpha val="8000"/>
+                </a:schemeClr>
+              </a:gs>
+              <a:gs pos="100000">
+                <a:schemeClr val="tx2">
+                  <a:alpha val="1000"/>
+                </a:schemeClr>
+              </a:gs>
+            </a:gsLst>
+            <a:lin ang="8000000" scaled="1"/>
+            <a:tileRect/>
+          </a:gradFill>
+          <a:ln w="38100" cap="rnd" cmpd="sng" algn="ctr">
+            <a:noFill/>
+            <a:prstDash val="solid"/>
+          </a:ln>
+          <a:effectLst/>
+        </p:spPr>
+        <p:style>
+          <a:lnRef idx="3">
+            <a:schemeClr val="lt1"/>
+          </a:lnRef>
+          <a:fillRef idx="1">
+            <a:schemeClr val="accent1"/>
+          </a:fillRef>
+          <a:effectRef idx="1">
+            <a:schemeClr val="accent1"/>
+          </a:effectRef>
+          <a:fontRef idx="minor">
+            <a:schemeClr val="lt1"/>
+          </a:fontRef>
+        </p:style>
+        <p:txBody>
+          <a:bodyPr anchor="ctr"/>
+          <a:lstStyle/>
+          <a:p>
+            <a:pPr algn="ctr" eaLnBrk="1" latinLnBrk="0" hangingPunct="1"/>
+            <a:endParaRPr kumimoji="0" lang="en-US"/>
+          </a:p>
+        </p:txBody>
+      </p:sp>
+      <p:cxnSp>
+        <p:nvCxnSpPr>
+          <p:cNvPr id="8" name="Прямая соединительная линия 7"/>
+          <p:cNvCxnSpPr/>
+          <p:nvPr/>
+        </p:nvCxnSpPr>
+        <p:spPr>
+          <a:xfrm>
+            <a:off x="0" y="7034"/>
+            <a:ext cx="9136966" cy="6843933"/>
+          </a:xfrm>
+          <a:prstGeom prst="line">
+            <a:avLst/>
+          </a:prstGeom>
+          <a:noFill/>
+          <a:ln w="5000" cap="rnd" cmpd="sng" algn="ctr">
+            <a:solidFill>
+              <a:schemeClr val="bg2">
+                <a:tint val="55000"/>
+                <a:satMod val="200000"/>
+                <a:alpha val="35000"/>
+              </a:schemeClr>
+            </a:solidFill>
+            <a:prstDash val="solid"/>
+          </a:ln>
+          <a:effectLst/>
+        </p:spPr>
+        <p:style>
+          <a:lnRef idx="2">
+            <a:schemeClr val="accent1"/>
+          </a:lnRef>
+          <a:fillRef idx="0">
+            <a:schemeClr val="accent1"/>
+          </a:fillRef>
+          <a:effectRef idx="1">
+            <a:schemeClr val="accent1"/>
+          </a:effectRef>
+          <a:fontRef idx="minor">
+            <a:schemeClr val="tx1"/>
+          </a:fontRef>
+        </p:style>
+      </p:cxnSp>
+      <p:cxnSp>
+        <p:nvCxnSpPr>
+          <p:cNvPr id="9" name="Прямая соединительная линия 8"/>
+          <p:cNvCxnSpPr/>
+          <p:nvPr/>
+        </p:nvCxnSpPr>
+        <p:spPr>
+          <a:xfrm rot="10800000" flipV="1">
+            <a:off x="6468794" y="4948410"/>
+            <a:ext cx="2672861" cy="1900210"/>
+          </a:xfrm>
+          <a:prstGeom prst="line">
+            <a:avLst/>
+          </a:prstGeom>
+          <a:noFill/>
+          <a:ln w="6000" cap="rnd" cmpd="sng" algn="ctr">
+            <a:solidFill>
+              <a:schemeClr val="bg2">
+                <a:tint val="50000"/>
+                <a:satMod val="200000"/>
+                <a:alpha val="45000"/>
+              </a:schemeClr>
+            </a:solidFill>
+            <a:prstDash val="solid"/>
+          </a:ln>
+          <a:effectLst/>
+        </p:spPr>
+        <p:style>
+          <a:lnRef idx="2">
+            <a:schemeClr val="accent1"/>
+          </a:lnRef>
+          <a:fillRef idx="0">
+            <a:schemeClr val="accent1"/>
+          </a:fillRef>
+          <a:effectRef idx="1">
+            <a:schemeClr val="accent1"/>
+          </a:effectRef>
+          <a:fontRef idx="minor">
+            <a:schemeClr val="tx1"/>
+          </a:fontRef>
+        </p:style>
+      </p:cxnSp>
+      <p:sp>
+        <p:nvSpPr>
+          <p:cNvPr id="22" name="Заголовок 21"/>
+          <p:cNvSpPr>
+            <a:spLocks noGrp="1"/>
+          </p:cNvSpPr>
+          <p:nvPr>
+            <p:ph type="title"/>
+          </p:nvPr>
+        </p:nvSpPr>
+        <p:spPr>
+          <a:xfrm>
+            <a:off x="457200" y="267494"/>
+            <a:ext cx="8229600" cy="1399032"/>
+          </a:xfrm>
+          <a:prstGeom prst="rect">
+            <a:avLst/>
+          </a:prstGeom>
+        </p:spPr>
+        <p:txBody>
+          <a:bodyPr vert="horz" anchor="ctr">
+            <a:normAutofit/>
+          </a:bodyPr>
+          <a:lstStyle/>
+          <a:p>
+            <a:r>
+              <a:rPr kumimoji="0" lang="ru-RU" smtClean="0"/>
+              <a:t>Образец заголовка</a:t>
+            </a:r>
+            <a:endParaRPr kumimoji="0" lang="en-US"/>
+          </a:p>
+        </p:txBody>
+      </p:sp>
+      <p:sp>
+        <p:nvSpPr>
+          <p:cNvPr id="13" name="Текст 12"/>
+          <p:cNvSpPr>
+            <a:spLocks noGrp="1"/>
+          </p:cNvSpPr>
+          <p:nvPr>
+            <p:ph type="body" idx="1"/>
+          </p:nvPr>
+        </p:nvSpPr>
+        <p:spPr>
+          <a:xfrm>
+            <a:off x="457200" y="1882808"/>
+            <a:ext cx="8229600" cy="4572000"/>
+          </a:xfrm>
+          <a:prstGeom prst="rect">
+            <a:avLst/>
+          </a:prstGeom>
+        </p:spPr>
+        <p:txBody>
+          <a:bodyPr vert="horz" anchor="t">
+            <a:normAutofit/>
+          </a:bodyPr>
+          <a:lstStyle/>
+          <a:p>
+            <a:pPr lvl="0" eaLnBrk="1" latinLnBrk="0" hangingPunct="1"/>
+            <a:r>
+              <a:rPr kumimoji="0" lang="ru-RU" smtClean="0"/>
+              <a:t>Образец текста</a:t>
+            </a:r>
+          </a:p>
+          <a:p>
+            <a:pPr lvl="1" eaLnBrk="1" latinLnBrk="0" hangingPunct="1"/>
+            <a:r>
+              <a:rPr kumimoji="0" lang="ru-RU" smtClean="0"/>
+              <a:t>Второй уровень</a:t>
+            </a:r>
+          </a:p>
+          <a:p>
+            <a:pPr lvl="2" eaLnBrk="1" latinLnBrk="0" hangingPunct="1"/>
+            <a:r>
+              <a:rPr kumimoji="0" lang="ru-RU" smtClean="0"/>
+              <a:t>Третий уровень</a:t>
+            </a:r>
+          </a:p>
+          <a:p>
+            <a:pPr lvl="3" eaLnBrk="1" latinLnBrk="0" hangingPunct="1"/>
+            <a:r>
+              <a:rPr kumimoji="0" lang="ru-RU" smtClean="0"/>
+              <a:t>Четвертый уровень</a:t>
+            </a:r>
+          </a:p>
+          <a:p>
+            <a:pPr lvl="4" eaLnBrk="1" latinLnBrk="0" hangingPunct="1"/>
+            <a:r>
+              <a:rPr kumimoji="0" lang="ru-RU" smtClean="0"/>
+              <a:t>Пятый уровень</a:t>
+            </a:r>
+            <a:endParaRPr kumimoji="0" lang="en-US"/>
+          </a:p>
+        </p:txBody>
+      </p:sp>
+      <p:sp>
+        <p:nvSpPr>
+          <p:cNvPr id="14" name="Дата 13"/>
+          <p:cNvSpPr>
+            <a:spLocks noGrp="1"/>
+          </p:cNvSpPr>
+          <p:nvPr>
+            <p:ph type="dt" sz="half" idx="2"/>
+          </p:nvPr>
+        </p:nvSpPr>
+        <p:spPr>
+          <a:xfrm>
+            <a:off x="4791456" y="6480969"/>
+            <a:ext cx="2133600" cy="301752"/>
+          </a:xfrm>
+          <a:prstGeom prst="rect">
+            <a:avLst/>
+          </a:prstGeom>
+        </p:spPr>
+        <p:txBody>
+          <a:bodyPr vert="horz" anchor="b"/>
+          <a:lstStyle>
+            <a:lvl1pPr algn="l" eaLnBrk="1" latinLnBrk="0" hangingPunct="1">
+              <a:defRPr kumimoji="0" sz="1000" b="0">
+                <a:solidFill>
+                  <a:schemeClr val="tx1"/>
+                </a:solidFill>
+              </a:defRPr>
+            </a:lvl1pPr>
+          </a:lstStyle>
+          <a:p>
+            <a:fld id="{B4C71EC6-210F-42DE-9C53-41977AD35B3D}" type="datetimeFigureOut">
+              <a:rPr lang="ru-RU" smtClean="0"/>
+              <a:t>17.05.2017</a:t>
+            </a:fld>
+            <a:endParaRPr lang="ru-RU"/>
+          </a:p>
+        </p:txBody>
+      </p:sp>
+      <p:sp>
+        <p:nvSpPr>
+          <p:cNvPr id="3" name="Нижний колонтитул 2"/>
+          <p:cNvSpPr>
+            <a:spLocks noGrp="1"/>
+          </p:cNvSpPr>
+          <p:nvPr>
+            <p:ph type="ftr" sz="quarter" idx="3"/>
+          </p:nvPr>
+        </p:nvSpPr>
+        <p:spPr>
+          <a:xfrm>
+            <a:off x="457200" y="6481890"/>
+            <a:ext cx="4260056" cy="300831"/>
+          </a:xfrm>
+          <a:prstGeom prst="rect">
+            <a:avLst/>
+          </a:prstGeom>
+        </p:spPr>
+        <p:txBody>
+          <a:bodyPr vert="horz" anchor="b"/>
+          <a:lstStyle>
+            <a:lvl1pPr algn="r" eaLnBrk="1" latinLnBrk="0" hangingPunct="1">
+              <a:defRPr kumimoji="0" sz="1000">
+                <a:solidFill>
+                  <a:schemeClr val="tx1"/>
+                </a:solidFill>
+              </a:defRPr>
+            </a:lvl1pPr>
+          </a:lstStyle>
+          <a:p>
+            <a:endParaRPr lang="ru-RU"/>
+          </a:p>
+        </p:txBody>
+      </p:sp>
+      <p:sp>
+        <p:nvSpPr>
+          <p:cNvPr id="23" name="Номер слайда 22"/>
+          <p:cNvSpPr>
+            <a:spLocks noGrp="1"/>
+          </p:cNvSpPr>
+          <p:nvPr>
+            <p:ph type="sldNum" sz="quarter" idx="4"/>
+          </p:nvPr>
+        </p:nvSpPr>
+        <p:spPr>
+          <a:xfrm>
+            <a:off x="7589520" y="6480969"/>
+            <a:ext cx="502920" cy="301752"/>
+          </a:xfrm>
+          <a:prstGeom prst="rect">
+            <a:avLst/>
+          </a:prstGeom>
+        </p:spPr>
+        <p:txBody>
+          <a:bodyPr vert="horz" anchor="b"/>
+          <a:lstStyle>
+            <a:lvl1pPr algn="ctr" eaLnBrk="1" latinLnBrk="0" hangingPunct="1">
+              <a:defRPr kumimoji="0" sz="1200">
+                <a:solidFill>
+                  <a:schemeClr val="tx1"/>
+                </a:solidFill>
+              </a:defRPr>
+            </a:lvl1pPr>
+          </a:lstStyle>
+          <a:p>
+            <a:fld id="{B19B0651-EE4F-4900-A07F-96A6BFA9D0F0}" type="slidenum">
+              <a:rPr lang="ru-RU" smtClean="0"/>
+              <a:t>‹#›</a:t>
+            </a:fld>
+            <a:endParaRPr lang="ru-RU"/>
+          </a:p>
+        </p:txBody>
+      </p:sp>
+    </p:spTree>
+  </p:cSld>
+  <p:clrMap bg1="dk1" tx1="lt1" bg2="dk2" tx2="lt2" accent1="accent1" accent2="accent2" accent3="accent3" accent4="accent4" accent5="accent5" accent6="accent6" hlink="hlink" folHlink="folHlink"/>
   <p:sldLayoutIdLst>
-    <p:sldLayoutId id="2147483649" r:id="rId1"/>
-    <p:sldLayoutId id="2147483650" r:id="rId2"/>
-    <p:sldLayoutId id="2147483651" r:id="rId3"/>
-    <p:sldLayoutId id="2147483652" r:id="rId4"/>
-    <p:sldLayoutId id="2147483653" r:id="rId5"/>
-    <p:sldLayoutId id="2147483654" r:id="rId6"/>
-    <p:sldLayoutId id="2147483655" r:id="rId7"/>
-    <p:sldLayoutId id="2147483656" r:id="rId8"/>
-    <p:sldLayoutId id="2147483657" r:id="rId9"/>
-    <p:sldLayoutId id="2147483658" r:id="rId10"/>
-    <p:sldLayoutId id="2147483659" r:id="rId11"/>
+    <p:sldLayoutId id="2147483685" r:id="rId1"/>
+    <p:sldLayoutId id="2147483686" r:id="rId2"/>
+    <p:sldLayoutId id="2147483687" r:id="rId3"/>
+    <p:sldLayoutId id="2147483688" r:id="rId4"/>
+    <p:sldLayoutId id="2147483689" r:id="rId5"/>
+    <p:sldLayoutId id="2147483690" r:id="rId6"/>
+    <p:sldLayoutId id="2147483691" r:id="rId7"/>
+    <p:sldLayoutId id="2147483692" r:id="rId8"/>
+    <p:sldLayoutId id="2147483693" r:id="rId9"/>
+    <p:sldLayoutId id="2147483694" r:id="rId10"/>
+    <p:sldLayoutId id="2147483695" r:id="rId11"/>
   </p:sldLayoutIdLst>
   <p:txStyles>
     <p:titleStyle>
-      <a:lvl1pPr algn="ctr" defTabSz="914400" rtl="0" eaLnBrk="1" latinLnBrk="0" hangingPunct="1">
+      <a:lvl1pPr marL="484632" algn="l" rtl="0" eaLnBrk="1" latinLnBrk="0" hangingPunct="1">
         <a:spcBef>
           <a:spcPct val="0"/>
         </a:spcBef>
         <a:buNone/>
-        <a:defRPr sz="4400" kern="1200">
+        <a:defRPr kumimoji="0" sz="4200" kern="1200">
+          <a:ln w="6350">
+            <a:solidFill>
+              <a:schemeClr val="accent1">
+                <a:shade val="43000"/>
+              </a:schemeClr>
+            </a:solidFill>
+          </a:ln>
           <a:solidFill>
-            <a:schemeClr val="tx1"/>
+            <a:schemeClr val="accent1">
+              <a:tint val="83000"/>
+              <a:satMod val="150000"/>
+            </a:schemeClr>
           </a:solidFill>
+          <a:effectLst>
+            <a:outerShdw blurRad="26000" dist="26000" dir="14500000" algn="tl" rotWithShape="0">
+              <a:srgbClr val="000000">
+                <a:alpha val="40000"/>
+              </a:srgbClr>
+            </a:outerShdw>
+          </a:effectLst>
           <a:latin typeface="+mj-lt"/>
           <a:ea typeface="+mj-ea"/>
           <a:cs typeface="+mj-cs"/>
@@ -2783,13 +3611,17 @@
       </a:lvl1pPr>
     </p:titleStyle>
     <p:bodyStyle>
-      <a:lvl1pPr marL="342900" indent="-342900" algn="l" defTabSz="914400" rtl="0" eaLnBrk="1" latinLnBrk="0" hangingPunct="1">
+      <a:lvl1pPr marL="448056" indent="-384048" algn="l" rtl="0" eaLnBrk="1" latinLnBrk="0" hangingPunct="1">
         <a:spcBef>
           <a:spcPct val="20000"/>
         </a:spcBef>
-        <a:buFont typeface="Arial" pitchFamily="34" charset="0"/>
-        <a:buChar char="•"/>
-        <a:defRPr sz="3200" kern="1200">
+        <a:buClr>
+          <a:schemeClr val="accent1"/>
+        </a:buClr>
+        <a:buSzPct val="80000"/>
+        <a:buFont typeface="Wingdings 2"/>
+        <a:buChar char=""/>
+        <a:defRPr kumimoji="0" sz="3000" kern="1200">
           <a:solidFill>
             <a:schemeClr val="tx1"/>
           </a:solidFill>
@@ -2798,13 +3630,17 @@
           <a:cs typeface="+mn-cs"/>
         </a:defRPr>
       </a:lvl1pPr>
-      <a:lvl2pPr marL="742950" indent="-285750" algn="l" defTabSz="914400" rtl="0" eaLnBrk="1" latinLnBrk="0" hangingPunct="1">
+      <a:lvl2pPr marL="822960" indent="-285750" algn="l" rtl="0" eaLnBrk="1" latinLnBrk="0" hangingPunct="1">
         <a:spcBef>
           <a:spcPct val="20000"/>
         </a:spcBef>
-        <a:buFont typeface="Arial" pitchFamily="34" charset="0"/>
-        <a:buChar char="–"/>
-        <a:defRPr sz="2800" kern="1200">
+        <a:buClr>
+          <a:schemeClr val="accent1"/>
+        </a:buClr>
+        <a:buSzPct val="95000"/>
+        <a:buFont typeface="Verdana"/>
+        <a:buChar char="›"/>
+        <a:defRPr kumimoji="0" sz="2600" kern="1200">
           <a:solidFill>
             <a:schemeClr val="tx1"/>
           </a:solidFill>
@@ -2813,13 +3649,16 @@
           <a:cs typeface="+mn-cs"/>
         </a:defRPr>
       </a:lvl2pPr>
-      <a:lvl3pPr marL="1143000" indent="-228600" algn="l" defTabSz="914400" rtl="0" eaLnBrk="1" latinLnBrk="0" hangingPunct="1">
+      <a:lvl3pPr marL="1106424" indent="-228600" algn="l" rtl="0" eaLnBrk="1" latinLnBrk="0" hangingPunct="1">
         <a:spcBef>
           <a:spcPct val="20000"/>
         </a:spcBef>
-        <a:buFont typeface="Arial" pitchFamily="34" charset="0"/>
-        <a:buChar char="•"/>
-        <a:defRPr sz="2400" kern="1200">
+        <a:buClr>
+          <a:schemeClr val="accent1"/>
+        </a:buClr>
+        <a:buFont typeface="Wingdings 2"/>
+        <a:buChar char=""/>
+        <a:defRPr kumimoji="0" sz="2400" kern="1200">
           <a:solidFill>
             <a:schemeClr val="tx1"/>
           </a:solidFill>
@@ -2828,13 +3667,16 @@
           <a:cs typeface="+mn-cs"/>
         </a:defRPr>
       </a:lvl3pPr>
-      <a:lvl4pPr marL="1600200" indent="-228600" algn="l" defTabSz="914400" rtl="0" eaLnBrk="1" latinLnBrk="0" hangingPunct="1">
+      <a:lvl4pPr marL="1371600" indent="-210312" algn="l" rtl="0" eaLnBrk="1" latinLnBrk="0" hangingPunct="1">
         <a:spcBef>
           <a:spcPct val="20000"/>
         </a:spcBef>
-        <a:buFont typeface="Arial" pitchFamily="34" charset="0"/>
-        <a:buChar char="–"/>
-        <a:defRPr sz="2000" kern="1200">
+        <a:buClr>
+          <a:schemeClr val="accent1"/>
+        </a:buClr>
+        <a:buFont typeface="Wingdings 2"/>
+        <a:buChar char=""/>
+        <a:defRPr kumimoji="0" sz="2000" kern="1200">
           <a:solidFill>
             <a:schemeClr val="tx1"/>
           </a:solidFill>
@@ -2843,13 +3685,18 @@
           <a:cs typeface="+mn-cs"/>
         </a:defRPr>
       </a:lvl4pPr>
-      <a:lvl5pPr marL="2057400" indent="-228600" algn="l" defTabSz="914400" rtl="0" eaLnBrk="1" latinLnBrk="0" hangingPunct="1">
+      <a:lvl5pPr marL="1600200" indent="-210312" algn="l" rtl="0" eaLnBrk="1" latinLnBrk="0" hangingPunct="1">
         <a:spcBef>
           <a:spcPct val="20000"/>
         </a:spcBef>
-        <a:buFont typeface="Arial" pitchFamily="34" charset="0"/>
-        <a:buChar char="»"/>
-        <a:defRPr sz="2000" kern="1200">
+        <a:buClr>
+          <a:schemeClr val="accent1">
+            <a:tint val="75000"/>
+          </a:schemeClr>
+        </a:buClr>
+        <a:buFont typeface="Wingdings 2"/>
+        <a:buChar char=""/>
+        <a:defRPr kumimoji="0" sz="1900" kern="1200">
           <a:solidFill>
             <a:schemeClr val="tx1"/>
           </a:solidFill>
@@ -2858,13 +3705,18 @@
           <a:cs typeface="+mn-cs"/>
         </a:defRPr>
       </a:lvl5pPr>
-      <a:lvl6pPr marL="2514600" indent="-228600" algn="l" defTabSz="914400" rtl="0" eaLnBrk="1" latinLnBrk="0" hangingPunct="1">
+      <a:lvl6pPr marL="1828800" indent="-210312" algn="l" rtl="0" eaLnBrk="1" latinLnBrk="0" hangingPunct="1">
         <a:spcBef>
           <a:spcPct val="20000"/>
         </a:spcBef>
-        <a:buFont typeface="Arial" pitchFamily="34" charset="0"/>
-        <a:buChar char="•"/>
-        <a:defRPr sz="2000" kern="1200">
+        <a:buClr>
+          <a:schemeClr val="accent1">
+            <a:tint val="75000"/>
+          </a:schemeClr>
+        </a:buClr>
+        <a:buFont typeface="Wingdings 2"/>
+        <a:buChar char=""/>
+        <a:defRPr kumimoji="0" sz="1800" kern="1200">
           <a:solidFill>
             <a:schemeClr val="tx1"/>
           </a:solidFill>
@@ -2873,13 +3725,18 @@
           <a:cs typeface="+mn-cs"/>
         </a:defRPr>
       </a:lvl6pPr>
-      <a:lvl7pPr marL="2971800" indent="-228600" algn="l" defTabSz="914400" rtl="0" eaLnBrk="1" latinLnBrk="0" hangingPunct="1">
+      <a:lvl7pPr marL="2084832" indent="-210312" algn="l" rtl="0" eaLnBrk="1" latinLnBrk="0" hangingPunct="1">
         <a:spcBef>
           <a:spcPct val="20000"/>
         </a:spcBef>
-        <a:buFont typeface="Arial" pitchFamily="34" charset="0"/>
-        <a:buChar char="•"/>
-        <a:defRPr sz="2000" kern="1200">
+        <a:buClr>
+          <a:schemeClr val="accent1">
+            <a:tint val="75000"/>
+          </a:schemeClr>
+        </a:buClr>
+        <a:buFont typeface="Wingdings 2"/>
+        <a:buChar char=""/>
+        <a:defRPr kumimoji="0" sz="1600" kern="1200">
           <a:solidFill>
             <a:schemeClr val="tx1"/>
           </a:solidFill>
@@ -2888,13 +3745,18 @@
           <a:cs typeface="+mn-cs"/>
         </a:defRPr>
       </a:lvl7pPr>
-      <a:lvl8pPr marL="3429000" indent="-228600" algn="l" defTabSz="914400" rtl="0" eaLnBrk="1" latinLnBrk="0" hangingPunct="1">
+      <a:lvl8pPr marL="2286000" indent="-182880" algn="l" rtl="0" eaLnBrk="1" latinLnBrk="0" hangingPunct="1">
         <a:spcBef>
           <a:spcPct val="20000"/>
         </a:spcBef>
-        <a:buFont typeface="Arial" pitchFamily="34" charset="0"/>
-        <a:buChar char="•"/>
-        <a:defRPr sz="2000" kern="1200">
+        <a:buClr>
+          <a:schemeClr val="accent1">
+            <a:tint val="75000"/>
+          </a:schemeClr>
+        </a:buClr>
+        <a:buFont typeface="Wingdings 2"/>
+        <a:buChar char=""/>
+        <a:defRPr kumimoji="0" sz="1600" kern="1200">
           <a:solidFill>
             <a:schemeClr val="tx1"/>
           </a:solidFill>
@@ -2903,13 +3765,18 @@
           <a:cs typeface="+mn-cs"/>
         </a:defRPr>
       </a:lvl8pPr>
-      <a:lvl9pPr marL="3886200" indent="-228600" algn="l" defTabSz="914400" rtl="0" eaLnBrk="1" latinLnBrk="0" hangingPunct="1">
+      <a:lvl9pPr marL="2514600" indent="-182880" algn="l" rtl="0" eaLnBrk="1" latinLnBrk="0" hangingPunct="1">
         <a:spcBef>
           <a:spcPct val="20000"/>
         </a:spcBef>
-        <a:buFont typeface="Arial" pitchFamily="34" charset="0"/>
-        <a:buChar char="•"/>
-        <a:defRPr sz="2000" kern="1200">
+        <a:buClr>
+          <a:schemeClr val="accent1">
+            <a:tint val="75000"/>
+          </a:schemeClr>
+        </a:buClr>
+        <a:buFont typeface="Wingdings 2"/>
+        <a:buChar char=""/>
+        <a:defRPr kumimoji="0" sz="1600" kern="1200">
           <a:solidFill>
             <a:schemeClr val="tx1"/>
           </a:solidFill>
@@ -2920,11 +3787,8 @@
       </a:lvl9pPr>
     </p:bodyStyle>
     <p:otherStyle>
-      <a:defPPr>
-        <a:defRPr lang="ru-RU"/>
-      </a:defPPr>
-      <a:lvl1pPr marL="0" algn="l" defTabSz="914400" rtl="0" eaLnBrk="1" latinLnBrk="0" hangingPunct="1">
-        <a:defRPr sz="1800" kern="1200">
+      <a:lvl1pPr marL="0" algn="l" rtl="0" eaLnBrk="1" latinLnBrk="0" hangingPunct="1">
+        <a:defRPr kumimoji="0" kern="1200">
           <a:solidFill>
             <a:schemeClr val="tx1"/>
           </a:solidFill>
@@ -2933,8 +3797,8 @@
           <a:cs typeface="+mn-cs"/>
         </a:defRPr>
       </a:lvl1pPr>
-      <a:lvl2pPr marL="457200" algn="l" defTabSz="914400" rtl="0" eaLnBrk="1" latinLnBrk="0" hangingPunct="1">
-        <a:defRPr sz="1800" kern="1200">
+      <a:lvl2pPr marL="457200" algn="l" rtl="0" eaLnBrk="1" latinLnBrk="0" hangingPunct="1">
+        <a:defRPr kumimoji="0" kern="1200">
           <a:solidFill>
             <a:schemeClr val="tx1"/>
           </a:solidFill>
@@ -2943,8 +3807,8 @@
           <a:cs typeface="+mn-cs"/>
         </a:defRPr>
       </a:lvl2pPr>
-      <a:lvl3pPr marL="914400" algn="l" defTabSz="914400" rtl="0" eaLnBrk="1" latinLnBrk="0" hangingPunct="1">
-        <a:defRPr sz="1800" kern="1200">
+      <a:lvl3pPr marL="914400" algn="l" rtl="0" eaLnBrk="1" latinLnBrk="0" hangingPunct="1">
+        <a:defRPr kumimoji="0" kern="1200">
           <a:solidFill>
             <a:schemeClr val="tx1"/>
           </a:solidFill>
@@ -2953,8 +3817,8 @@
           <a:cs typeface="+mn-cs"/>
         </a:defRPr>
       </a:lvl3pPr>
-      <a:lvl4pPr marL="1371600" algn="l" defTabSz="914400" rtl="0" eaLnBrk="1" latinLnBrk="0" hangingPunct="1">
-        <a:defRPr sz="1800" kern="1200">
+      <a:lvl4pPr marL="1371600" algn="l" rtl="0" eaLnBrk="1" latinLnBrk="0" hangingPunct="1">
+        <a:defRPr kumimoji="0" kern="1200">
           <a:solidFill>
             <a:schemeClr val="tx1"/>
           </a:solidFill>
@@ -2963,8 +3827,8 @@
           <a:cs typeface="+mn-cs"/>
         </a:defRPr>
       </a:lvl4pPr>
-      <a:lvl5pPr marL="1828800" algn="l" defTabSz="914400" rtl="0" eaLnBrk="1" latinLnBrk="0" hangingPunct="1">
-        <a:defRPr sz="1800" kern="1200">
+      <a:lvl5pPr marL="1828800" algn="l" rtl="0" eaLnBrk="1" latinLnBrk="0" hangingPunct="1">
+        <a:defRPr kumimoji="0" kern="1200">
           <a:solidFill>
             <a:schemeClr val="tx1"/>
           </a:solidFill>
@@ -2973,8 +3837,8 @@
           <a:cs typeface="+mn-cs"/>
         </a:defRPr>
       </a:lvl5pPr>
-      <a:lvl6pPr marL="2286000" algn="l" defTabSz="914400" rtl="0" eaLnBrk="1" latinLnBrk="0" hangingPunct="1">
-        <a:defRPr sz="1800" kern="1200">
+      <a:lvl6pPr marL="2286000" algn="l" rtl="0" eaLnBrk="1" latinLnBrk="0" hangingPunct="1">
+        <a:defRPr kumimoji="0" kern="1200">
           <a:solidFill>
             <a:schemeClr val="tx1"/>
           </a:solidFill>
@@ -2983,8 +3847,8 @@
           <a:cs typeface="+mn-cs"/>
         </a:defRPr>
       </a:lvl6pPr>
-      <a:lvl7pPr marL="2743200" algn="l" defTabSz="914400" rtl="0" eaLnBrk="1" latinLnBrk="0" hangingPunct="1">
-        <a:defRPr sz="1800" kern="1200">
+      <a:lvl7pPr marL="2743200" algn="l" rtl="0" eaLnBrk="1" latinLnBrk="0" hangingPunct="1">
+        <a:defRPr kumimoji="0" kern="1200">
           <a:solidFill>
             <a:schemeClr val="tx1"/>
           </a:solidFill>
@@ -2993,8 +3857,8 @@
           <a:cs typeface="+mn-cs"/>
         </a:defRPr>
       </a:lvl7pPr>
-      <a:lvl8pPr marL="3200400" algn="l" defTabSz="914400" rtl="0" eaLnBrk="1" latinLnBrk="0" hangingPunct="1">
-        <a:defRPr sz="1800" kern="1200">
+      <a:lvl8pPr marL="3200400" algn="l" rtl="0" eaLnBrk="1" latinLnBrk="0" hangingPunct="1">
+        <a:defRPr kumimoji="0" kern="1200">
           <a:solidFill>
             <a:schemeClr val="tx1"/>
           </a:solidFill>
@@ -3003,8 +3867,8 @@
           <a:cs typeface="+mn-cs"/>
         </a:defRPr>
       </a:lvl8pPr>
-      <a:lvl9pPr marL="3657600" algn="l" defTabSz="914400" rtl="0" eaLnBrk="1" latinLnBrk="0" hangingPunct="1">
-        <a:defRPr sz="1800" kern="1200">
+      <a:lvl9pPr marL="3657600" algn="l" rtl="0" eaLnBrk="1" latinLnBrk="0" hangingPunct="1">
+        <a:defRPr kumimoji="0" kern="1200">
           <a:solidFill>
             <a:schemeClr val="tx1"/>
           </a:solidFill>
@@ -3045,12 +3909,56 @@
             <p:ph type="ctrTitle"/>
           </p:nvPr>
         </p:nvSpPr>
-        <p:spPr/>
-        <p:txBody>
-          <a:bodyPr/>
+        <p:spPr>
+          <a:xfrm>
+            <a:off x="683568" y="404664"/>
+            <a:ext cx="8062912" cy="3342233"/>
+          </a:xfrm>
+        </p:spPr>
+        <p:txBody>
+          <a:bodyPr>
+            <a:noAutofit/>
+          </a:bodyPr>
           <a:lstStyle/>
           <a:p>
-            <a:endParaRPr lang="uk-UA" dirty="0"/>
+            <a:pPr algn="ctr"/>
+            <a:r>
+              <a:rPr lang="ru-RU" sz="5400" dirty="0">
+                <a:solidFill>
+                  <a:schemeClr val="tx1"/>
+                </a:solidFill>
+              </a:rPr>
+              <a:t>Технологии проектирования </a:t>
+            </a:r>
+            <a:r>
+              <a:rPr lang="ru-RU" sz="5400" dirty="0" smtClean="0">
+                <a:solidFill>
+                  <a:schemeClr val="tx1"/>
+                </a:solidFill>
+              </a:rPr>
+              <a:t>системы</a:t>
+            </a:r>
+            <a:r>
+              <a:rPr lang="en-US" sz="5400" dirty="0" smtClean="0">
+                <a:solidFill>
+                  <a:schemeClr val="tx1"/>
+                </a:solidFill>
+              </a:rPr>
+              <a:t> </a:t>
+            </a:r>
+            <a:r>
+              <a:rPr lang="ru-RU" sz="5400" dirty="0" smtClean="0">
+                <a:solidFill>
+                  <a:schemeClr val="tx1"/>
+                </a:solidFill>
+              </a:rPr>
+              <a:t>управления обработкой данных</a:t>
+            </a:r>
+            <a:endParaRPr lang="uk-UA" sz="5400" dirty="0">
+              <a:solidFill>
+                <a:schemeClr val="tx1"/>
+              </a:solidFill>
+            </a:endParaRPr>
           </a:p>
         </p:txBody>
       </p:sp>
@@ -3066,27 +3974,62 @@
         </p:nvSpPr>
         <p:spPr>
           <a:xfrm>
-            <a:off x="2555776" y="4941168"/>
+            <a:off x="2555776" y="4293096"/>
             <a:ext cx="6400800" cy="1270992"/>
           </a:xfrm>
         </p:spPr>
         <p:txBody>
-          <a:bodyPr/>
+          <a:bodyPr>
+            <a:normAutofit/>
+          </a:bodyPr>
           <a:lstStyle/>
           <a:p>
             <a:pPr algn="r"/>
             <a:r>
-              <a:rPr lang="ru-RU" dirty="0" smtClean="0"/>
-              <a:t>Выполнил: ст. гр. ИСм-11о</a:t>
-            </a:r>
+              <a:rPr lang="ru-RU" sz="3200" dirty="0">
+                <a:solidFill>
+                  <a:schemeClr val="tx1"/>
+                </a:solidFill>
+              </a:rPr>
+              <a:t>Выполнил: ст. </a:t>
+            </a:r>
+            <a:r>
+              <a:rPr lang="ru-RU" sz="3200" dirty="0">
+                <a:solidFill>
+                  <a:schemeClr val="tx1"/>
+                </a:solidFill>
+              </a:rPr>
+              <a:t>гр. </a:t>
+            </a:r>
+            <a:r>
+              <a:rPr lang="ru-RU" sz="3200" dirty="0" smtClean="0">
+                <a:solidFill>
+                  <a:schemeClr val="tx1"/>
+                </a:solidFill>
+              </a:rPr>
+              <a:t>ИСм-1о</a:t>
+            </a:r>
+            <a:endParaRPr lang="ru-RU" sz="3200" dirty="0">
+              <a:solidFill>
+                <a:schemeClr val="tx1"/>
+              </a:solidFill>
+            </a:endParaRPr>
           </a:p>
           <a:p>
             <a:pPr algn="r"/>
             <a:r>
-              <a:rPr lang="ru-RU" dirty="0" smtClean="0"/>
+              <a:rPr lang="ru-RU" sz="3200" dirty="0">
+                <a:solidFill>
+                  <a:schemeClr val="tx1"/>
+                </a:solidFill>
+              </a:rPr>
               <a:t>Лисянский А. И.</a:t>
             </a:r>
-            <a:endParaRPr lang="uk-UA" dirty="0"/>
+            <a:endParaRPr lang="uk-UA" sz="3200" dirty="0">
+              <a:solidFill>
+                <a:schemeClr val="tx1"/>
+              </a:solidFill>
+            </a:endParaRPr>
           </a:p>
         </p:txBody>
       </p:sp>
@@ -3103,10 +4046,2318 @@
 </p:sld>
 </file>
 
+<file path=ppt/slides/slide10.xml><?xml version="1.0" encoding="utf-8"?>
+<p:sld xmlns:a="http://schemas.openxmlformats.org/drawingml/2006/main" xmlns:r="http://schemas.openxmlformats.org/officeDocument/2006/relationships" xmlns:p="http://schemas.openxmlformats.org/presentationml/2006/main">
+  <p:cSld>
+    <p:spTree>
+      <p:nvGrpSpPr>
+        <p:cNvPr id="1" name=""/>
+        <p:cNvGrpSpPr/>
+        <p:nvPr/>
+      </p:nvGrpSpPr>
+      <p:grpSpPr>
+        <a:xfrm>
+          <a:off x="0" y="0"/>
+          <a:ext cx="0" cy="0"/>
+          <a:chOff x="0" y="0"/>
+          <a:chExt cx="0" cy="0"/>
+        </a:xfrm>
+      </p:grpSpPr>
+      <p:sp>
+        <p:nvSpPr>
+          <p:cNvPr id="2" name="Прямоугольник 1"/>
+          <p:cNvSpPr/>
+          <p:nvPr/>
+        </p:nvSpPr>
+        <p:spPr>
+          <a:xfrm>
+            <a:off x="0" y="116632"/>
+            <a:ext cx="9143999" cy="584775"/>
+          </a:xfrm>
+          <a:prstGeom prst="rect">
+            <a:avLst/>
+          </a:prstGeom>
+        </p:spPr>
+        <p:txBody>
+          <a:bodyPr wrap="square">
+            <a:spAutoFit/>
+          </a:bodyPr>
+          <a:lstStyle/>
+          <a:p>
+            <a:pPr algn="ctr"/>
+            <a:r>
+              <a:rPr lang="ru-RU" sz="3200" dirty="0" smtClean="0"/>
+              <a:t>Заключение</a:t>
+            </a:r>
+            <a:endParaRPr lang="ru-RU" sz="3200" dirty="0"/>
+          </a:p>
+        </p:txBody>
+      </p:sp>
+      <p:sp>
+        <p:nvSpPr>
+          <p:cNvPr id="3" name="TextBox 2"/>
+          <p:cNvSpPr txBox="1"/>
+          <p:nvPr/>
+        </p:nvSpPr>
+        <p:spPr>
+          <a:xfrm>
+            <a:off x="179512" y="1196752"/>
+            <a:ext cx="8568952" cy="5262979"/>
+          </a:xfrm>
+          <a:prstGeom prst="rect">
+            <a:avLst/>
+          </a:prstGeom>
+          <a:noFill/>
+        </p:spPr>
+        <p:txBody>
+          <a:bodyPr wrap="square" rtlCol="0">
+            <a:spAutoFit/>
+          </a:bodyPr>
+          <a:lstStyle/>
+          <a:p>
+            <a:pPr marL="285750" indent="-285750">
+              <a:buFont typeface="Wingdings" pitchFamily="2" charset="2"/>
+              <a:buChar char="q"/>
+            </a:pPr>
+            <a:r>
+              <a:rPr lang="ru-RU" sz="2400" dirty="0" smtClean="0"/>
+              <a:t>Входные данные – наборы данных различной структуры </a:t>
+            </a:r>
+          </a:p>
+          <a:p>
+            <a:pPr marL="285750" indent="-285750">
+              <a:buFont typeface="Wingdings" pitchFamily="2" charset="2"/>
+              <a:buChar char="q"/>
+            </a:pPr>
+            <a:endParaRPr lang="ru-RU" sz="2400" dirty="0"/>
+          </a:p>
+          <a:p>
+            <a:pPr marL="285750" indent="-285750">
+              <a:buFont typeface="Wingdings" pitchFamily="2" charset="2"/>
+              <a:buChar char="q"/>
+            </a:pPr>
+            <a:r>
+              <a:rPr lang="ru-RU" sz="2400" dirty="0" smtClean="0"/>
+              <a:t>Выходные данные – построенное расписание обработки входных данных</a:t>
+            </a:r>
+          </a:p>
+          <a:p>
+            <a:pPr marL="285750" indent="-285750">
+              <a:buFont typeface="Wingdings" pitchFamily="2" charset="2"/>
+              <a:buChar char="q"/>
+            </a:pPr>
+            <a:endParaRPr lang="ru-RU" sz="2400" dirty="0"/>
+          </a:p>
+          <a:p>
+            <a:pPr marL="285750" indent="-285750">
+              <a:buFont typeface="Wingdings" pitchFamily="2" charset="2"/>
+              <a:buChar char="q"/>
+            </a:pPr>
+            <a:r>
+              <a:rPr lang="ru-RU" sz="2400" dirty="0" smtClean="0"/>
+              <a:t>Выбранный комплекс технологий удовлетворяет всем критериям, его оценка эффективности высока</a:t>
+            </a:r>
+          </a:p>
+          <a:p>
+            <a:pPr marL="285750" indent="-285750">
+              <a:buFont typeface="Wingdings" pitchFamily="2" charset="2"/>
+              <a:buChar char="q"/>
+            </a:pPr>
+            <a:endParaRPr lang="ru-RU" sz="2400" dirty="0"/>
+          </a:p>
+          <a:p>
+            <a:pPr marL="285750" indent="-285750">
+              <a:buFont typeface="Wingdings" pitchFamily="2" charset="2"/>
+              <a:buChar char="q"/>
+            </a:pPr>
+            <a:r>
+              <a:rPr lang="ru-RU" sz="2400" dirty="0" smtClean="0"/>
+              <a:t>Результаты тестирования продемонстрировали высокую достоверность результатов работы ПО а так же эффективность использования блока управления обработкой данных</a:t>
+            </a:r>
+            <a:endParaRPr lang="uk-UA" sz="2400" dirty="0"/>
+          </a:p>
+        </p:txBody>
+      </p:sp>
+    </p:spTree>
+    <p:extLst>
+      <p:ext uri="{BB962C8B-B14F-4D97-AF65-F5344CB8AC3E}">
+        <p14:creationId xmlns:p14="http://schemas.microsoft.com/office/powerpoint/2010/main" val="3893609434"/>
+      </p:ext>
+    </p:extLst>
+  </p:cSld>
+  <p:clrMapOvr>
+    <a:masterClrMapping/>
+  </p:clrMapOvr>
+</p:sld>
+</file>
+
+<file path=ppt/slides/slide11.xml><?xml version="1.0" encoding="utf-8"?>
+<p:sld xmlns:a="http://schemas.openxmlformats.org/drawingml/2006/main" xmlns:r="http://schemas.openxmlformats.org/officeDocument/2006/relationships" xmlns:p="http://schemas.openxmlformats.org/presentationml/2006/main">
+  <p:cSld>
+    <p:spTree>
+      <p:nvGrpSpPr>
+        <p:cNvPr id="1" name=""/>
+        <p:cNvGrpSpPr/>
+        <p:nvPr/>
+      </p:nvGrpSpPr>
+      <p:grpSpPr>
+        <a:xfrm>
+          <a:off x="0" y="0"/>
+          <a:ext cx="0" cy="0"/>
+          <a:chOff x="0" y="0"/>
+          <a:chExt cx="0" cy="0"/>
+        </a:xfrm>
+      </p:grpSpPr>
+      <p:sp>
+        <p:nvSpPr>
+          <p:cNvPr id="2" name="Прямоугольник 1"/>
+          <p:cNvSpPr/>
+          <p:nvPr/>
+        </p:nvSpPr>
+        <p:spPr>
+          <a:xfrm>
+            <a:off x="-1" y="2852936"/>
+            <a:ext cx="9143999" cy="830997"/>
+          </a:xfrm>
+          <a:prstGeom prst="rect">
+            <a:avLst/>
+          </a:prstGeom>
+        </p:spPr>
+        <p:txBody>
+          <a:bodyPr wrap="square">
+            <a:spAutoFit/>
+          </a:bodyPr>
+          <a:lstStyle/>
+          <a:p>
+            <a:pPr algn="ctr"/>
+            <a:r>
+              <a:rPr lang="ru-RU" sz="4800" dirty="0"/>
+              <a:t>Спасибо за </a:t>
+            </a:r>
+            <a:r>
+              <a:rPr lang="ru-RU" sz="4800" dirty="0" smtClean="0"/>
+              <a:t>внимание!</a:t>
+            </a:r>
+            <a:endParaRPr lang="ru-RU" sz="4800" dirty="0"/>
+          </a:p>
+        </p:txBody>
+      </p:sp>
+    </p:spTree>
+    <p:extLst>
+      <p:ext uri="{BB962C8B-B14F-4D97-AF65-F5344CB8AC3E}">
+        <p14:creationId xmlns:p14="http://schemas.microsoft.com/office/powerpoint/2010/main" val="2847411993"/>
+      </p:ext>
+    </p:extLst>
+  </p:cSld>
+  <p:clrMapOvr>
+    <a:masterClrMapping/>
+  </p:clrMapOvr>
+</p:sld>
+</file>
+
+<file path=ppt/slides/slide2.xml><?xml version="1.0" encoding="utf-8"?>
+<p:sld xmlns:a="http://schemas.openxmlformats.org/drawingml/2006/main" xmlns:r="http://schemas.openxmlformats.org/officeDocument/2006/relationships" xmlns:p="http://schemas.openxmlformats.org/presentationml/2006/main">
+  <p:cSld>
+    <p:spTree>
+      <p:nvGrpSpPr>
+        <p:cNvPr id="1" name=""/>
+        <p:cNvGrpSpPr/>
+        <p:nvPr/>
+      </p:nvGrpSpPr>
+      <p:grpSpPr>
+        <a:xfrm>
+          <a:off x="0" y="0"/>
+          <a:ext cx="0" cy="0"/>
+          <a:chOff x="0" y="0"/>
+          <a:chExt cx="0" cy="0"/>
+        </a:xfrm>
+      </p:grpSpPr>
+      <p:sp>
+        <p:nvSpPr>
+          <p:cNvPr id="4" name="Прямоугольник 3"/>
+          <p:cNvSpPr/>
+          <p:nvPr/>
+        </p:nvSpPr>
+        <p:spPr>
+          <a:xfrm>
+            <a:off x="467544" y="332656"/>
+            <a:ext cx="8208912" cy="6370975"/>
+          </a:xfrm>
+          <a:prstGeom prst="rect">
+            <a:avLst/>
+          </a:prstGeom>
+        </p:spPr>
+        <p:txBody>
+          <a:bodyPr wrap="square">
+            <a:spAutoFit/>
+          </a:bodyPr>
+          <a:lstStyle/>
+          <a:p>
+            <a:r>
+              <a:rPr lang="ru-RU" sz="2400" b="1" dirty="0"/>
+              <a:t>Цель курсового проекта</a:t>
+            </a:r>
+            <a:r>
+              <a:rPr lang="ru-RU" sz="2400" dirty="0"/>
+              <a:t>: </a:t>
+            </a:r>
+            <a:r>
+              <a:rPr lang="ru-RU" altLang="ru-RU" sz="2400" dirty="0"/>
+              <a:t>активизация исследовательской деятельности магистрантов </a:t>
+            </a:r>
+            <a:r>
+              <a:rPr lang="ru-RU" altLang="ru-RU" sz="2400" dirty="0" smtClean="0"/>
+              <a:t>в  </a:t>
+            </a:r>
+            <a:r>
+              <a:rPr lang="ru-RU" altLang="ru-RU" sz="2400" dirty="0"/>
+              <a:t>рамках  подготовки  выпускной  квалификационной  работы.</a:t>
+            </a:r>
+          </a:p>
+          <a:p>
+            <a:endParaRPr lang="ru-RU" altLang="ru-RU" sz="2400" dirty="0"/>
+          </a:p>
+          <a:p>
+            <a:r>
+              <a:rPr lang="ru-RU" sz="2400" b="1" dirty="0"/>
+              <a:t>Задачи курсового проекта:</a:t>
+            </a:r>
+          </a:p>
+          <a:p>
+            <a:pPr marL="285750" indent="-285750">
+              <a:buFont typeface="Wingdings" pitchFamily="2" charset="2"/>
+              <a:buChar char="q"/>
+            </a:pPr>
+            <a:r>
+              <a:rPr lang="ru-RU" altLang="ru-RU" sz="2400" i="1" dirty="0"/>
+              <a:t>выявление комплекса технологий проектирования;</a:t>
+            </a:r>
+          </a:p>
+          <a:p>
+            <a:pPr marL="285750" indent="-285750">
+              <a:buFont typeface="Wingdings" pitchFamily="2" charset="2"/>
+              <a:buChar char="q"/>
+            </a:pPr>
+            <a:endParaRPr lang="ru-RU" altLang="ru-RU" sz="2400" i="1" dirty="0" smtClean="0"/>
+          </a:p>
+          <a:p>
+            <a:pPr marL="285750" indent="-285750">
+              <a:buFont typeface="Wingdings" pitchFamily="2" charset="2"/>
+              <a:buChar char="q"/>
+            </a:pPr>
+            <a:r>
+              <a:rPr lang="ru-RU" altLang="ru-RU" sz="2400" i="1" dirty="0" smtClean="0"/>
+              <a:t>формальное </a:t>
+            </a:r>
+            <a:r>
+              <a:rPr lang="ru-RU" altLang="ru-RU" sz="2400" i="1" dirty="0"/>
+              <a:t>описание  комплекса технологий проектирования;</a:t>
+            </a:r>
+          </a:p>
+          <a:p>
+            <a:pPr marL="285750" indent="-285750">
+              <a:buFont typeface="Wingdings" pitchFamily="2" charset="2"/>
+              <a:buChar char="q"/>
+            </a:pPr>
+            <a:endParaRPr lang="ru-RU" altLang="ru-RU" sz="2400" i="1" dirty="0" smtClean="0"/>
+          </a:p>
+          <a:p>
+            <a:pPr marL="285750" indent="-285750">
+              <a:buFont typeface="Wingdings" pitchFamily="2" charset="2"/>
+              <a:buChar char="q"/>
+            </a:pPr>
+            <a:r>
+              <a:rPr lang="ru-RU" altLang="ru-RU" sz="2400" i="1" dirty="0" smtClean="0"/>
+              <a:t>оценка </a:t>
+            </a:r>
+            <a:r>
+              <a:rPr lang="ru-RU" altLang="ru-RU" sz="2400" i="1" dirty="0"/>
+              <a:t>эффективности выбранного комплекса технологий;</a:t>
+            </a:r>
+          </a:p>
+          <a:p>
+            <a:pPr marL="285750" indent="-285750">
+              <a:buFont typeface="Wingdings" pitchFamily="2" charset="2"/>
+              <a:buChar char="q"/>
+            </a:pPr>
+            <a:endParaRPr lang="ru-RU" sz="2400" i="1" dirty="0" smtClean="0"/>
+          </a:p>
+          <a:p>
+            <a:pPr marL="285750" indent="-285750">
+              <a:buFont typeface="Wingdings" pitchFamily="2" charset="2"/>
+              <a:buChar char="q"/>
+            </a:pPr>
+            <a:r>
+              <a:rPr lang="ru-RU" sz="2400" i="1" dirty="0" smtClean="0"/>
+              <a:t>расчет </a:t>
+            </a:r>
+            <a:r>
+              <a:rPr lang="ru-RU" sz="2400" i="1" dirty="0"/>
+              <a:t>эксплуатационных характеристик разрабатываемой системы.</a:t>
+            </a:r>
+          </a:p>
+        </p:txBody>
+      </p:sp>
+    </p:spTree>
+    <p:extLst>
+      <p:ext uri="{BB962C8B-B14F-4D97-AF65-F5344CB8AC3E}">
+        <p14:creationId xmlns:p14="http://schemas.microsoft.com/office/powerpoint/2010/main" val="1133233917"/>
+      </p:ext>
+    </p:extLst>
+  </p:cSld>
+  <p:clrMapOvr>
+    <a:masterClrMapping/>
+  </p:clrMapOvr>
+</p:sld>
+</file>
+
+<file path=ppt/slides/slide3.xml><?xml version="1.0" encoding="utf-8"?>
+<p:sld xmlns:a="http://schemas.openxmlformats.org/drawingml/2006/main" xmlns:r="http://schemas.openxmlformats.org/officeDocument/2006/relationships" xmlns:p="http://schemas.openxmlformats.org/presentationml/2006/main">
+  <p:cSld>
+    <p:spTree>
+      <p:nvGrpSpPr>
+        <p:cNvPr id="1" name=""/>
+        <p:cNvGrpSpPr/>
+        <p:nvPr/>
+      </p:nvGrpSpPr>
+      <p:grpSpPr>
+        <a:xfrm>
+          <a:off x="0" y="0"/>
+          <a:ext cx="0" cy="0"/>
+          <a:chOff x="0" y="0"/>
+          <a:chExt cx="0" cy="0"/>
+        </a:xfrm>
+      </p:grpSpPr>
+      <p:pic>
+        <p:nvPicPr>
+          <p:cNvPr id="2" name="Рисунок 1"/>
+          <p:cNvPicPr/>
+          <p:nvPr/>
+        </p:nvPicPr>
+        <p:blipFill>
+          <a:blip r:embed="rId2">
+            <a:extLst>
+              <a:ext uri="{28A0092B-C50C-407E-A947-70E740481C1C}">
+                <a14:useLocalDpi xmlns:a14="http://schemas.microsoft.com/office/drawing/2010/main" val="0"/>
+              </a:ext>
+            </a:extLst>
+          </a:blip>
+          <a:stretch>
+            <a:fillRect/>
+          </a:stretch>
+        </p:blipFill>
+        <p:spPr>
+          <a:xfrm>
+            <a:off x="1691680" y="1412776"/>
+            <a:ext cx="5904656" cy="1944216"/>
+          </a:xfrm>
+          <a:prstGeom prst="rect">
+            <a:avLst/>
+          </a:prstGeom>
+        </p:spPr>
+      </p:pic>
+      <p:pic>
+        <p:nvPicPr>
+          <p:cNvPr id="3" name="Рисунок 2"/>
+          <p:cNvPicPr/>
+          <p:nvPr/>
+        </p:nvPicPr>
+        <p:blipFill>
+          <a:blip r:embed="rId3">
+            <a:extLst>
+              <a:ext uri="{28A0092B-C50C-407E-A947-70E740481C1C}">
+                <a14:useLocalDpi xmlns:a14="http://schemas.microsoft.com/office/drawing/2010/main" val="0"/>
+              </a:ext>
+            </a:extLst>
+          </a:blip>
+          <a:stretch>
+            <a:fillRect/>
+          </a:stretch>
+        </p:blipFill>
+        <p:spPr>
+          <a:xfrm>
+            <a:off x="1270932" y="4221088"/>
+            <a:ext cx="6746151" cy="2016224"/>
+          </a:xfrm>
+          <a:prstGeom prst="rect">
+            <a:avLst/>
+          </a:prstGeom>
+        </p:spPr>
+      </p:pic>
+      <p:sp>
+        <p:nvSpPr>
+          <p:cNvPr id="4" name="TextBox 3"/>
+          <p:cNvSpPr txBox="1"/>
+          <p:nvPr/>
+        </p:nvSpPr>
+        <p:spPr>
+          <a:xfrm>
+            <a:off x="650545" y="153715"/>
+            <a:ext cx="7632848" cy="1077218"/>
+          </a:xfrm>
+          <a:prstGeom prst="rect">
+            <a:avLst/>
+          </a:prstGeom>
+          <a:noFill/>
+        </p:spPr>
+        <p:txBody>
+          <a:bodyPr wrap="square" rtlCol="0">
+            <a:spAutoFit/>
+          </a:bodyPr>
+          <a:lstStyle/>
+          <a:p>
+            <a:pPr algn="ctr"/>
+            <a:r>
+              <a:rPr lang="ru-RU" sz="3200" dirty="0" smtClean="0"/>
+              <a:t>Положение системы «как есть» и «как должно быть»</a:t>
+            </a:r>
+            <a:endParaRPr lang="uk-UA" sz="3200" dirty="0"/>
+          </a:p>
+        </p:txBody>
+      </p:sp>
+      <p:sp>
+        <p:nvSpPr>
+          <p:cNvPr id="5" name="Прямоугольник 4"/>
+          <p:cNvSpPr/>
+          <p:nvPr/>
+        </p:nvSpPr>
+        <p:spPr>
+          <a:xfrm>
+            <a:off x="2609082" y="3358542"/>
+            <a:ext cx="3844322" cy="523220"/>
+          </a:xfrm>
+          <a:prstGeom prst="rect">
+            <a:avLst/>
+          </a:prstGeom>
+        </p:spPr>
+        <p:txBody>
+          <a:bodyPr wrap="none">
+            <a:spAutoFit/>
+          </a:bodyPr>
+          <a:lstStyle/>
+          <a:p>
+            <a:r>
+              <a:rPr lang="ru-RU" sz="2800" dirty="0" smtClean="0"/>
+              <a:t>Система «как </a:t>
+            </a:r>
+            <a:r>
+              <a:rPr lang="ru-RU" sz="2800" dirty="0"/>
+              <a:t>есть» </a:t>
+            </a:r>
+            <a:endParaRPr lang="uk-UA" sz="2800" dirty="0"/>
+          </a:p>
+        </p:txBody>
+      </p:sp>
+      <p:sp>
+        <p:nvSpPr>
+          <p:cNvPr id="6" name="Прямоугольник 5"/>
+          <p:cNvSpPr/>
+          <p:nvPr/>
+        </p:nvSpPr>
+        <p:spPr>
+          <a:xfrm>
+            <a:off x="2158058" y="6237312"/>
+            <a:ext cx="5237331" cy="523220"/>
+          </a:xfrm>
+          <a:prstGeom prst="rect">
+            <a:avLst/>
+          </a:prstGeom>
+        </p:spPr>
+        <p:txBody>
+          <a:bodyPr wrap="none">
+            <a:spAutoFit/>
+          </a:bodyPr>
+          <a:lstStyle/>
+          <a:p>
+            <a:pPr algn="ctr"/>
+            <a:r>
+              <a:rPr lang="ru-RU" sz="2800" dirty="0" smtClean="0"/>
+              <a:t>Система «как </a:t>
+            </a:r>
+            <a:r>
+              <a:rPr lang="ru-RU" sz="2800" dirty="0"/>
+              <a:t>должно быть»</a:t>
+            </a:r>
+            <a:endParaRPr lang="uk-UA" sz="2800" dirty="0"/>
+          </a:p>
+        </p:txBody>
+      </p:sp>
+    </p:spTree>
+    <p:extLst>
+      <p:ext uri="{BB962C8B-B14F-4D97-AF65-F5344CB8AC3E}">
+        <p14:creationId xmlns:p14="http://schemas.microsoft.com/office/powerpoint/2010/main" val="380767727"/>
+      </p:ext>
+    </p:extLst>
+  </p:cSld>
+  <p:clrMapOvr>
+    <a:masterClrMapping/>
+  </p:clrMapOvr>
+</p:sld>
+</file>
+
+<file path=ppt/slides/slide4.xml><?xml version="1.0" encoding="utf-8"?>
+<p:sld xmlns:a="http://schemas.openxmlformats.org/drawingml/2006/main" xmlns:r="http://schemas.openxmlformats.org/officeDocument/2006/relationships" xmlns:p="http://schemas.openxmlformats.org/presentationml/2006/main">
+  <p:cSld>
+    <p:spTree>
+      <p:nvGrpSpPr>
+        <p:cNvPr id="1" name=""/>
+        <p:cNvGrpSpPr/>
+        <p:nvPr/>
+      </p:nvGrpSpPr>
+      <p:grpSpPr>
+        <a:xfrm>
+          <a:off x="0" y="0"/>
+          <a:ext cx="0" cy="0"/>
+          <a:chOff x="0" y="0"/>
+          <a:chExt cx="0" cy="0"/>
+        </a:xfrm>
+      </p:grpSpPr>
+      <p:sp>
+        <p:nvSpPr>
+          <p:cNvPr id="2" name="TextBox 1"/>
+          <p:cNvSpPr txBox="1"/>
+          <p:nvPr/>
+        </p:nvSpPr>
+        <p:spPr>
+          <a:xfrm>
+            <a:off x="650545" y="153715"/>
+            <a:ext cx="7632848" cy="1077218"/>
+          </a:xfrm>
+          <a:prstGeom prst="rect">
+            <a:avLst/>
+          </a:prstGeom>
+          <a:noFill/>
+        </p:spPr>
+        <p:txBody>
+          <a:bodyPr wrap="square" rtlCol="0">
+            <a:spAutoFit/>
+          </a:bodyPr>
+          <a:lstStyle/>
+          <a:p>
+            <a:pPr algn="ctr"/>
+            <a:r>
+              <a:rPr lang="ru-RU" sz="3200" dirty="0" smtClean="0"/>
+              <a:t>Диаграмма потоков данных и действий</a:t>
+            </a:r>
+            <a:endParaRPr lang="uk-UA" sz="3200" dirty="0"/>
+          </a:p>
+        </p:txBody>
+      </p:sp>
+      <p:pic>
+        <p:nvPicPr>
+          <p:cNvPr id="3" name="Рисунок 2"/>
+          <p:cNvPicPr/>
+          <p:nvPr/>
+        </p:nvPicPr>
+        <p:blipFill>
+          <a:blip r:embed="rId2">
+            <a:extLst>
+              <a:ext uri="{28A0092B-C50C-407E-A947-70E740481C1C}">
+                <a14:useLocalDpi xmlns:a14="http://schemas.microsoft.com/office/drawing/2010/main" val="0"/>
+              </a:ext>
+            </a:extLst>
+          </a:blip>
+          <a:stretch>
+            <a:fillRect/>
+          </a:stretch>
+        </p:blipFill>
+        <p:spPr>
+          <a:xfrm>
+            <a:off x="395536" y="1484784"/>
+            <a:ext cx="8352928" cy="5112568"/>
+          </a:xfrm>
+          <a:prstGeom prst="rect">
+            <a:avLst/>
+          </a:prstGeom>
+        </p:spPr>
+      </p:pic>
+    </p:spTree>
+    <p:extLst>
+      <p:ext uri="{BB962C8B-B14F-4D97-AF65-F5344CB8AC3E}">
+        <p14:creationId xmlns:p14="http://schemas.microsoft.com/office/powerpoint/2010/main" val="1877434413"/>
+      </p:ext>
+    </p:extLst>
+  </p:cSld>
+  <p:clrMapOvr>
+    <a:masterClrMapping/>
+  </p:clrMapOvr>
+</p:sld>
+</file>
+
+<file path=ppt/slides/slide5.xml><?xml version="1.0" encoding="utf-8"?>
+<p:sld xmlns:a="http://schemas.openxmlformats.org/drawingml/2006/main" xmlns:r="http://schemas.openxmlformats.org/officeDocument/2006/relationships" xmlns:p="http://schemas.openxmlformats.org/presentationml/2006/main">
+  <p:cSld>
+    <p:spTree>
+      <p:nvGrpSpPr>
+        <p:cNvPr id="1" name=""/>
+        <p:cNvGrpSpPr/>
+        <p:nvPr/>
+      </p:nvGrpSpPr>
+      <p:grpSpPr>
+        <a:xfrm>
+          <a:off x="0" y="0"/>
+          <a:ext cx="0" cy="0"/>
+          <a:chOff x="0" y="0"/>
+          <a:chExt cx="0" cy="0"/>
+        </a:xfrm>
+      </p:grpSpPr>
+      <p:pic>
+        <p:nvPicPr>
+          <p:cNvPr id="3" name="Рисунок 2"/>
+          <p:cNvPicPr/>
+          <p:nvPr/>
+        </p:nvPicPr>
+        <p:blipFill>
+          <a:blip r:embed="rId2">
+            <a:extLst>
+              <a:ext uri="{28A0092B-C50C-407E-A947-70E740481C1C}">
+                <a14:useLocalDpi xmlns:a14="http://schemas.microsoft.com/office/drawing/2010/main" val="0"/>
+              </a:ext>
+            </a:extLst>
+          </a:blip>
+          <a:stretch>
+            <a:fillRect/>
+          </a:stretch>
+        </p:blipFill>
+        <p:spPr>
+          <a:xfrm>
+            <a:off x="323528" y="1556792"/>
+            <a:ext cx="8496944" cy="4968551"/>
+          </a:xfrm>
+          <a:prstGeom prst="rect">
+            <a:avLst/>
+          </a:prstGeom>
+        </p:spPr>
+      </p:pic>
+      <p:sp>
+        <p:nvSpPr>
+          <p:cNvPr id="4" name="TextBox 3"/>
+          <p:cNvSpPr txBox="1"/>
+          <p:nvPr/>
+        </p:nvSpPr>
+        <p:spPr>
+          <a:xfrm>
+            <a:off x="650545" y="153715"/>
+            <a:ext cx="7632848" cy="1077218"/>
+          </a:xfrm>
+          <a:prstGeom prst="rect">
+            <a:avLst/>
+          </a:prstGeom>
+          <a:noFill/>
+        </p:spPr>
+        <p:txBody>
+          <a:bodyPr wrap="square" rtlCol="0">
+            <a:spAutoFit/>
+          </a:bodyPr>
+          <a:lstStyle/>
+          <a:p>
+            <a:pPr algn="ctr"/>
+            <a:r>
+              <a:rPr lang="ru-RU" sz="3200" dirty="0" smtClean="0"/>
+              <a:t>Структура внутренних оперируемых данных</a:t>
+            </a:r>
+            <a:endParaRPr lang="uk-UA" sz="3200" dirty="0"/>
+          </a:p>
+        </p:txBody>
+      </p:sp>
+    </p:spTree>
+    <p:extLst>
+      <p:ext uri="{BB962C8B-B14F-4D97-AF65-F5344CB8AC3E}">
+        <p14:creationId xmlns:p14="http://schemas.microsoft.com/office/powerpoint/2010/main" val="2967202948"/>
+      </p:ext>
+    </p:extLst>
+  </p:cSld>
+  <p:clrMapOvr>
+    <a:masterClrMapping/>
+  </p:clrMapOvr>
+</p:sld>
+</file>
+
+<file path=ppt/slides/slide6.xml><?xml version="1.0" encoding="utf-8"?>
+<p:sld xmlns:a="http://schemas.openxmlformats.org/drawingml/2006/main" xmlns:r="http://schemas.openxmlformats.org/officeDocument/2006/relationships" xmlns:p="http://schemas.openxmlformats.org/presentationml/2006/main">
+  <p:cSld>
+    <p:spTree>
+      <p:nvGrpSpPr>
+        <p:cNvPr id="1" name=""/>
+        <p:cNvGrpSpPr/>
+        <p:nvPr/>
+      </p:nvGrpSpPr>
+      <p:grpSpPr>
+        <a:xfrm>
+          <a:off x="0" y="0"/>
+          <a:ext cx="0" cy="0"/>
+          <a:chOff x="0" y="0"/>
+          <a:chExt cx="0" cy="0"/>
+        </a:xfrm>
+      </p:grpSpPr>
+      <p:sp>
+        <p:nvSpPr>
+          <p:cNvPr id="2" name="Прямоугольник 1"/>
+          <p:cNvSpPr/>
+          <p:nvPr/>
+        </p:nvSpPr>
+        <p:spPr>
+          <a:xfrm>
+            <a:off x="467544" y="188640"/>
+            <a:ext cx="8208912" cy="954107"/>
+          </a:xfrm>
+          <a:prstGeom prst="rect">
+            <a:avLst/>
+          </a:prstGeom>
+        </p:spPr>
+        <p:txBody>
+          <a:bodyPr wrap="square">
+            <a:spAutoFit/>
+          </a:bodyPr>
+          <a:lstStyle/>
+          <a:p>
+            <a:pPr algn="ctr"/>
+            <a:r>
+              <a:rPr lang="ru-RU" sz="2800" dirty="0"/>
+              <a:t>Включение разрабатываемой системы в </a:t>
+            </a:r>
+            <a:r>
+              <a:rPr lang="ru-RU" sz="2800" dirty="0" smtClean="0"/>
+              <a:t>ИС по обработке данных</a:t>
+            </a:r>
+            <a:endParaRPr lang="uk-UA" sz="2800" dirty="0"/>
+          </a:p>
+        </p:txBody>
+      </p:sp>
+      <p:pic>
+        <p:nvPicPr>
+          <p:cNvPr id="3" name="Рисунок 2" descr="диаграмма"/>
+          <p:cNvPicPr/>
+          <p:nvPr/>
+        </p:nvPicPr>
+        <p:blipFill>
+          <a:blip r:embed="rId2" cstate="print">
+            <a:extLst>
+              <a:ext uri="{28A0092B-C50C-407E-A947-70E740481C1C}">
+                <a14:useLocalDpi xmlns:a14="http://schemas.microsoft.com/office/drawing/2010/main" val="0"/>
+              </a:ext>
+            </a:extLst>
+          </a:blip>
+          <a:srcRect/>
+          <a:stretch>
+            <a:fillRect/>
+          </a:stretch>
+        </p:blipFill>
+        <p:spPr bwMode="auto">
+          <a:xfrm>
+            <a:off x="827584" y="1484784"/>
+            <a:ext cx="7704856" cy="5184576"/>
+          </a:xfrm>
+          <a:prstGeom prst="rect">
+            <a:avLst/>
+          </a:prstGeom>
+          <a:noFill/>
+          <a:ln>
+            <a:noFill/>
+          </a:ln>
+        </p:spPr>
+      </p:pic>
+    </p:spTree>
+    <p:extLst>
+      <p:ext uri="{BB962C8B-B14F-4D97-AF65-F5344CB8AC3E}">
+        <p14:creationId xmlns:p14="http://schemas.microsoft.com/office/powerpoint/2010/main" val="2372334444"/>
+      </p:ext>
+    </p:extLst>
+  </p:cSld>
+  <p:clrMapOvr>
+    <a:masterClrMapping/>
+  </p:clrMapOvr>
+</p:sld>
+</file>
+
+<file path=ppt/slides/slide7.xml><?xml version="1.0" encoding="utf-8"?>
+<p:sld xmlns:a="http://schemas.openxmlformats.org/drawingml/2006/main" xmlns:r="http://schemas.openxmlformats.org/officeDocument/2006/relationships" xmlns:p="http://schemas.openxmlformats.org/presentationml/2006/main">
+  <p:cSld>
+    <p:spTree>
+      <p:nvGrpSpPr>
+        <p:cNvPr id="1" name=""/>
+        <p:cNvGrpSpPr/>
+        <p:nvPr/>
+      </p:nvGrpSpPr>
+      <p:grpSpPr>
+        <a:xfrm>
+          <a:off x="0" y="0"/>
+          <a:ext cx="0" cy="0"/>
+          <a:chOff x="0" y="0"/>
+          <a:chExt cx="0" cy="0"/>
+        </a:xfrm>
+      </p:grpSpPr>
+      <p:pic>
+        <p:nvPicPr>
+          <p:cNvPr id="2" name="Рисунок 1"/>
+          <p:cNvPicPr/>
+          <p:nvPr/>
+        </p:nvPicPr>
+        <p:blipFill>
+          <a:blip r:embed="rId2">
+            <a:extLst>
+              <a:ext uri="{28A0092B-C50C-407E-A947-70E740481C1C}">
+                <a14:useLocalDpi xmlns:a14="http://schemas.microsoft.com/office/drawing/2010/main" val="0"/>
+              </a:ext>
+            </a:extLst>
+          </a:blip>
+          <a:stretch>
+            <a:fillRect/>
+          </a:stretch>
+        </p:blipFill>
+        <p:spPr>
+          <a:xfrm>
+            <a:off x="0" y="2420888"/>
+            <a:ext cx="9144000" cy="2448272"/>
+          </a:xfrm>
+          <a:prstGeom prst="rect">
+            <a:avLst/>
+          </a:prstGeom>
+        </p:spPr>
+      </p:pic>
+      <p:sp>
+        <p:nvSpPr>
+          <p:cNvPr id="3" name="Прямоугольник 2"/>
+          <p:cNvSpPr/>
+          <p:nvPr/>
+        </p:nvSpPr>
+        <p:spPr>
+          <a:xfrm>
+            <a:off x="0" y="17658"/>
+            <a:ext cx="9144000" cy="1231106"/>
+          </a:xfrm>
+          <a:prstGeom prst="rect">
+            <a:avLst/>
+          </a:prstGeom>
+        </p:spPr>
+        <p:txBody>
+          <a:bodyPr wrap="square">
+            <a:spAutoFit/>
+          </a:bodyPr>
+          <a:lstStyle/>
+          <a:p>
+            <a:pPr algn="ctr"/>
+            <a:r>
+              <a:rPr lang="ru-RU" sz="2800" dirty="0"/>
+              <a:t>Комплекс технологий используемый при проектировании системы</a:t>
+            </a:r>
+            <a:r>
+              <a:rPr lang="ru-RU" dirty="0"/>
+              <a:t/>
+            </a:r>
+            <a:br>
+              <a:rPr lang="ru-RU" dirty="0"/>
+            </a:br>
+            <a:endParaRPr lang="uk-UA" dirty="0"/>
+          </a:p>
+        </p:txBody>
+      </p:sp>
+    </p:spTree>
+    <p:extLst>
+      <p:ext uri="{BB962C8B-B14F-4D97-AF65-F5344CB8AC3E}">
+        <p14:creationId xmlns:p14="http://schemas.microsoft.com/office/powerpoint/2010/main" val="2386831499"/>
+      </p:ext>
+    </p:extLst>
+  </p:cSld>
+  <p:clrMapOvr>
+    <a:masterClrMapping/>
+  </p:clrMapOvr>
+</p:sld>
+</file>
+
+<file path=ppt/slides/slide8.xml><?xml version="1.0" encoding="utf-8"?>
+<p:sld xmlns:a="http://schemas.openxmlformats.org/drawingml/2006/main" xmlns:r="http://schemas.openxmlformats.org/officeDocument/2006/relationships" xmlns:p="http://schemas.openxmlformats.org/presentationml/2006/main">
+  <p:cSld>
+    <p:spTree>
+      <p:nvGrpSpPr>
+        <p:cNvPr id="1" name=""/>
+        <p:cNvGrpSpPr/>
+        <p:nvPr/>
+      </p:nvGrpSpPr>
+      <p:grpSpPr>
+        <a:xfrm>
+          <a:off x="0" y="0"/>
+          <a:ext cx="0" cy="0"/>
+          <a:chOff x="0" y="0"/>
+          <a:chExt cx="0" cy="0"/>
+        </a:xfrm>
+      </p:grpSpPr>
+      <p:sp>
+        <p:nvSpPr>
+          <p:cNvPr id="2" name="Прямоугольник 1"/>
+          <p:cNvSpPr/>
+          <p:nvPr/>
+        </p:nvSpPr>
+        <p:spPr>
+          <a:xfrm>
+            <a:off x="0" y="84102"/>
+            <a:ext cx="9144000" cy="584775"/>
+          </a:xfrm>
+          <a:prstGeom prst="rect">
+            <a:avLst/>
+          </a:prstGeom>
+        </p:spPr>
+        <p:txBody>
+          <a:bodyPr wrap="square">
+            <a:spAutoFit/>
+          </a:bodyPr>
+          <a:lstStyle/>
+          <a:p>
+            <a:pPr algn="ctr"/>
+            <a:r>
+              <a:rPr lang="ru-RU" sz="3200" dirty="0"/>
+              <a:t>Эффективности комплекса технологий</a:t>
+            </a:r>
+            <a:endParaRPr lang="uk-UA" sz="3200" dirty="0"/>
+          </a:p>
+        </p:txBody>
+      </p:sp>
+      <p:graphicFrame>
+        <p:nvGraphicFramePr>
+          <p:cNvPr id="3" name="Таблица 2"/>
+          <p:cNvGraphicFramePr>
+            <a:graphicFrameLocks noGrp="1"/>
+          </p:cNvGraphicFramePr>
+          <p:nvPr>
+            <p:extLst>
+              <p:ext uri="{D42A27DB-BD31-4B8C-83A1-F6EECF244321}">
+                <p14:modId xmlns:p14="http://schemas.microsoft.com/office/powerpoint/2010/main" val="1864052413"/>
+              </p:ext>
+            </p:extLst>
+          </p:nvPr>
+        </p:nvGraphicFramePr>
+        <p:xfrm>
+          <a:off x="539552" y="5445224"/>
+          <a:ext cx="8128000" cy="1010920"/>
+        </p:xfrm>
+        <a:graphic>
+          <a:graphicData uri="http://schemas.openxmlformats.org/drawingml/2006/table">
+            <a:tbl>
+              <a:tblPr firstRow="1" bandRow="1">
+                <a:tableStyleId>{5940675A-B579-460E-94D1-54222C63F5DA}</a:tableStyleId>
+              </a:tblPr>
+              <a:tblGrid>
+                <a:gridCol w="4064000"/>
+                <a:gridCol w="4064000"/>
+              </a:tblGrid>
+              <a:tr h="370840">
+                <a:tc>
+                  <a:txBody>
+                    <a:bodyPr/>
+                    <a:lstStyle/>
+                    <a:p>
+                      <a:pPr algn="ctr"/>
+                      <a:r>
+                        <a:rPr lang="en-US" dirty="0" smtClean="0"/>
+                        <a:t>Q*</a:t>
+                      </a:r>
+                      <a:r>
+                        <a:rPr lang="en-US" baseline="0" dirty="0" smtClean="0"/>
+                        <a:t> </a:t>
+                      </a:r>
+                      <a:r>
+                        <a:rPr lang="ru-RU" baseline="0" dirty="0" smtClean="0"/>
+                        <a:t>выбранного комплекса технологий</a:t>
+                      </a:r>
+                      <a:endParaRPr lang="ru-RU" b="1" dirty="0">
+                        <a:solidFill>
+                          <a:schemeClr val="tx1"/>
+                        </a:solidFill>
+                      </a:endParaRPr>
+                    </a:p>
+                  </a:txBody>
+                  <a:tcPr/>
+                </a:tc>
+                <a:tc>
+                  <a:txBody>
+                    <a:bodyPr/>
+                    <a:lstStyle/>
+                    <a:p>
+                      <a:pPr marL="0" marR="0" lvl="0" indent="0" algn="ctr" defTabSz="457200" rtl="0" eaLnBrk="1" fontAlgn="auto" latinLnBrk="0" hangingPunct="1">
+                        <a:lnSpc>
+                          <a:spcPct val="100000"/>
+                        </a:lnSpc>
+                        <a:spcBef>
+                          <a:spcPts val="0"/>
+                        </a:spcBef>
+                        <a:spcAft>
+                          <a:spcPts val="0"/>
+                        </a:spcAft>
+                        <a:buClrTx/>
+                        <a:buSzTx/>
+                        <a:buFontTx/>
+                        <a:buNone/>
+                        <a:tabLst/>
+                        <a:defRPr/>
+                      </a:pPr>
+                      <a:r>
+                        <a:rPr lang="en-US" dirty="0" smtClean="0"/>
+                        <a:t>Q*</a:t>
+                      </a:r>
+                      <a:r>
+                        <a:rPr lang="en-US" baseline="0" dirty="0" smtClean="0"/>
+                        <a:t> </a:t>
+                      </a:r>
+                      <a:r>
+                        <a:rPr lang="ru-RU" baseline="0" dirty="0" smtClean="0"/>
+                        <a:t>альтернативного комплекса технологий</a:t>
+                      </a:r>
+                      <a:endParaRPr lang="ru-RU" b="1" dirty="0" smtClean="0">
+                        <a:solidFill>
+                          <a:schemeClr val="tx1"/>
+                        </a:solidFill>
+                      </a:endParaRPr>
+                    </a:p>
+                  </a:txBody>
+                  <a:tcPr/>
+                </a:tc>
+              </a:tr>
+              <a:tr h="370840">
+                <a:tc>
+                  <a:txBody>
+                    <a:bodyPr/>
+                    <a:lstStyle/>
+                    <a:p>
+                      <a:pPr algn="ctr"/>
+                      <a:r>
+                        <a:rPr lang="ru-RU" smtClean="0"/>
+                        <a:t>0,789</a:t>
+                      </a:r>
+                      <a:endParaRPr lang="ru-RU" b="1" dirty="0">
+                        <a:solidFill>
+                          <a:schemeClr val="tx1"/>
+                        </a:solidFill>
+                      </a:endParaRPr>
+                    </a:p>
+                  </a:txBody>
+                  <a:tcPr/>
+                </a:tc>
+                <a:tc>
+                  <a:txBody>
+                    <a:bodyPr/>
+                    <a:lstStyle/>
+                    <a:p>
+                      <a:pPr algn="ctr"/>
+                      <a:r>
+                        <a:rPr lang="ru-RU" dirty="0" smtClean="0"/>
+                        <a:t>0,687</a:t>
+                      </a:r>
+                      <a:endParaRPr lang="ru-RU" dirty="0">
+                        <a:solidFill>
+                          <a:schemeClr val="tx1"/>
+                        </a:solidFill>
+                      </a:endParaRPr>
+                    </a:p>
+                  </a:txBody>
+                  <a:tcPr/>
+                </a:tc>
+              </a:tr>
+            </a:tbl>
+          </a:graphicData>
+        </a:graphic>
+      </p:graphicFrame>
+      <p:graphicFrame>
+        <p:nvGraphicFramePr>
+          <p:cNvPr id="4" name="Таблица 3"/>
+          <p:cNvGraphicFramePr>
+            <a:graphicFrameLocks noGrp="1"/>
+          </p:cNvGraphicFramePr>
+          <p:nvPr>
+            <p:extLst>
+              <p:ext uri="{D42A27DB-BD31-4B8C-83A1-F6EECF244321}">
+                <p14:modId xmlns:p14="http://schemas.microsoft.com/office/powerpoint/2010/main" val="1503179590"/>
+              </p:ext>
+            </p:extLst>
+          </p:nvPr>
+        </p:nvGraphicFramePr>
+        <p:xfrm>
+          <a:off x="539552" y="668877"/>
+          <a:ext cx="8136903" cy="4585063"/>
+        </p:xfrm>
+        <a:graphic>
+          <a:graphicData uri="http://schemas.openxmlformats.org/drawingml/2006/table">
+            <a:tbl>
+              <a:tblPr firstRow="1" firstCol="1" bandRow="1">
+                <a:tableStyleId>{5940675A-B579-460E-94D1-54222C63F5DA}</a:tableStyleId>
+              </a:tblPr>
+              <a:tblGrid>
+                <a:gridCol w="492829"/>
+                <a:gridCol w="3823343"/>
+                <a:gridCol w="3820731"/>
+              </a:tblGrid>
+              <a:tr h="163286">
+                <a:tc>
+                  <a:txBody>
+                    <a:bodyPr/>
+                    <a:lstStyle/>
+                    <a:p>
+                      <a:pPr algn="ctr">
+                        <a:spcAft>
+                          <a:spcPts val="0"/>
+                        </a:spcAft>
+                        <a:tabLst>
+                          <a:tab pos="90170" algn="l"/>
+                        </a:tabLst>
+                      </a:pPr>
+                      <a:r>
+                        <a:rPr lang="ru-RU" sz="1100" dirty="0">
+                          <a:effectLst/>
+                        </a:rPr>
+                        <a:t>№</a:t>
+                      </a:r>
+                      <a:endParaRPr lang="uk-UA" sz="1100" dirty="0">
+                        <a:effectLst/>
+                        <a:latin typeface="Times New Roman"/>
+                        <a:ea typeface="Times New Roman"/>
+                        <a:cs typeface="Times New Roman"/>
+                      </a:endParaRPr>
+                    </a:p>
+                  </a:txBody>
+                  <a:tcPr marL="61232" marR="61232" marT="0" marB="0"/>
+                </a:tc>
+                <a:tc>
+                  <a:txBody>
+                    <a:bodyPr/>
+                    <a:lstStyle/>
+                    <a:p>
+                      <a:pPr algn="ctr">
+                        <a:spcAft>
+                          <a:spcPts val="0"/>
+                        </a:spcAft>
+                        <a:tabLst>
+                          <a:tab pos="90170" algn="l"/>
+                        </a:tabLst>
+                      </a:pPr>
+                      <a:r>
+                        <a:rPr lang="ru-RU" sz="1100">
+                          <a:effectLst/>
+                        </a:rPr>
+                        <a:t>Критерии</a:t>
+                      </a:r>
+                      <a:endParaRPr lang="uk-UA" sz="1100">
+                        <a:effectLst/>
+                        <a:latin typeface="Times New Roman"/>
+                        <a:ea typeface="Times New Roman"/>
+                        <a:cs typeface="Times New Roman"/>
+                      </a:endParaRPr>
+                    </a:p>
+                  </a:txBody>
+                  <a:tcPr marL="61232" marR="61232" marT="0" marB="0"/>
+                </a:tc>
+                <a:tc>
+                  <a:txBody>
+                    <a:bodyPr/>
+                    <a:lstStyle/>
+                    <a:p>
+                      <a:pPr algn="ctr">
+                        <a:spcAft>
+                          <a:spcPts val="0"/>
+                        </a:spcAft>
+                        <a:tabLst>
+                          <a:tab pos="90170" algn="l"/>
+                        </a:tabLst>
+                      </a:pPr>
+                      <a:r>
+                        <a:rPr lang="ru-RU" sz="1100">
+                          <a:effectLst/>
+                        </a:rPr>
+                        <a:t>Комментарий</a:t>
+                      </a:r>
+                      <a:endParaRPr lang="uk-UA" sz="1100">
+                        <a:effectLst/>
+                        <a:latin typeface="Times New Roman"/>
+                        <a:ea typeface="Times New Roman"/>
+                        <a:cs typeface="Times New Roman"/>
+                      </a:endParaRPr>
+                    </a:p>
+                  </a:txBody>
+                  <a:tcPr marL="61232" marR="61232" marT="0" marB="0"/>
+                </a:tc>
+              </a:tr>
+              <a:tr h="326571">
+                <a:tc>
+                  <a:txBody>
+                    <a:bodyPr/>
+                    <a:lstStyle/>
+                    <a:p>
+                      <a:pPr algn="ctr">
+                        <a:spcAft>
+                          <a:spcPts val="0"/>
+                        </a:spcAft>
+                        <a:tabLst>
+                          <a:tab pos="90170" algn="l"/>
+                        </a:tabLst>
+                      </a:pPr>
+                      <a:r>
+                        <a:rPr lang="ru-RU" sz="1100">
+                          <a:effectLst/>
+                        </a:rPr>
+                        <a:t>1</a:t>
+                      </a:r>
+                      <a:endParaRPr lang="uk-UA" sz="1100">
+                        <a:effectLst/>
+                        <a:latin typeface="Times New Roman"/>
+                        <a:ea typeface="Times New Roman"/>
+                        <a:cs typeface="Times New Roman"/>
+                      </a:endParaRPr>
+                    </a:p>
+                  </a:txBody>
+                  <a:tcPr marL="61232" marR="61232" marT="0" marB="0"/>
+                </a:tc>
+                <a:tc>
+                  <a:txBody>
+                    <a:bodyPr/>
+                    <a:lstStyle/>
+                    <a:p>
+                      <a:pPr algn="l">
+                        <a:spcAft>
+                          <a:spcPts val="0"/>
+                        </a:spcAft>
+                        <a:tabLst>
+                          <a:tab pos="90170" algn="l"/>
+                        </a:tabLst>
+                      </a:pPr>
+                      <a:r>
+                        <a:rPr lang="ru-RU" sz="1100">
+                          <a:effectLst/>
+                        </a:rPr>
+                        <a:t>Группа критериев доступности технологий, </a:t>
+                      </a:r>
+                      <a:r>
+                        <a:rPr lang="en-US" sz="1100">
+                          <a:effectLst/>
+                        </a:rPr>
+                        <a:t>Q</a:t>
+                      </a:r>
+                      <a:r>
+                        <a:rPr lang="ru-RU" sz="1100">
+                          <a:effectLst/>
+                        </a:rPr>
+                        <a:t>1</a:t>
+                      </a:r>
+                      <a:endParaRPr lang="uk-UA" sz="1100">
+                        <a:effectLst/>
+                        <a:latin typeface="Times New Roman"/>
+                        <a:ea typeface="Times New Roman"/>
+                        <a:cs typeface="Times New Roman"/>
+                      </a:endParaRPr>
+                    </a:p>
+                  </a:txBody>
+                  <a:tcPr marL="61232" marR="61232" marT="0" marB="0" anchor="ctr"/>
+                </a:tc>
+                <a:tc>
+                  <a:txBody>
+                    <a:bodyPr/>
+                    <a:lstStyle/>
+                    <a:p>
+                      <a:pPr algn="l">
+                        <a:spcAft>
+                          <a:spcPts val="0"/>
+                        </a:spcAft>
+                        <a:tabLst>
+                          <a:tab pos="90170" algn="l"/>
+                        </a:tabLst>
+                      </a:pPr>
+                      <a:r>
+                        <a:rPr lang="ru-RU" sz="1100">
+                          <a:effectLst/>
+                        </a:rPr>
+                        <a:t> </a:t>
+                      </a:r>
+                      <a:endParaRPr lang="uk-UA" sz="1100">
+                        <a:effectLst/>
+                        <a:latin typeface="Times New Roman"/>
+                        <a:ea typeface="Times New Roman"/>
+                        <a:cs typeface="Times New Roman"/>
+                      </a:endParaRPr>
+                    </a:p>
+                  </a:txBody>
+                  <a:tcPr marL="61232" marR="61232" marT="0" marB="0" anchor="ctr"/>
+                </a:tc>
+              </a:tr>
+              <a:tr h="326571">
+                <a:tc>
+                  <a:txBody>
+                    <a:bodyPr/>
+                    <a:lstStyle/>
+                    <a:p>
+                      <a:pPr algn="ctr">
+                        <a:spcAft>
+                          <a:spcPts val="0"/>
+                        </a:spcAft>
+                        <a:tabLst>
+                          <a:tab pos="90170" algn="l"/>
+                        </a:tabLst>
+                      </a:pPr>
+                      <a:r>
+                        <a:rPr lang="ru-RU" sz="1100">
+                          <a:effectLst/>
+                        </a:rPr>
+                        <a:t>1.1</a:t>
+                      </a:r>
+                      <a:endParaRPr lang="uk-UA" sz="1100">
+                        <a:effectLst/>
+                        <a:latin typeface="Times New Roman"/>
+                        <a:ea typeface="Times New Roman"/>
+                        <a:cs typeface="Times New Roman"/>
+                      </a:endParaRPr>
+                    </a:p>
+                  </a:txBody>
+                  <a:tcPr marL="61232" marR="61232" marT="0" marB="0"/>
+                </a:tc>
+                <a:tc>
+                  <a:txBody>
+                    <a:bodyPr/>
+                    <a:lstStyle/>
+                    <a:p>
+                      <a:pPr algn="l">
+                        <a:spcAft>
+                          <a:spcPts val="0"/>
+                        </a:spcAft>
+                        <a:tabLst>
+                          <a:tab pos="90170" algn="l"/>
+                        </a:tabLst>
+                      </a:pPr>
+                      <a:r>
+                        <a:rPr lang="ru-RU" sz="1100">
+                          <a:effectLst/>
+                        </a:rPr>
+                        <a:t>Лицензирование, </a:t>
+                      </a:r>
+                      <a:r>
+                        <a:rPr lang="en-US" sz="1100">
+                          <a:effectLst/>
+                        </a:rPr>
+                        <a:t>q</a:t>
+                      </a:r>
+                      <a:r>
+                        <a:rPr lang="ru-RU" sz="1100">
+                          <a:effectLst/>
+                        </a:rPr>
+                        <a:t>1</a:t>
+                      </a:r>
+                      <a:endParaRPr lang="uk-UA" sz="1100">
+                        <a:effectLst/>
+                        <a:latin typeface="Times New Roman"/>
+                        <a:ea typeface="Times New Roman"/>
+                        <a:cs typeface="Times New Roman"/>
+                      </a:endParaRPr>
+                    </a:p>
+                  </a:txBody>
+                  <a:tcPr marL="61232" marR="61232" marT="0" marB="0" anchor="ctr"/>
+                </a:tc>
+                <a:tc>
+                  <a:txBody>
+                    <a:bodyPr/>
+                    <a:lstStyle/>
+                    <a:p>
+                      <a:pPr algn="l">
+                        <a:spcAft>
+                          <a:spcPts val="0"/>
+                        </a:spcAft>
+                        <a:tabLst>
+                          <a:tab pos="90170" algn="l"/>
+                        </a:tabLst>
+                      </a:pPr>
+                      <a:r>
+                        <a:rPr lang="ru-RU" sz="1100">
+                          <a:effectLst/>
+                        </a:rPr>
+                        <a:t>Все использованное ПО лицензированное</a:t>
+                      </a:r>
+                      <a:endParaRPr lang="uk-UA" sz="1100">
+                        <a:effectLst/>
+                        <a:latin typeface="Times New Roman"/>
+                        <a:ea typeface="Times New Roman"/>
+                        <a:cs typeface="Times New Roman"/>
+                      </a:endParaRPr>
+                    </a:p>
+                  </a:txBody>
+                  <a:tcPr marL="61232" marR="61232" marT="0" marB="0" anchor="ctr"/>
+                </a:tc>
+              </a:tr>
+              <a:tr h="816429">
+                <a:tc>
+                  <a:txBody>
+                    <a:bodyPr/>
+                    <a:lstStyle/>
+                    <a:p>
+                      <a:pPr algn="ctr">
+                        <a:spcAft>
+                          <a:spcPts val="0"/>
+                        </a:spcAft>
+                        <a:tabLst>
+                          <a:tab pos="90170" algn="l"/>
+                        </a:tabLst>
+                      </a:pPr>
+                      <a:r>
+                        <a:rPr lang="ru-RU" sz="1100">
+                          <a:effectLst/>
+                        </a:rPr>
+                        <a:t>1.2</a:t>
+                      </a:r>
+                      <a:endParaRPr lang="uk-UA" sz="1100">
+                        <a:effectLst/>
+                        <a:latin typeface="Times New Roman"/>
+                        <a:ea typeface="Times New Roman"/>
+                        <a:cs typeface="Times New Roman"/>
+                      </a:endParaRPr>
+                    </a:p>
+                  </a:txBody>
+                  <a:tcPr marL="61232" marR="61232" marT="0" marB="0"/>
+                </a:tc>
+                <a:tc>
+                  <a:txBody>
+                    <a:bodyPr/>
+                    <a:lstStyle/>
+                    <a:p>
+                      <a:pPr algn="l">
+                        <a:spcAft>
+                          <a:spcPts val="0"/>
+                        </a:spcAft>
+                        <a:tabLst>
+                          <a:tab pos="90170" algn="l"/>
+                        </a:tabLst>
+                      </a:pPr>
+                      <a:r>
+                        <a:rPr lang="ru-RU" sz="1100">
+                          <a:effectLst/>
+                        </a:rPr>
+                        <a:t>В свободном доступе</a:t>
+                      </a:r>
+                      <a:r>
+                        <a:rPr lang="en-US" sz="1100">
+                          <a:effectLst/>
+                        </a:rPr>
+                        <a:t>, q2</a:t>
+                      </a:r>
+                      <a:endParaRPr lang="uk-UA" sz="1100">
+                        <a:effectLst/>
+                        <a:latin typeface="Times New Roman"/>
+                        <a:ea typeface="Times New Roman"/>
+                        <a:cs typeface="Times New Roman"/>
+                      </a:endParaRPr>
+                    </a:p>
+                  </a:txBody>
+                  <a:tcPr marL="61232" marR="61232" marT="0" marB="0" anchor="ctr"/>
+                </a:tc>
+                <a:tc>
+                  <a:txBody>
+                    <a:bodyPr/>
+                    <a:lstStyle/>
+                    <a:p>
+                      <a:pPr algn="l">
+                        <a:spcAft>
+                          <a:spcPts val="0"/>
+                        </a:spcAft>
+                        <a:tabLst>
+                          <a:tab pos="90170" algn="l"/>
+                        </a:tabLst>
+                      </a:pPr>
+                      <a:r>
+                        <a:rPr lang="ru-RU" sz="1100">
+                          <a:effectLst/>
+                        </a:rPr>
+                        <a:t>Является ли выбранное ПО условно бесплатным (существование бесплатных урезанных версий продукта для учебных заведений или триал версии для ознакомления)</a:t>
+                      </a:r>
+                      <a:endParaRPr lang="uk-UA" sz="1100">
+                        <a:effectLst/>
+                        <a:latin typeface="Times New Roman"/>
+                        <a:ea typeface="Times New Roman"/>
+                        <a:cs typeface="Times New Roman"/>
+                      </a:endParaRPr>
+                    </a:p>
+                  </a:txBody>
+                  <a:tcPr marL="61232" marR="61232" marT="0" marB="0" anchor="ctr"/>
+                </a:tc>
+              </a:tr>
+              <a:tr h="163286">
+                <a:tc>
+                  <a:txBody>
+                    <a:bodyPr/>
+                    <a:lstStyle/>
+                    <a:p>
+                      <a:pPr algn="ctr">
+                        <a:spcAft>
+                          <a:spcPts val="0"/>
+                        </a:spcAft>
+                        <a:tabLst>
+                          <a:tab pos="90170" algn="l"/>
+                        </a:tabLst>
+                      </a:pPr>
+                      <a:r>
+                        <a:rPr lang="ru-RU" sz="1100">
+                          <a:effectLst/>
+                        </a:rPr>
+                        <a:t>2</a:t>
+                      </a:r>
+                      <a:endParaRPr lang="uk-UA" sz="1100">
+                        <a:effectLst/>
+                        <a:latin typeface="Times New Roman"/>
+                        <a:ea typeface="Times New Roman"/>
+                        <a:cs typeface="Times New Roman"/>
+                      </a:endParaRPr>
+                    </a:p>
+                  </a:txBody>
+                  <a:tcPr marL="61232" marR="61232" marT="0" marB="0"/>
+                </a:tc>
+                <a:tc>
+                  <a:txBody>
+                    <a:bodyPr/>
+                    <a:lstStyle/>
+                    <a:p>
+                      <a:pPr algn="l">
+                        <a:spcAft>
+                          <a:spcPts val="0"/>
+                        </a:spcAft>
+                        <a:tabLst>
+                          <a:tab pos="90170" algn="l"/>
+                        </a:tabLst>
+                      </a:pPr>
+                      <a:r>
+                        <a:rPr lang="ru-RU" sz="1100">
+                          <a:effectLst/>
+                        </a:rPr>
+                        <a:t>Группа критериев применимости, Q2</a:t>
+                      </a:r>
+                      <a:endParaRPr lang="uk-UA" sz="1100">
+                        <a:effectLst/>
+                        <a:latin typeface="Times New Roman"/>
+                        <a:ea typeface="Times New Roman"/>
+                        <a:cs typeface="Times New Roman"/>
+                      </a:endParaRPr>
+                    </a:p>
+                  </a:txBody>
+                  <a:tcPr marL="61232" marR="61232" marT="0" marB="0" anchor="ctr"/>
+                </a:tc>
+                <a:tc>
+                  <a:txBody>
+                    <a:bodyPr/>
+                    <a:lstStyle/>
+                    <a:p>
+                      <a:pPr algn="l">
+                        <a:spcAft>
+                          <a:spcPts val="0"/>
+                        </a:spcAft>
+                        <a:tabLst>
+                          <a:tab pos="90170" algn="l"/>
+                        </a:tabLst>
+                      </a:pPr>
+                      <a:r>
+                        <a:rPr lang="ru-RU" sz="1100">
+                          <a:effectLst/>
+                        </a:rPr>
+                        <a:t> </a:t>
+                      </a:r>
+                      <a:endParaRPr lang="uk-UA" sz="1100">
+                        <a:effectLst/>
+                        <a:latin typeface="Times New Roman"/>
+                        <a:ea typeface="Times New Roman"/>
+                        <a:cs typeface="Times New Roman"/>
+                      </a:endParaRPr>
+                    </a:p>
+                  </a:txBody>
+                  <a:tcPr marL="61232" marR="61232" marT="0" marB="0" anchor="ctr"/>
+                </a:tc>
+              </a:tr>
+              <a:tr h="489857">
+                <a:tc>
+                  <a:txBody>
+                    <a:bodyPr/>
+                    <a:lstStyle/>
+                    <a:p>
+                      <a:pPr algn="ctr">
+                        <a:spcAft>
+                          <a:spcPts val="0"/>
+                        </a:spcAft>
+                        <a:tabLst>
+                          <a:tab pos="90170" algn="l"/>
+                        </a:tabLst>
+                      </a:pPr>
+                      <a:r>
+                        <a:rPr lang="ru-RU" sz="1100">
+                          <a:effectLst/>
+                        </a:rPr>
+                        <a:t>2.1</a:t>
+                      </a:r>
+                      <a:endParaRPr lang="uk-UA" sz="1100">
+                        <a:effectLst/>
+                        <a:latin typeface="Times New Roman"/>
+                        <a:ea typeface="Times New Roman"/>
+                        <a:cs typeface="Times New Roman"/>
+                      </a:endParaRPr>
+                    </a:p>
+                  </a:txBody>
+                  <a:tcPr marL="61232" marR="61232" marT="0" marB="0"/>
+                </a:tc>
+                <a:tc>
+                  <a:txBody>
+                    <a:bodyPr/>
+                    <a:lstStyle/>
+                    <a:p>
+                      <a:pPr algn="l">
+                        <a:spcAft>
+                          <a:spcPts val="0"/>
+                        </a:spcAft>
+                        <a:tabLst>
+                          <a:tab pos="90170" algn="l"/>
+                        </a:tabLst>
+                      </a:pPr>
+                      <a:r>
+                        <a:rPr lang="ru-RU" sz="1100">
+                          <a:effectLst/>
+                        </a:rPr>
+                        <a:t>Применимо к нескольким этапам, </a:t>
+                      </a:r>
+                      <a:r>
+                        <a:rPr lang="en-US" sz="1100">
+                          <a:effectLst/>
+                        </a:rPr>
+                        <a:t>q</a:t>
+                      </a:r>
+                      <a:r>
+                        <a:rPr lang="ru-RU" sz="1100">
+                          <a:effectLst/>
+                        </a:rPr>
+                        <a:t>3</a:t>
+                      </a:r>
+                      <a:endParaRPr lang="uk-UA" sz="1100">
+                        <a:effectLst/>
+                        <a:latin typeface="Times New Roman"/>
+                        <a:ea typeface="Times New Roman"/>
+                        <a:cs typeface="Times New Roman"/>
+                      </a:endParaRPr>
+                    </a:p>
+                  </a:txBody>
+                  <a:tcPr marL="61232" marR="61232" marT="0" marB="0" anchor="ctr"/>
+                </a:tc>
+                <a:tc>
+                  <a:txBody>
+                    <a:bodyPr/>
+                    <a:lstStyle/>
+                    <a:p>
+                      <a:pPr algn="l">
+                        <a:spcAft>
+                          <a:spcPts val="0"/>
+                        </a:spcAft>
+                        <a:tabLst>
+                          <a:tab pos="90170" algn="l"/>
+                        </a:tabLst>
+                      </a:pPr>
+                      <a:r>
+                        <a:rPr lang="ru-RU" sz="1100">
+                          <a:effectLst/>
+                        </a:rPr>
+                        <a:t>Возможность использования функционала ПО на различных этапах разработки ИС (</a:t>
+                      </a:r>
+                      <a:r>
+                        <a:rPr lang="en-US" sz="1100">
+                          <a:effectLst/>
+                        </a:rPr>
+                        <a:t>Excel</a:t>
+                      </a:r>
+                      <a:r>
+                        <a:rPr lang="ru-RU" sz="1100">
+                          <a:effectLst/>
+                        </a:rPr>
+                        <a:t>, </a:t>
+                      </a:r>
+                      <a:r>
+                        <a:rPr lang="en-US" sz="1100">
+                          <a:effectLst/>
+                        </a:rPr>
+                        <a:t>Ramus</a:t>
+                      </a:r>
+                      <a:r>
+                        <a:rPr lang="ru-RU" sz="1100">
+                          <a:effectLst/>
+                        </a:rPr>
+                        <a:t>, </a:t>
+                      </a:r>
+                      <a:r>
+                        <a:rPr lang="en-US" sz="1100">
+                          <a:effectLst/>
+                        </a:rPr>
+                        <a:t>Aris</a:t>
+                      </a:r>
+                      <a:r>
+                        <a:rPr lang="ru-RU" sz="1100">
+                          <a:effectLst/>
+                        </a:rPr>
+                        <a:t>)</a:t>
+                      </a:r>
+                      <a:endParaRPr lang="uk-UA" sz="1100">
+                        <a:effectLst/>
+                        <a:latin typeface="Times New Roman"/>
+                        <a:ea typeface="Times New Roman"/>
+                        <a:cs typeface="Times New Roman"/>
+                      </a:endParaRPr>
+                    </a:p>
+                  </a:txBody>
+                  <a:tcPr marL="61232" marR="61232" marT="0" marB="0" anchor="ctr"/>
+                </a:tc>
+              </a:tr>
+              <a:tr h="653143">
+                <a:tc>
+                  <a:txBody>
+                    <a:bodyPr/>
+                    <a:lstStyle/>
+                    <a:p>
+                      <a:pPr algn="ctr">
+                        <a:spcAft>
+                          <a:spcPts val="0"/>
+                        </a:spcAft>
+                        <a:tabLst>
+                          <a:tab pos="90170" algn="l"/>
+                        </a:tabLst>
+                      </a:pPr>
+                      <a:r>
+                        <a:rPr lang="ru-RU" sz="1100">
+                          <a:effectLst/>
+                        </a:rPr>
+                        <a:t>2.2</a:t>
+                      </a:r>
+                      <a:endParaRPr lang="uk-UA" sz="1100">
+                        <a:effectLst/>
+                        <a:latin typeface="Times New Roman"/>
+                        <a:ea typeface="Times New Roman"/>
+                        <a:cs typeface="Times New Roman"/>
+                      </a:endParaRPr>
+                    </a:p>
+                  </a:txBody>
+                  <a:tcPr marL="61232" marR="61232" marT="0" marB="0"/>
+                </a:tc>
+                <a:tc>
+                  <a:txBody>
+                    <a:bodyPr/>
+                    <a:lstStyle/>
+                    <a:p>
+                      <a:pPr algn="l">
+                        <a:spcAft>
+                          <a:spcPts val="0"/>
+                        </a:spcAft>
+                        <a:tabLst>
+                          <a:tab pos="90170" algn="l"/>
+                        </a:tabLst>
+                      </a:pPr>
+                      <a:r>
+                        <a:rPr lang="ru-RU" sz="1100">
+                          <a:effectLst/>
+                        </a:rPr>
+                        <a:t>Автоматизированость этапов проектирования</a:t>
+                      </a:r>
+                      <a:r>
+                        <a:rPr lang="en-US" sz="1100">
+                          <a:effectLst/>
+                        </a:rPr>
+                        <a:t>, q4</a:t>
+                      </a:r>
+                      <a:endParaRPr lang="uk-UA" sz="1100">
+                        <a:effectLst/>
+                        <a:latin typeface="Times New Roman"/>
+                        <a:ea typeface="Times New Roman"/>
+                        <a:cs typeface="Times New Roman"/>
+                      </a:endParaRPr>
+                    </a:p>
+                  </a:txBody>
+                  <a:tcPr marL="61232" marR="61232" marT="0" marB="0" anchor="ctr"/>
+                </a:tc>
+                <a:tc>
+                  <a:txBody>
+                    <a:bodyPr/>
+                    <a:lstStyle/>
+                    <a:p>
+                      <a:pPr algn="l">
+                        <a:spcAft>
+                          <a:spcPts val="0"/>
+                        </a:spcAft>
+                        <a:tabLst>
+                          <a:tab pos="90170" algn="l"/>
+                        </a:tabLst>
+                      </a:pPr>
+                      <a:r>
+                        <a:rPr lang="en-US" sz="1100">
+                          <a:effectLst/>
+                        </a:rPr>
+                        <a:t>Ramus Educational</a:t>
+                      </a:r>
+                      <a:r>
+                        <a:rPr lang="ru-RU" sz="1100">
+                          <a:effectLst/>
+                        </a:rPr>
+                        <a:t>, </a:t>
+                      </a:r>
+                      <a:r>
+                        <a:rPr lang="en-US" sz="1100">
+                          <a:effectLst/>
+                        </a:rPr>
+                        <a:t>ARIS</a:t>
+                      </a:r>
+                      <a:r>
+                        <a:rPr lang="ru-RU" sz="1100">
+                          <a:effectLst/>
+                        </a:rPr>
+                        <a:t> обладают автоматизацией при создании диаграмм и их описаний, а так же при создании отчетов</a:t>
+                      </a:r>
+                      <a:endParaRPr lang="uk-UA" sz="1100">
+                        <a:effectLst/>
+                        <a:latin typeface="Times New Roman"/>
+                        <a:ea typeface="Times New Roman"/>
+                        <a:cs typeface="Times New Roman"/>
+                      </a:endParaRPr>
+                    </a:p>
+                  </a:txBody>
+                  <a:tcPr marL="61232" marR="61232" marT="0" marB="0" anchor="ctr"/>
+                </a:tc>
+              </a:tr>
+              <a:tr h="163286">
+                <a:tc>
+                  <a:txBody>
+                    <a:bodyPr/>
+                    <a:lstStyle/>
+                    <a:p>
+                      <a:pPr algn="ctr">
+                        <a:spcAft>
+                          <a:spcPts val="0"/>
+                        </a:spcAft>
+                        <a:tabLst>
+                          <a:tab pos="90170" algn="l"/>
+                        </a:tabLst>
+                      </a:pPr>
+                      <a:r>
+                        <a:rPr lang="ru-RU" sz="1100">
+                          <a:effectLst/>
+                        </a:rPr>
+                        <a:t>3</a:t>
+                      </a:r>
+                      <a:endParaRPr lang="uk-UA" sz="1100">
+                        <a:effectLst/>
+                        <a:latin typeface="Times New Roman"/>
+                        <a:ea typeface="Times New Roman"/>
+                        <a:cs typeface="Times New Roman"/>
+                      </a:endParaRPr>
+                    </a:p>
+                  </a:txBody>
+                  <a:tcPr marL="61232" marR="61232" marT="0" marB="0"/>
+                </a:tc>
+                <a:tc>
+                  <a:txBody>
+                    <a:bodyPr/>
+                    <a:lstStyle/>
+                    <a:p>
+                      <a:pPr algn="l">
+                        <a:spcAft>
+                          <a:spcPts val="0"/>
+                        </a:spcAft>
+                        <a:tabLst>
+                          <a:tab pos="90170" algn="l"/>
+                        </a:tabLst>
+                      </a:pPr>
+                      <a:r>
+                        <a:rPr lang="ru-RU" sz="1100">
+                          <a:effectLst/>
+                        </a:rPr>
+                        <a:t>Группа критериев использования, </a:t>
+                      </a:r>
+                      <a:r>
+                        <a:rPr lang="en-US" sz="1100">
+                          <a:effectLst/>
+                        </a:rPr>
+                        <a:t>Q3</a:t>
+                      </a:r>
+                      <a:endParaRPr lang="uk-UA" sz="1100">
+                        <a:effectLst/>
+                        <a:latin typeface="Times New Roman"/>
+                        <a:ea typeface="Times New Roman"/>
+                        <a:cs typeface="Times New Roman"/>
+                      </a:endParaRPr>
+                    </a:p>
+                  </a:txBody>
+                  <a:tcPr marL="61232" marR="61232" marT="0" marB="0" anchor="ctr"/>
+                </a:tc>
+                <a:tc>
+                  <a:txBody>
+                    <a:bodyPr/>
+                    <a:lstStyle/>
+                    <a:p>
+                      <a:pPr algn="l">
+                        <a:spcAft>
+                          <a:spcPts val="0"/>
+                        </a:spcAft>
+                        <a:tabLst>
+                          <a:tab pos="90170" algn="l"/>
+                        </a:tabLst>
+                      </a:pPr>
+                      <a:r>
+                        <a:rPr lang="en-US" sz="1100">
+                          <a:effectLst/>
+                        </a:rPr>
+                        <a:t> </a:t>
+                      </a:r>
+                      <a:endParaRPr lang="uk-UA" sz="1100">
+                        <a:effectLst/>
+                        <a:latin typeface="Times New Roman"/>
+                        <a:ea typeface="Times New Roman"/>
+                        <a:cs typeface="Times New Roman"/>
+                      </a:endParaRPr>
+                    </a:p>
+                  </a:txBody>
+                  <a:tcPr marL="61232" marR="61232" marT="0" marB="0" anchor="ctr"/>
+                </a:tc>
+              </a:tr>
+              <a:tr h="816429">
+                <a:tc>
+                  <a:txBody>
+                    <a:bodyPr/>
+                    <a:lstStyle/>
+                    <a:p>
+                      <a:pPr algn="ctr">
+                        <a:spcAft>
+                          <a:spcPts val="0"/>
+                        </a:spcAft>
+                        <a:tabLst>
+                          <a:tab pos="90170" algn="l"/>
+                        </a:tabLst>
+                      </a:pPr>
+                      <a:r>
+                        <a:rPr lang="ru-RU" sz="1100">
+                          <a:effectLst/>
+                        </a:rPr>
+                        <a:t>3</a:t>
+                      </a:r>
+                      <a:r>
+                        <a:rPr lang="en-US" sz="1100">
+                          <a:effectLst/>
+                        </a:rPr>
+                        <a:t>.</a:t>
+                      </a:r>
+                      <a:r>
+                        <a:rPr lang="ru-RU" sz="1100">
+                          <a:effectLst/>
+                        </a:rPr>
+                        <a:t>1</a:t>
+                      </a:r>
+                      <a:endParaRPr lang="uk-UA" sz="1100">
+                        <a:effectLst/>
+                        <a:latin typeface="Times New Roman"/>
+                        <a:ea typeface="Times New Roman"/>
+                        <a:cs typeface="Times New Roman"/>
+                      </a:endParaRPr>
+                    </a:p>
+                  </a:txBody>
+                  <a:tcPr marL="61232" marR="61232" marT="0" marB="0"/>
+                </a:tc>
+                <a:tc>
+                  <a:txBody>
+                    <a:bodyPr/>
+                    <a:lstStyle/>
+                    <a:p>
+                      <a:pPr algn="l">
+                        <a:spcAft>
+                          <a:spcPts val="0"/>
+                        </a:spcAft>
+                        <a:tabLst>
+                          <a:tab pos="90170" algn="l"/>
+                        </a:tabLst>
+                      </a:pPr>
+                      <a:r>
+                        <a:rPr lang="ru-RU" sz="1100">
+                          <a:effectLst/>
+                        </a:rPr>
+                        <a:t>Поддержка документирования этапов проектирования</a:t>
+                      </a:r>
+                      <a:endParaRPr lang="uk-UA" sz="1100">
+                        <a:effectLst/>
+                        <a:latin typeface="Times New Roman"/>
+                        <a:ea typeface="Times New Roman"/>
+                        <a:cs typeface="Times New Roman"/>
+                      </a:endParaRPr>
+                    </a:p>
+                  </a:txBody>
+                  <a:tcPr marL="61232" marR="61232" marT="0" marB="0" anchor="ctr"/>
+                </a:tc>
+                <a:tc>
+                  <a:txBody>
+                    <a:bodyPr/>
+                    <a:lstStyle/>
+                    <a:p>
+                      <a:pPr algn="l">
+                        <a:spcAft>
+                          <a:spcPts val="0"/>
+                        </a:spcAft>
+                        <a:tabLst>
+                          <a:tab pos="90170" algn="l"/>
+                        </a:tabLst>
+                      </a:pPr>
+                      <a:r>
+                        <a:rPr lang="en-US" sz="1100">
+                          <a:effectLst/>
+                        </a:rPr>
+                        <a:t>Ramus Educational</a:t>
+                      </a:r>
+                      <a:r>
+                        <a:rPr lang="ru-RU" sz="1100">
+                          <a:effectLst/>
+                        </a:rPr>
+                        <a:t>, </a:t>
+                      </a:r>
+                      <a:r>
+                        <a:rPr lang="en-US" sz="1100">
+                          <a:effectLst/>
+                        </a:rPr>
+                        <a:t>ARIS</a:t>
+                      </a:r>
+                      <a:r>
+                        <a:rPr lang="ru-RU" sz="1100">
+                          <a:effectLst/>
+                        </a:rPr>
+                        <a:t> имеют возможность автоматического документирования при создании диаграмм а так же формирования отчетов</a:t>
+                      </a:r>
+                      <a:endParaRPr lang="uk-UA" sz="1100">
+                        <a:effectLst/>
+                        <a:latin typeface="Times New Roman"/>
+                        <a:ea typeface="Times New Roman"/>
+                        <a:cs typeface="Times New Roman"/>
+                      </a:endParaRPr>
+                    </a:p>
+                  </a:txBody>
+                  <a:tcPr marL="61232" marR="61232" marT="0" marB="0" anchor="ctr"/>
+                </a:tc>
+              </a:tr>
+              <a:tr h="653143">
+                <a:tc>
+                  <a:txBody>
+                    <a:bodyPr/>
+                    <a:lstStyle/>
+                    <a:p>
+                      <a:pPr algn="ctr">
+                        <a:spcAft>
+                          <a:spcPts val="0"/>
+                        </a:spcAft>
+                        <a:tabLst>
+                          <a:tab pos="90170" algn="l"/>
+                        </a:tabLst>
+                      </a:pPr>
+                      <a:r>
+                        <a:rPr lang="ru-RU" sz="1100">
+                          <a:effectLst/>
+                        </a:rPr>
+                        <a:t>3.2</a:t>
+                      </a:r>
+                      <a:endParaRPr lang="uk-UA" sz="1100">
+                        <a:effectLst/>
+                        <a:latin typeface="Times New Roman"/>
+                        <a:ea typeface="Times New Roman"/>
+                        <a:cs typeface="Times New Roman"/>
+                      </a:endParaRPr>
+                    </a:p>
+                  </a:txBody>
+                  <a:tcPr marL="61232" marR="61232" marT="0" marB="0"/>
+                </a:tc>
+                <a:tc>
+                  <a:txBody>
+                    <a:bodyPr/>
+                    <a:lstStyle/>
+                    <a:p>
+                      <a:pPr algn="l">
+                        <a:spcAft>
+                          <a:spcPts val="0"/>
+                        </a:spcAft>
+                        <a:tabLst>
+                          <a:tab pos="90170" algn="l"/>
+                        </a:tabLst>
+                      </a:pPr>
+                      <a:r>
+                        <a:rPr lang="ru-RU" sz="1100" dirty="0">
+                          <a:effectLst/>
+                        </a:rPr>
+                        <a:t>Наличие документации</a:t>
+                      </a:r>
+                      <a:endParaRPr lang="uk-UA" sz="1100" dirty="0">
+                        <a:effectLst/>
+                        <a:latin typeface="Times New Roman"/>
+                        <a:ea typeface="Times New Roman"/>
+                        <a:cs typeface="Times New Roman"/>
+                      </a:endParaRPr>
+                    </a:p>
+                  </a:txBody>
+                  <a:tcPr marL="61232" marR="61232" marT="0" marB="0" anchor="ctr"/>
+                </a:tc>
+                <a:tc>
+                  <a:txBody>
+                    <a:bodyPr/>
+                    <a:lstStyle/>
+                    <a:p>
+                      <a:pPr algn="l">
+                        <a:spcAft>
+                          <a:spcPts val="0"/>
+                        </a:spcAft>
+                        <a:tabLst>
+                          <a:tab pos="90170" algn="l"/>
+                        </a:tabLst>
+                      </a:pPr>
+                      <a:r>
+                        <a:rPr lang="ru-RU" sz="1100" dirty="0">
+                          <a:effectLst/>
+                        </a:rPr>
+                        <a:t>Наличие </a:t>
+                      </a:r>
+                      <a:r>
+                        <a:rPr lang="ru-RU" sz="1100" dirty="0" err="1">
+                          <a:effectLst/>
+                        </a:rPr>
+                        <a:t>рускоязычной</a:t>
+                      </a:r>
+                      <a:r>
+                        <a:rPr lang="ru-RU" sz="1100" dirty="0">
+                          <a:effectLst/>
+                        </a:rPr>
+                        <a:t> документации к ПО в свободном доступе и в достаточном количестве для более удобного использования ПО</a:t>
+                      </a:r>
+                      <a:endParaRPr lang="uk-UA" sz="1100" dirty="0">
+                        <a:effectLst/>
+                        <a:latin typeface="Times New Roman"/>
+                        <a:ea typeface="Times New Roman"/>
+                        <a:cs typeface="Times New Roman"/>
+                      </a:endParaRPr>
+                    </a:p>
+                  </a:txBody>
+                  <a:tcPr marL="61232" marR="61232" marT="0" marB="0" anchor="ctr"/>
+                </a:tc>
+              </a:tr>
+            </a:tbl>
+          </a:graphicData>
+        </a:graphic>
+      </p:graphicFrame>
+    </p:spTree>
+    <p:extLst>
+      <p:ext uri="{BB962C8B-B14F-4D97-AF65-F5344CB8AC3E}">
+        <p14:creationId xmlns:p14="http://schemas.microsoft.com/office/powerpoint/2010/main" val="1579127285"/>
+      </p:ext>
+    </p:extLst>
+  </p:cSld>
+  <p:clrMapOvr>
+    <a:masterClrMapping/>
+  </p:clrMapOvr>
+</p:sld>
+</file>
+
+<file path=ppt/slides/slide9.xml><?xml version="1.0" encoding="utf-8"?>
+<p:sld xmlns:a="http://schemas.openxmlformats.org/drawingml/2006/main" xmlns:r="http://schemas.openxmlformats.org/officeDocument/2006/relationships" xmlns:p="http://schemas.openxmlformats.org/presentationml/2006/main">
+  <p:cSld>
+    <p:spTree>
+      <p:nvGrpSpPr>
+        <p:cNvPr id="1" name=""/>
+        <p:cNvGrpSpPr/>
+        <p:nvPr/>
+      </p:nvGrpSpPr>
+      <p:grpSpPr>
+        <a:xfrm>
+          <a:off x="0" y="0"/>
+          <a:ext cx="0" cy="0"/>
+          <a:chOff x="0" y="0"/>
+          <a:chExt cx="0" cy="0"/>
+        </a:xfrm>
+      </p:grpSpPr>
+      <p:sp>
+        <p:nvSpPr>
+          <p:cNvPr id="2" name="Прямоугольник 1"/>
+          <p:cNvSpPr/>
+          <p:nvPr/>
+        </p:nvSpPr>
+        <p:spPr>
+          <a:xfrm>
+            <a:off x="0" y="84102"/>
+            <a:ext cx="9144000" cy="584775"/>
+          </a:xfrm>
+          <a:prstGeom prst="rect">
+            <a:avLst/>
+          </a:prstGeom>
+        </p:spPr>
+        <p:txBody>
+          <a:bodyPr wrap="square">
+            <a:spAutoFit/>
+          </a:bodyPr>
+          <a:lstStyle/>
+          <a:p>
+            <a:pPr algn="ctr"/>
+            <a:r>
+              <a:rPr lang="ru-RU" sz="3200" dirty="0" smtClean="0"/>
+              <a:t>Результаты тестирования ПО</a:t>
+            </a:r>
+            <a:endParaRPr lang="uk-UA" sz="3200" dirty="0"/>
+          </a:p>
+        </p:txBody>
+      </p:sp>
+      <p:graphicFrame>
+        <p:nvGraphicFramePr>
+          <p:cNvPr id="5" name="Диаграмма 4"/>
+          <p:cNvGraphicFramePr/>
+          <p:nvPr>
+            <p:extLst>
+              <p:ext uri="{D42A27DB-BD31-4B8C-83A1-F6EECF244321}">
+                <p14:modId xmlns:p14="http://schemas.microsoft.com/office/powerpoint/2010/main" val="2069204982"/>
+              </p:ext>
+            </p:extLst>
+          </p:nvPr>
+        </p:nvGraphicFramePr>
+        <p:xfrm>
+          <a:off x="215516" y="836712"/>
+          <a:ext cx="8712968" cy="3744416"/>
+        </p:xfrm>
+        <a:graphic>
+          <a:graphicData uri="http://schemas.openxmlformats.org/drawingml/2006/chart">
+            <c:chart xmlns:c="http://schemas.openxmlformats.org/drawingml/2006/chart" xmlns:r="http://schemas.openxmlformats.org/officeDocument/2006/relationships" r:id="rId2"/>
+          </a:graphicData>
+        </a:graphic>
+      </p:graphicFrame>
+      <p:sp>
+        <p:nvSpPr>
+          <p:cNvPr id="6" name="TextBox 5"/>
+          <p:cNvSpPr txBox="1"/>
+          <p:nvPr/>
+        </p:nvSpPr>
+        <p:spPr>
+          <a:xfrm>
+            <a:off x="323528" y="4725144"/>
+            <a:ext cx="8424936" cy="1569660"/>
+          </a:xfrm>
+          <a:prstGeom prst="rect">
+            <a:avLst/>
+          </a:prstGeom>
+          <a:noFill/>
+        </p:spPr>
+        <p:txBody>
+          <a:bodyPr wrap="square" rtlCol="0">
+            <a:spAutoFit/>
+          </a:bodyPr>
+          <a:lstStyle/>
+          <a:p>
+            <a:r>
+              <a:rPr lang="ru-RU" sz="2400" dirty="0" smtClean="0"/>
+              <a:t>Результаты показывают высокую эффективность использования модуля управления обработкой по отношению к другим способам управления или их отсутствию</a:t>
+            </a:r>
+            <a:endParaRPr lang="uk-UA" sz="2400" dirty="0"/>
+          </a:p>
+        </p:txBody>
+      </p:sp>
+    </p:spTree>
+    <p:extLst>
+      <p:ext uri="{BB962C8B-B14F-4D97-AF65-F5344CB8AC3E}">
+        <p14:creationId xmlns:p14="http://schemas.microsoft.com/office/powerpoint/2010/main" val="1265224629"/>
+      </p:ext>
+    </p:extLst>
+  </p:cSld>
+  <p:clrMapOvr>
+    <a:masterClrMapping/>
+  </p:clrMapOvr>
+</p:sld>
+</file>
+
 <file path=ppt/theme/theme1.xml><?xml version="1.0" encoding="utf-8"?>
-<a:theme xmlns:a="http://schemas.openxmlformats.org/drawingml/2006/main" name="Тема Office">
+<a:theme xmlns:a="http://schemas.openxmlformats.org/drawingml/2006/main" name="Яркая">
   <a:themeElements>
-    <a:clrScheme name="Стандартная">
+    <a:clrScheme name="Яркая">
       <a:dk1>
         <a:sysClr val="windowText" lastClr="000000"/>
       </a:dk1>
@@ -3114,82 +6365,48 @@
         <a:sysClr val="window" lastClr="FFFFFF"/>
       </a:lt1>
       <a:dk2>
-        <a:srgbClr val="1F497D"/>
+        <a:srgbClr val="666666"/>
       </a:dk2>
       <a:lt2>
-        <a:srgbClr val="EEECE1"/>
+        <a:srgbClr val="D2D2D2"/>
       </a:lt2>
       <a:accent1>
-        <a:srgbClr val="4F81BD"/>
+        <a:srgbClr val="FF388C"/>
       </a:accent1>
       <a:accent2>
-        <a:srgbClr val="C0504D"/>
+        <a:srgbClr val="E40059"/>
       </a:accent2>
       <a:accent3>
-        <a:srgbClr val="9BBB59"/>
+        <a:srgbClr val="9C007F"/>
       </a:accent3>
       <a:accent4>
-        <a:srgbClr val="8064A2"/>
+        <a:srgbClr val="68007F"/>
       </a:accent4>
       <a:accent5>
-        <a:srgbClr val="4BACC6"/>
+        <a:srgbClr val="005BD3"/>
       </a:accent5>
       <a:accent6>
-        <a:srgbClr val="F79646"/>
+        <a:srgbClr val="00349E"/>
       </a:accent6>
       <a:hlink>
-        <a:srgbClr val="0000FF"/>
+        <a:srgbClr val="17BBFD"/>
       </a:hlink>
       <a:folHlink>
-        <a:srgbClr val="800080"/>
+        <a:srgbClr val="FF79C2"/>
       </a:folHlink>
     </a:clrScheme>
-    <a:fontScheme name="Стандартная">
+    <a:fontScheme name="Яркая">
       <a:majorFont>
-        <a:latin typeface="Calibri"/>
+        <a:latin typeface="Century Gothic"/>
         <a:ea typeface=""/>
         <a:cs typeface=""/>
-        <a:font script="Jpan" typeface="ＭＳ Ｐゴシック"/>
-        <a:font script="Hang" typeface="맑은 고딕"/>
-        <a:font script="Hans" typeface="宋体"/>
-        <a:font script="Hant" typeface="新細明體"/>
-        <a:font script="Arab" typeface="Times New Roman"/>
-        <a:font script="Hebr" typeface="Times New Roman"/>
-        <a:font script="Thai" typeface="Angsana New"/>
-        <a:font script="Ethi" typeface="Nyala"/>
-        <a:font script="Beng" typeface="Vrinda"/>
-        <a:font script="Gujr" typeface="Shruti"/>
-        <a:font script="Khmr" typeface="MoolBoran"/>
-        <a:font script="Knda" typeface="Tunga"/>
-        <a:font script="Guru" typeface="Raavi"/>
-        <a:font script="Cans" typeface="Euphemia"/>
-        <a:font script="Cher" typeface="Plantagenet Cherokee"/>
-        <a:font script="Yiii" typeface="Microsoft Yi Baiti"/>
-        <a:font script="Tibt" typeface="Microsoft Himalaya"/>
-        <a:font script="Thaa" typeface="MV Boli"/>
-        <a:font script="Deva" typeface="Mangal"/>
-        <a:font script="Telu" typeface="Gautami"/>
-        <a:font script="Taml" typeface="Latha"/>
-        <a:font script="Syrc" typeface="Estrangelo Edessa"/>
-        <a:font script="Orya" typeface="Kalinga"/>
-        <a:font script="Mlym" typeface="Kartika"/>
-        <a:font script="Laoo" typeface="DokChampa"/>
-        <a:font script="Sinh" typeface="Iskoola Pota"/>
-        <a:font script="Mong" typeface="Mongolian Baiti"/>
-        <a:font script="Viet" typeface="Times New Roman"/>
-        <a:font script="Uigh" typeface="Microsoft Uighur"/>
-      </a:majorFont>
-      <a:minorFont>
-        <a:latin typeface="Calibri"/>
-        <a:ea typeface=""/>
-        <a:cs typeface=""/>
-        <a:font script="Jpan" typeface="ＭＳ Ｐゴシック"/>
-        <a:font script="Hang" typeface="맑은 고딕"/>
-        <a:font script="Hans" typeface="宋体"/>
-        <a:font script="Hant" typeface="新細明體"/>
-        <a:font script="Arab" typeface="Arial"/>
-        <a:font script="Hebr" typeface="Arial"/>
-        <a:font script="Thai" typeface="Cordia New"/>
+        <a:font script="Jpan" typeface="HGｺﾞｼｯｸM"/>
+        <a:font script="Hang" typeface="HY중고딕"/>
+        <a:font script="Hans" typeface="幼圆"/>
+        <a:font script="Hant" typeface="微軟正黑體"/>
+        <a:font script="Arab" typeface="Tahoma"/>
+        <a:font script="Hebr" typeface="Gisha"/>
+        <a:font script="Thai" typeface="DilleniaUPC"/>
         <a:font script="Ethi" typeface="Nyala"/>
         <a:font script="Beng" typeface="Vrinda"/>
         <a:font script="Gujr" typeface="Shruti"/>
@@ -3210,11 +6427,47 @@
         <a:font script="Laoo" typeface="DokChampa"/>
         <a:font script="Sinh" typeface="Iskoola Pota"/>
         <a:font script="Mong" typeface="Mongolian Baiti"/>
-        <a:font script="Viet" typeface="Arial"/>
+        <a:font script="Viet" typeface="Tahoma"/>
         <a:font script="Uigh" typeface="Microsoft Uighur"/>
+        <a:font script="Geor" typeface="Sylfaen"/>
+      </a:majorFont>
+      <a:minorFont>
+        <a:latin typeface="Century Gothic"/>
+        <a:ea typeface=""/>
+        <a:cs typeface=""/>
+        <a:font script="Jpan" typeface="ＭＳ ゴシック"/>
+        <a:font script="Hang" typeface="HY중고딕"/>
+        <a:font script="Hans" typeface="幼圆"/>
+        <a:font script="Hant" typeface="微軟正黑體"/>
+        <a:font script="Arab" typeface="Tahoma"/>
+        <a:font script="Hebr" typeface="Gisha"/>
+        <a:font script="Thai" typeface="DilleniaUPC"/>
+        <a:font script="Ethi" typeface="Nyala"/>
+        <a:font script="Beng" typeface="Vrinda"/>
+        <a:font script="Gujr" typeface="Shruti"/>
+        <a:font script="Khmr" typeface="DaunPenh"/>
+        <a:font script="Knda" typeface="Tunga"/>
+        <a:font script="Guru" typeface="Raavi"/>
+        <a:font script="Cans" typeface="Euphemia"/>
+        <a:font script="Cher" typeface="Plantagenet Cherokee"/>
+        <a:font script="Yiii" typeface="Microsoft Yi Baiti"/>
+        <a:font script="Tibt" typeface="Microsoft Himalaya"/>
+        <a:font script="Thaa" typeface="MV Boli"/>
+        <a:font script="Deva" typeface="Mangal"/>
+        <a:font script="Telu" typeface="Gautami"/>
+        <a:font script="Taml" typeface="Latha"/>
+        <a:font script="Syrc" typeface="Estrangelo Edessa"/>
+        <a:font script="Orya" typeface="Kalinga"/>
+        <a:font script="Mlym" typeface="Kartika"/>
+        <a:font script="Laoo" typeface="DokChampa"/>
+        <a:font script="Sinh" typeface="Iskoola Pota"/>
+        <a:font script="Mong" typeface="Mongolian Baiti"/>
+        <a:font script="Viet" typeface="Verdana"/>
+        <a:font script="Uigh" typeface="Microsoft Uighur"/>
+        <a:font script="Geor" typeface="Sylfaen"/>
       </a:minorFont>
     </a:fontScheme>
-    <a:fmtScheme name="Стандартная">
+    <a:fmtScheme name="Яркая">
       <a:fillStyleLst>
         <a:solidFill>
           <a:schemeClr val="phClr"/>
@@ -3223,55 +6476,58 @@
           <a:gsLst>
             <a:gs pos="0">
               <a:schemeClr val="phClr">
-                <a:tint val="50000"/>
+                <a:tint val="10000"/>
                 <a:satMod val="300000"/>
               </a:schemeClr>
             </a:gs>
-            <a:gs pos="35000">
+            <a:gs pos="34000">
               <a:schemeClr val="phClr">
-                <a:tint val="37000"/>
-                <a:satMod val="300000"/>
+                <a:tint val="13500"/>
+                <a:satMod val="250000"/>
               </a:schemeClr>
             </a:gs>
             <a:gs pos="100000">
               <a:schemeClr val="phClr">
-                <a:tint val="15000"/>
-                <a:satMod val="350000"/>
+                <a:tint val="60000"/>
+                <a:satMod val="200000"/>
               </a:schemeClr>
             </a:gs>
           </a:gsLst>
-          <a:lin ang="16200000" scaled="1"/>
+          <a:path path="circle">
+            <a:fillToRect l="50000" t="155000" r="50000" b="-55000"/>
+          </a:path>
         </a:gradFill>
         <a:gradFill rotWithShape="1">
           <a:gsLst>
             <a:gs pos="0">
               <a:schemeClr val="phClr">
-                <a:shade val="51000"/>
-                <a:satMod val="130000"/>
+                <a:tint val="60000"/>
+                <a:satMod val="160000"/>
               </a:schemeClr>
             </a:gs>
-            <a:gs pos="80000">
+            <a:gs pos="46000">
               <a:schemeClr val="phClr">
-                <a:shade val="93000"/>
-                <a:satMod val="130000"/>
+                <a:tint val="86000"/>
+                <a:satMod val="160000"/>
               </a:schemeClr>
             </a:gs>
             <a:gs pos="100000">
               <a:schemeClr val="phClr">
-                <a:shade val="94000"/>
-                <a:satMod val="135000"/>
+                <a:shade val="40000"/>
+                <a:satMod val="160000"/>
               </a:schemeClr>
             </a:gs>
           </a:gsLst>
-          <a:lin ang="16200000" scaled="0"/>
+          <a:path path="circle">
+            <a:fillToRect l="50000" t="155000" r="50000" b="-55000"/>
+          </a:path>
         </a:gradFill>
       </a:fillStyleLst>
       <a:lnStyleLst>
         <a:ln w="9525" cap="flat" cmpd="sng" algn="ctr">
           <a:solidFill>
             <a:schemeClr val="phClr">
-              <a:shade val="95000"/>
-              <a:satMod val="105000"/>
+              <a:satMod val="120000"/>
             </a:schemeClr>
           </a:solidFill>
           <a:prstDash val="solid"/>
@@ -3292,40 +6548,43 @@
       <a:effectStyleLst>
         <a:effectStyle>
           <a:effectLst>
-            <a:outerShdw blurRad="40000" dist="20000" dir="5400000" rotWithShape="0">
+            <a:outerShdw blurRad="63500" dist="25400" dir="14700000" algn="t" rotWithShape="0">
               <a:srgbClr val="000000">
-                <a:alpha val="38000"/>
+                <a:alpha val="50000"/>
               </a:srgbClr>
             </a:outerShdw>
           </a:effectLst>
         </a:effectStyle>
         <a:effectStyle>
           <a:effectLst>
-            <a:outerShdw blurRad="40000" dist="23000" dir="5400000" rotWithShape="0">
+            <a:outerShdw blurRad="50800" dist="38100" dir="14700000" algn="t" rotWithShape="0">
               <a:srgbClr val="000000">
-                <a:alpha val="35000"/>
+                <a:alpha val="60000"/>
               </a:srgbClr>
             </a:outerShdw>
           </a:effectLst>
         </a:effectStyle>
         <a:effectStyle>
           <a:effectLst>
-            <a:outerShdw blurRad="40000" dist="23000" dir="5400000" rotWithShape="0">
+            <a:outerShdw blurRad="50800" dist="38100" dir="14700000" algn="t" rotWithShape="0">
               <a:srgbClr val="000000">
-                <a:alpha val="35000"/>
+                <a:alpha val="60000"/>
               </a:srgbClr>
             </a:outerShdw>
           </a:effectLst>
           <a:scene3d>
-            <a:camera prst="orthographicFront">
+            <a:camera prst="orthographicFront" fov="0">
               <a:rot lat="0" lon="0" rev="0"/>
             </a:camera>
-            <a:lightRig rig="threePt" dir="t">
-              <a:rot lat="0" lon="0" rev="1200000"/>
+            <a:lightRig rig="contrasting" dir="t">
+              <a:rot lat="0" lon="0" rev="3600000"/>
             </a:lightRig>
           </a:scene3d>
-          <a:sp3d>
-            <a:bevelT w="63500" h="25400"/>
+          <a:sp3d prstMaterial="plastic">
+            <a:bevelT w="127000" h="38200" prst="relaxedInset"/>
+            <a:contourClr>
+              <a:schemeClr val="phClr"/>
+            </a:contourClr>
           </a:sp3d>
         </a:effectStyle>
       </a:effectStyleLst>
@@ -3337,47 +6596,40 @@
           <a:gsLst>
             <a:gs pos="0">
               <a:schemeClr val="phClr">
-                <a:tint val="40000"/>
-                <a:satMod val="350000"/>
+                <a:shade val="48000"/>
+                <a:satMod val="230000"/>
               </a:schemeClr>
             </a:gs>
-            <a:gs pos="40000">
+            <a:gs pos="60000">
               <a:schemeClr val="phClr">
-                <a:tint val="45000"/>
-                <a:shade val="99000"/>
-                <a:satMod val="350000"/>
+                <a:shade val="92000"/>
+                <a:satMod val="230000"/>
               </a:schemeClr>
             </a:gs>
             <a:gs pos="100000">
               <a:schemeClr val="phClr">
-                <a:shade val="20000"/>
-                <a:satMod val="255000"/>
+                <a:tint val="85000"/>
+                <a:satMod val="400000"/>
               </a:schemeClr>
             </a:gs>
           </a:gsLst>
-          <a:path path="circle">
-            <a:fillToRect l="50000" t="-80000" r="50000" b="180000"/>
-          </a:path>
+          <a:lin ang="5400000" scaled="0"/>
         </a:gradFill>
-        <a:gradFill rotWithShape="1">
-          <a:gsLst>
-            <a:gs pos="0">
+        <a:blipFill>
+          <a:blip xmlns:r="http://schemas.openxmlformats.org/officeDocument/2006/relationships" r:embed="rId1">
+            <a:duotone>
               <a:schemeClr val="phClr">
-                <a:tint val="80000"/>
-                <a:satMod val="300000"/>
+                <a:shade val="1200"/>
+                <a:satMod val="150000"/>
               </a:schemeClr>
-            </a:gs>
-            <a:gs pos="100000">
               <a:schemeClr val="phClr">
-                <a:shade val="30000"/>
-                <a:satMod val="200000"/>
+                <a:tint val="90000"/>
+                <a:satMod val="150000"/>
               </a:schemeClr>
-            </a:gs>
-          </a:gsLst>
-          <a:path path="circle">
-            <a:fillToRect l="50000" t="50000" r="50000" b="50000"/>
-          </a:path>
-        </a:gradFill>
+            </a:duotone>
+          </a:blip>
+          <a:tile tx="0" ty="0" sx="70000" sy="70000" flip="none" algn="tl"/>
+        </a:blipFill>
       </a:bgFillStyleLst>
     </a:fmtScheme>
   </a:themeElements>
